--- a/vng-ip/NewIP/docs/Design/NewIP.pptx
+++ b/vng-ip/NewIP/docs/Design/NewIP.pptx
@@ -8,14 +8,25 @@
     <p:sldMasterId id="2147487912" r:id="rId8"/>
   </p:sldMasterIdLst>
   <p:notesMasterIdLst>
-    <p:notesMasterId r:id="rId11"/>
+    <p:notesMasterId r:id="rId22"/>
   </p:notesMasterIdLst>
   <p:handoutMasterIdLst>
-    <p:handoutMasterId r:id="rId12"/>
+    <p:handoutMasterId r:id="rId23"/>
   </p:handoutMasterIdLst>
   <p:sldIdLst>
     <p:sldId id="353" r:id="rId9"/>
     <p:sldId id="354" r:id="rId10"/>
+    <p:sldId id="359" r:id="rId11"/>
+    <p:sldId id="355" r:id="rId12"/>
+    <p:sldId id="356" r:id="rId13"/>
+    <p:sldId id="357" r:id="rId14"/>
+    <p:sldId id="361" r:id="rId15"/>
+    <p:sldId id="362" r:id="rId16"/>
+    <p:sldId id="363" r:id="rId17"/>
+    <p:sldId id="364" r:id="rId18"/>
+    <p:sldId id="365" r:id="rId19"/>
+    <p:sldId id="358" r:id="rId20"/>
+    <p:sldId id="360" r:id="rId21"/>
   </p:sldIdLst>
   <p:sldSz cx="9144000" cy="6858000" type="screen4x3"/>
   <p:notesSz cx="6985000" cy="9283700"/>
@@ -244,7 +255,7 @@
               <a:pPr>
                 <a:defRPr/>
               </a:pPr>
-              <a:t>1/10/2011</a:t>
+              <a:t>1/12/2011</a:t>
             </a:fld>
             <a:endParaRPr lang="en-US"/>
           </a:p>
@@ -446,7 +457,7 @@
               <a:pPr>
                 <a:defRPr/>
               </a:pPr>
-              <a:t>1/10/2011</a:t>
+              <a:t>1/12/2011</a:t>
             </a:fld>
             <a:endParaRPr lang="en-US"/>
           </a:p>
@@ -870,6 +881,638 @@
 </p:notes>
 </file>
 
+<file path=ppt/notesSlides/notesSlide2.xml><?xml version="1.0" encoding="utf-8"?>
+<p:notes xmlns:a="http://schemas.openxmlformats.org/drawingml/2006/main" xmlns:r="http://schemas.openxmlformats.org/officeDocument/2006/relationships" xmlns:p="http://schemas.openxmlformats.org/presentationml/2006/main">
+  <p:cSld>
+    <p:spTree>
+      <p:nvGrpSpPr>
+        <p:cNvPr id="1" name=""/>
+        <p:cNvGrpSpPr/>
+        <p:nvPr/>
+      </p:nvGrpSpPr>
+      <p:grpSpPr>
+        <a:xfrm>
+          <a:off x="0" y="0"/>
+          <a:ext cx="0" cy="0"/>
+          <a:chOff x="0" y="0"/>
+          <a:chExt cx="0" cy="0"/>
+        </a:xfrm>
+      </p:grpSpPr>
+      <p:sp>
+        <p:nvSpPr>
+          <p:cNvPr id="2" name="Slide Image Placeholder 1"/>
+          <p:cNvSpPr>
+            <a:spLocks noGrp="1" noRot="1" noChangeAspect="1"/>
+          </p:cNvSpPr>
+          <p:nvPr>
+            <p:ph type="sldImg"/>
+          </p:nvPr>
+        </p:nvSpPr>
+        <p:spPr/>
+      </p:sp>
+      <p:sp>
+        <p:nvSpPr>
+          <p:cNvPr id="3" name="Notes Placeholder 2"/>
+          <p:cNvSpPr>
+            <a:spLocks noGrp="1"/>
+          </p:cNvSpPr>
+          <p:nvPr>
+            <p:ph type="body" idx="1"/>
+          </p:nvPr>
+        </p:nvSpPr>
+        <p:spPr/>
+        <p:txBody>
+          <a:bodyPr>
+            <a:normAutofit/>
+          </a:bodyPr>
+          <a:lstStyle/>
+          <a:p>
+            <a:pPr>
+              <a:buFontTx/>
+              <a:buChar char="-"/>
+            </a:pPr>
+            <a:r>
+              <a:rPr lang="en-US" dirty="0" smtClean="0"/>
+              <a:t>1 to</a:t>
+            </a:r>
+            <a:r>
+              <a:rPr lang="en-US" baseline="0" dirty="0" smtClean="0"/>
+              <a:t> n Apache servers with </a:t>
+            </a:r>
+            <a:r>
+              <a:rPr lang="en-US" baseline="0" dirty="0" err="1" smtClean="0"/>
+              <a:t>mod_jk</a:t>
+            </a:r>
+            <a:endParaRPr lang="en-US" baseline="0" dirty="0" smtClean="0"/>
+          </a:p>
+          <a:p>
+            <a:pPr>
+              <a:buFontTx/>
+              <a:buChar char="-"/>
+            </a:pPr>
+            <a:r>
+              <a:rPr lang="en-US" baseline="0" dirty="0" smtClean="0"/>
+              <a:t>1 to n Service servers (Java Application Server: Tomcat or </a:t>
+            </a:r>
+            <a:r>
+              <a:rPr lang="en-US" baseline="0" dirty="0" err="1" smtClean="0"/>
+              <a:t>JBossAS</a:t>
+            </a:r>
+            <a:r>
+              <a:rPr lang="en-US" baseline="0" dirty="0" smtClean="0"/>
+              <a:t>)</a:t>
+            </a:r>
+          </a:p>
+          <a:p>
+            <a:pPr>
+              <a:buFontTx/>
+              <a:buChar char="-"/>
+            </a:pPr>
+            <a:r>
+              <a:rPr lang="en-US" baseline="0" dirty="0" smtClean="0"/>
+              <a:t>1 to n Cache servers (</a:t>
+            </a:r>
+            <a:r>
+              <a:rPr lang="en-US" baseline="0" dirty="0" err="1" smtClean="0"/>
+              <a:t>Memcached</a:t>
+            </a:r>
+            <a:r>
+              <a:rPr lang="en-US" baseline="0" dirty="0" smtClean="0"/>
+              <a:t> or </a:t>
+            </a:r>
+            <a:r>
+              <a:rPr lang="en-US" baseline="0" dirty="0" err="1" smtClean="0"/>
+              <a:t>Ehcache</a:t>
+            </a:r>
+            <a:r>
+              <a:rPr lang="en-US" baseline="0" dirty="0" smtClean="0"/>
+              <a:t>-Terracotta)</a:t>
+            </a:r>
+            <a:endParaRPr lang="en-US" dirty="0"/>
+          </a:p>
+        </p:txBody>
+      </p:sp>
+      <p:sp>
+        <p:nvSpPr>
+          <p:cNvPr id="4" name="Slide Number Placeholder 3"/>
+          <p:cNvSpPr>
+            <a:spLocks noGrp="1"/>
+          </p:cNvSpPr>
+          <p:nvPr>
+            <p:ph type="sldNum" sz="quarter" idx="10"/>
+          </p:nvPr>
+        </p:nvSpPr>
+        <p:spPr/>
+        <p:txBody>
+          <a:bodyPr/>
+          <a:lstStyle/>
+          <a:p>
+            <a:pPr>
+              <a:defRPr/>
+            </a:pPr>
+            <a:fld id="{D2734ABF-D6A6-4D5E-802A-97F82C2C757F}" type="slidenum">
+              <a:rPr lang="en-US" smtClean="0"/>
+              <a:pPr>
+                <a:defRPr/>
+              </a:pPr>
+              <a:t>4</a:t>
+            </a:fld>
+            <a:endParaRPr lang="en-US"/>
+          </a:p>
+        </p:txBody>
+      </p:sp>
+    </p:spTree>
+  </p:cSld>
+  <p:clrMapOvr>
+    <a:masterClrMapping/>
+  </p:clrMapOvr>
+</p:notes>
+</file>
+
+<file path=ppt/notesSlides/notesSlide3.xml><?xml version="1.0" encoding="utf-8"?>
+<p:notes xmlns:a="http://schemas.openxmlformats.org/drawingml/2006/main" xmlns:r="http://schemas.openxmlformats.org/officeDocument/2006/relationships" xmlns:p="http://schemas.openxmlformats.org/presentationml/2006/main">
+  <p:cSld>
+    <p:spTree>
+      <p:nvGrpSpPr>
+        <p:cNvPr id="1" name=""/>
+        <p:cNvGrpSpPr/>
+        <p:nvPr/>
+      </p:nvGrpSpPr>
+      <p:grpSpPr>
+        <a:xfrm>
+          <a:off x="0" y="0"/>
+          <a:ext cx="0" cy="0"/>
+          <a:chOff x="0" y="0"/>
+          <a:chExt cx="0" cy="0"/>
+        </a:xfrm>
+      </p:grpSpPr>
+      <p:sp>
+        <p:nvSpPr>
+          <p:cNvPr id="2" name="Slide Image Placeholder 1"/>
+          <p:cNvSpPr>
+            <a:spLocks noGrp="1" noRot="1" noChangeAspect="1"/>
+          </p:cNvSpPr>
+          <p:nvPr>
+            <p:ph type="sldImg"/>
+          </p:nvPr>
+        </p:nvSpPr>
+        <p:spPr/>
+      </p:sp>
+      <p:sp>
+        <p:nvSpPr>
+          <p:cNvPr id="3" name="Notes Placeholder 2"/>
+          <p:cNvSpPr>
+            <a:spLocks noGrp="1"/>
+          </p:cNvSpPr>
+          <p:nvPr>
+            <p:ph type="body" idx="1"/>
+          </p:nvPr>
+        </p:nvSpPr>
+        <p:spPr/>
+        <p:txBody>
+          <a:bodyPr>
+            <a:normAutofit/>
+          </a:bodyPr>
+          <a:lstStyle/>
+          <a:p>
+            <a:r>
+              <a:rPr lang="en-US" dirty="0" smtClean="0"/>
+              <a:t>Note: no auto scale yet</a:t>
+            </a:r>
+            <a:endParaRPr lang="en-US" dirty="0"/>
+          </a:p>
+        </p:txBody>
+      </p:sp>
+      <p:sp>
+        <p:nvSpPr>
+          <p:cNvPr id="4" name="Slide Number Placeholder 3"/>
+          <p:cNvSpPr>
+            <a:spLocks noGrp="1"/>
+          </p:cNvSpPr>
+          <p:nvPr>
+            <p:ph type="sldNum" sz="quarter" idx="10"/>
+          </p:nvPr>
+        </p:nvSpPr>
+        <p:spPr/>
+        <p:txBody>
+          <a:bodyPr/>
+          <a:lstStyle/>
+          <a:p>
+            <a:pPr>
+              <a:defRPr/>
+            </a:pPr>
+            <a:fld id="{D2734ABF-D6A6-4D5E-802A-97F82C2C757F}" type="slidenum">
+              <a:rPr lang="en-US" smtClean="0"/>
+              <a:pPr>
+                <a:defRPr/>
+              </a:pPr>
+              <a:t>6</a:t>
+            </a:fld>
+            <a:endParaRPr lang="en-US"/>
+          </a:p>
+        </p:txBody>
+      </p:sp>
+    </p:spTree>
+  </p:cSld>
+  <p:clrMapOvr>
+    <a:masterClrMapping/>
+  </p:clrMapOvr>
+</p:notes>
+</file>
+
+<file path=ppt/notesSlides/notesSlide4.xml><?xml version="1.0" encoding="utf-8"?>
+<p:notes xmlns:a="http://schemas.openxmlformats.org/drawingml/2006/main" xmlns:r="http://schemas.openxmlformats.org/officeDocument/2006/relationships" xmlns:p="http://schemas.openxmlformats.org/presentationml/2006/main">
+  <p:cSld>
+    <p:spTree>
+      <p:nvGrpSpPr>
+        <p:cNvPr id="1" name=""/>
+        <p:cNvGrpSpPr/>
+        <p:nvPr/>
+      </p:nvGrpSpPr>
+      <p:grpSpPr>
+        <a:xfrm>
+          <a:off x="0" y="0"/>
+          <a:ext cx="0" cy="0"/>
+          <a:chOff x="0" y="0"/>
+          <a:chExt cx="0" cy="0"/>
+        </a:xfrm>
+      </p:grpSpPr>
+      <p:sp>
+        <p:nvSpPr>
+          <p:cNvPr id="2" name="Slide Image Placeholder 1"/>
+          <p:cNvSpPr>
+            <a:spLocks noGrp="1" noRot="1" noChangeAspect="1"/>
+          </p:cNvSpPr>
+          <p:nvPr>
+            <p:ph type="sldImg"/>
+          </p:nvPr>
+        </p:nvSpPr>
+        <p:spPr/>
+      </p:sp>
+      <p:sp>
+        <p:nvSpPr>
+          <p:cNvPr id="3" name="Notes Placeholder 2"/>
+          <p:cNvSpPr>
+            <a:spLocks noGrp="1"/>
+          </p:cNvSpPr>
+          <p:nvPr>
+            <p:ph type="body" idx="1"/>
+          </p:nvPr>
+        </p:nvSpPr>
+        <p:spPr/>
+        <p:txBody>
+          <a:bodyPr>
+            <a:normAutofit/>
+          </a:bodyPr>
+          <a:lstStyle/>
+          <a:p>
+            <a:pPr>
+              <a:buFont typeface="Arial" charset="0"/>
+              <a:buChar char="•"/>
+            </a:pPr>
+            <a:r>
+              <a:rPr lang="en-US" baseline="0" dirty="0" smtClean="0"/>
+              <a:t> Each service is an </a:t>
+            </a:r>
+            <a:r>
+              <a:rPr lang="en-US" baseline="0" dirty="0" err="1" smtClean="0"/>
+              <a:t>OSGi</a:t>
+            </a:r>
+            <a:r>
+              <a:rPr lang="en-US" baseline="0" dirty="0" smtClean="0"/>
+              <a:t> bundle</a:t>
+            </a:r>
+            <a:endParaRPr lang="en-US" dirty="0" smtClean="0"/>
+          </a:p>
+          <a:p>
+            <a:pPr>
+              <a:buFont typeface="Arial" charset="0"/>
+              <a:buChar char="•"/>
+            </a:pPr>
+            <a:r>
+              <a:rPr lang="en-US" dirty="0" smtClean="0"/>
+              <a:t> Each service server has a complete copy of all services</a:t>
+            </a:r>
+          </a:p>
+          <a:p>
+            <a:pPr>
+              <a:buFont typeface="Arial" charset="0"/>
+              <a:buChar char="•"/>
+            </a:pPr>
+            <a:r>
+              <a:rPr lang="en-US" baseline="0" dirty="0" smtClean="0"/>
+              <a:t> MM Server is the remote management &amp; monitoring tool</a:t>
+            </a:r>
+            <a:endParaRPr lang="en-US" dirty="0" smtClean="0"/>
+          </a:p>
+        </p:txBody>
+      </p:sp>
+      <p:sp>
+        <p:nvSpPr>
+          <p:cNvPr id="4" name="Slide Number Placeholder 3"/>
+          <p:cNvSpPr>
+            <a:spLocks noGrp="1"/>
+          </p:cNvSpPr>
+          <p:nvPr>
+            <p:ph type="sldNum" sz="quarter" idx="10"/>
+          </p:nvPr>
+        </p:nvSpPr>
+        <p:spPr/>
+        <p:txBody>
+          <a:bodyPr/>
+          <a:lstStyle/>
+          <a:p>
+            <a:pPr>
+              <a:defRPr/>
+            </a:pPr>
+            <a:fld id="{D2734ABF-D6A6-4D5E-802A-97F82C2C757F}" type="slidenum">
+              <a:rPr lang="en-US" smtClean="0"/>
+              <a:pPr>
+                <a:defRPr/>
+              </a:pPr>
+              <a:t>7</a:t>
+            </a:fld>
+            <a:endParaRPr lang="en-US"/>
+          </a:p>
+        </p:txBody>
+      </p:sp>
+    </p:spTree>
+  </p:cSld>
+  <p:clrMapOvr>
+    <a:masterClrMapping/>
+  </p:clrMapOvr>
+</p:notes>
+</file>
+
+<file path=ppt/notesSlides/notesSlide5.xml><?xml version="1.0" encoding="utf-8"?>
+<p:notes xmlns:a="http://schemas.openxmlformats.org/drawingml/2006/main" xmlns:r="http://schemas.openxmlformats.org/officeDocument/2006/relationships" xmlns:p="http://schemas.openxmlformats.org/presentationml/2006/main">
+  <p:cSld>
+    <p:spTree>
+      <p:nvGrpSpPr>
+        <p:cNvPr id="1" name=""/>
+        <p:cNvGrpSpPr/>
+        <p:nvPr/>
+      </p:nvGrpSpPr>
+      <p:grpSpPr>
+        <a:xfrm>
+          <a:off x="0" y="0"/>
+          <a:ext cx="0" cy="0"/>
+          <a:chOff x="0" y="0"/>
+          <a:chExt cx="0" cy="0"/>
+        </a:xfrm>
+      </p:grpSpPr>
+      <p:sp>
+        <p:nvSpPr>
+          <p:cNvPr id="2" name="Slide Image Placeholder 1"/>
+          <p:cNvSpPr>
+            <a:spLocks noGrp="1" noRot="1" noChangeAspect="1"/>
+          </p:cNvSpPr>
+          <p:nvPr>
+            <p:ph type="sldImg"/>
+          </p:nvPr>
+        </p:nvSpPr>
+        <p:spPr/>
+      </p:sp>
+      <p:sp>
+        <p:nvSpPr>
+          <p:cNvPr id="3" name="Notes Placeholder 2"/>
+          <p:cNvSpPr>
+            <a:spLocks noGrp="1"/>
+          </p:cNvSpPr>
+          <p:nvPr>
+            <p:ph type="body" idx="1"/>
+          </p:nvPr>
+        </p:nvSpPr>
+        <p:spPr/>
+        <p:txBody>
+          <a:bodyPr>
+            <a:normAutofit/>
+          </a:bodyPr>
+          <a:lstStyle/>
+          <a:p>
+            <a:pPr>
+              <a:buFont typeface="Arial" charset="0"/>
+              <a:buNone/>
+            </a:pPr>
+            <a:endParaRPr lang="en-US" dirty="0" smtClean="0"/>
+          </a:p>
+        </p:txBody>
+      </p:sp>
+      <p:sp>
+        <p:nvSpPr>
+          <p:cNvPr id="4" name="Slide Number Placeholder 3"/>
+          <p:cNvSpPr>
+            <a:spLocks noGrp="1"/>
+          </p:cNvSpPr>
+          <p:nvPr>
+            <p:ph type="sldNum" sz="quarter" idx="10"/>
+          </p:nvPr>
+        </p:nvSpPr>
+        <p:spPr/>
+        <p:txBody>
+          <a:bodyPr/>
+          <a:lstStyle/>
+          <a:p>
+            <a:pPr>
+              <a:defRPr/>
+            </a:pPr>
+            <a:fld id="{D2734ABF-D6A6-4D5E-802A-97F82C2C757F}" type="slidenum">
+              <a:rPr lang="en-US" smtClean="0"/>
+              <a:pPr>
+                <a:defRPr/>
+              </a:pPr>
+              <a:t>8</a:t>
+            </a:fld>
+            <a:endParaRPr lang="en-US"/>
+          </a:p>
+        </p:txBody>
+      </p:sp>
+    </p:spTree>
+  </p:cSld>
+  <p:clrMapOvr>
+    <a:masterClrMapping/>
+  </p:clrMapOvr>
+</p:notes>
+</file>
+
+<file path=ppt/notesSlides/notesSlide6.xml><?xml version="1.0" encoding="utf-8"?>
+<p:notes xmlns:a="http://schemas.openxmlformats.org/drawingml/2006/main" xmlns:r="http://schemas.openxmlformats.org/officeDocument/2006/relationships" xmlns:p="http://schemas.openxmlformats.org/presentationml/2006/main">
+  <p:cSld>
+    <p:spTree>
+      <p:nvGrpSpPr>
+        <p:cNvPr id="1" name=""/>
+        <p:cNvGrpSpPr/>
+        <p:nvPr/>
+      </p:nvGrpSpPr>
+      <p:grpSpPr>
+        <a:xfrm>
+          <a:off x="0" y="0"/>
+          <a:ext cx="0" cy="0"/>
+          <a:chOff x="0" y="0"/>
+          <a:chExt cx="0" cy="0"/>
+        </a:xfrm>
+      </p:grpSpPr>
+      <p:sp>
+        <p:nvSpPr>
+          <p:cNvPr id="2" name="Slide Image Placeholder 1"/>
+          <p:cNvSpPr>
+            <a:spLocks noGrp="1" noRot="1" noChangeAspect="1"/>
+          </p:cNvSpPr>
+          <p:nvPr>
+            <p:ph type="sldImg"/>
+          </p:nvPr>
+        </p:nvSpPr>
+        <p:spPr/>
+      </p:sp>
+      <p:sp>
+        <p:nvSpPr>
+          <p:cNvPr id="3" name="Notes Placeholder 2"/>
+          <p:cNvSpPr>
+            <a:spLocks noGrp="1"/>
+          </p:cNvSpPr>
+          <p:nvPr>
+            <p:ph type="body" idx="1"/>
+          </p:nvPr>
+        </p:nvSpPr>
+        <p:spPr/>
+        <p:txBody>
+          <a:bodyPr>
+            <a:normAutofit/>
+          </a:bodyPr>
+          <a:lstStyle/>
+          <a:p>
+            <a:pPr>
+              <a:buFont typeface="Arial" charset="0"/>
+              <a:buNone/>
+            </a:pPr>
+            <a:endParaRPr lang="en-US" dirty="0" smtClean="0"/>
+          </a:p>
+        </p:txBody>
+      </p:sp>
+      <p:sp>
+        <p:nvSpPr>
+          <p:cNvPr id="4" name="Slide Number Placeholder 3"/>
+          <p:cNvSpPr>
+            <a:spLocks noGrp="1"/>
+          </p:cNvSpPr>
+          <p:nvPr>
+            <p:ph type="sldNum" sz="quarter" idx="10"/>
+          </p:nvPr>
+        </p:nvSpPr>
+        <p:spPr/>
+        <p:txBody>
+          <a:bodyPr/>
+          <a:lstStyle/>
+          <a:p>
+            <a:pPr>
+              <a:defRPr/>
+            </a:pPr>
+            <a:fld id="{D2734ABF-D6A6-4D5E-802A-97F82C2C757F}" type="slidenum">
+              <a:rPr lang="en-US" smtClean="0"/>
+              <a:pPr>
+                <a:defRPr/>
+              </a:pPr>
+              <a:t>11</a:t>
+            </a:fld>
+            <a:endParaRPr lang="en-US"/>
+          </a:p>
+        </p:txBody>
+      </p:sp>
+    </p:spTree>
+  </p:cSld>
+  <p:clrMapOvr>
+    <a:masterClrMapping/>
+  </p:clrMapOvr>
+</p:notes>
+</file>
+
+<file path=ppt/notesSlides/notesSlide7.xml><?xml version="1.0" encoding="utf-8"?>
+<p:notes xmlns:a="http://schemas.openxmlformats.org/drawingml/2006/main" xmlns:r="http://schemas.openxmlformats.org/officeDocument/2006/relationships" xmlns:p="http://schemas.openxmlformats.org/presentationml/2006/main">
+  <p:cSld>
+    <p:spTree>
+      <p:nvGrpSpPr>
+        <p:cNvPr id="1" name=""/>
+        <p:cNvGrpSpPr/>
+        <p:nvPr/>
+      </p:nvGrpSpPr>
+      <p:grpSpPr>
+        <a:xfrm>
+          <a:off x="0" y="0"/>
+          <a:ext cx="0" cy="0"/>
+          <a:chOff x="0" y="0"/>
+          <a:chExt cx="0" cy="0"/>
+        </a:xfrm>
+      </p:grpSpPr>
+      <p:sp>
+        <p:nvSpPr>
+          <p:cNvPr id="2" name="Slide Image Placeholder 1"/>
+          <p:cNvSpPr>
+            <a:spLocks noGrp="1" noRot="1" noChangeAspect="1"/>
+          </p:cNvSpPr>
+          <p:nvPr>
+            <p:ph type="sldImg"/>
+          </p:nvPr>
+        </p:nvSpPr>
+        <p:spPr/>
+      </p:sp>
+      <p:sp>
+        <p:nvSpPr>
+          <p:cNvPr id="3" name="Notes Placeholder 2"/>
+          <p:cNvSpPr>
+            <a:spLocks noGrp="1"/>
+          </p:cNvSpPr>
+          <p:nvPr>
+            <p:ph type="body" idx="1"/>
+          </p:nvPr>
+        </p:nvSpPr>
+        <p:spPr/>
+        <p:txBody>
+          <a:bodyPr>
+            <a:normAutofit/>
+          </a:bodyPr>
+          <a:lstStyle/>
+          <a:p>
+            <a:endParaRPr lang="en-US" dirty="0"/>
+          </a:p>
+        </p:txBody>
+      </p:sp>
+      <p:sp>
+        <p:nvSpPr>
+          <p:cNvPr id="4" name="Slide Number Placeholder 3"/>
+          <p:cNvSpPr>
+            <a:spLocks noGrp="1"/>
+          </p:cNvSpPr>
+          <p:nvPr>
+            <p:ph type="sldNum" sz="quarter" idx="10"/>
+          </p:nvPr>
+        </p:nvSpPr>
+        <p:spPr/>
+        <p:txBody>
+          <a:bodyPr/>
+          <a:lstStyle/>
+          <a:p>
+            <a:pPr>
+              <a:defRPr/>
+            </a:pPr>
+            <a:fld id="{D2734ABF-D6A6-4D5E-802A-97F82C2C757F}" type="slidenum">
+              <a:rPr lang="en-US" smtClean="0"/>
+              <a:pPr>
+                <a:defRPr/>
+              </a:pPr>
+              <a:t>12</a:t>
+            </a:fld>
+            <a:endParaRPr lang="en-US"/>
+          </a:p>
+        </p:txBody>
+      </p:sp>
+    </p:spTree>
+  </p:cSld>
+  <p:clrMapOvr>
+    <a:masterClrMapping/>
+  </p:clrMapOvr>
+</p:notes>
+</file>
+
 <file path=ppt/slideLayouts/slideLayout1.xml><?xml version="1.0" encoding="utf-8"?>
 <p:sldLayout xmlns:a="http://schemas.openxmlformats.org/drawingml/2006/main" xmlns:r="http://schemas.openxmlformats.org/officeDocument/2006/relationships" xmlns:p="http://schemas.openxmlformats.org/presentationml/2006/main" type="title" preserve="1">
   <p:cSld name="Title Slide">
@@ -1532,7 +2175,7 @@
               <a:pPr>
                 <a:defRPr/>
               </a:pPr>
-              <a:t>10 January 2011</a:t>
+              <a:t>12 January 2011</a:t>
             </a:fld>
             <a:endParaRPr lang="en-US" dirty="0"/>
           </a:p>
@@ -1710,7 +2353,7 @@
               <a:pPr>
                 <a:defRPr/>
               </a:pPr>
-              <a:t>10 January 2011</a:t>
+              <a:t>12 January 2011</a:t>
             </a:fld>
             <a:endParaRPr lang="en-US" dirty="0"/>
           </a:p>
@@ -1898,7 +2541,7 @@
               <a:pPr>
                 <a:defRPr/>
               </a:pPr>
-              <a:t>10 January 2011</a:t>
+              <a:t>12 January 2011</a:t>
             </a:fld>
             <a:endParaRPr lang="en-US" dirty="0"/>
           </a:p>
@@ -2142,7 +2785,7 @@
               <a:pPr>
                 <a:defRPr/>
               </a:pPr>
-              <a:t>10 January 2011</a:t>
+              <a:t>12 January 2011</a:t>
             </a:fld>
             <a:endParaRPr lang="en-US"/>
           </a:p>
@@ -2334,7 +2977,7 @@
               <a:pPr>
                 <a:defRPr/>
               </a:pPr>
-              <a:t>10 January 2011</a:t>
+              <a:t>12 January 2011</a:t>
             </a:fld>
             <a:endParaRPr lang="en-US"/>
           </a:p>
@@ -2602,7 +3245,7 @@
               <a:pPr>
                 <a:defRPr/>
               </a:pPr>
-              <a:t>10 January 2011</a:t>
+              <a:t>12 January 2011</a:t>
             </a:fld>
             <a:endParaRPr lang="en-US"/>
           </a:p>
@@ -2912,7 +3555,7 @@
               <a:pPr>
                 <a:defRPr/>
               </a:pPr>
-              <a:t>10 January 2011</a:t>
+              <a:t>12 January 2011</a:t>
             </a:fld>
             <a:endParaRPr lang="en-US"/>
           </a:p>
@@ -3356,7 +3999,7 @@
               <a:pPr>
                 <a:defRPr/>
               </a:pPr>
-              <a:t>10 January 2011</a:t>
+              <a:t>12 January 2011</a:t>
             </a:fld>
             <a:endParaRPr lang="en-US"/>
           </a:p>
@@ -3496,7 +4139,7 @@
               <a:pPr>
                 <a:defRPr/>
               </a:pPr>
-              <a:t>10 January 2011</a:t>
+              <a:t>12 January 2011</a:t>
             </a:fld>
             <a:endParaRPr lang="en-US"/>
           </a:p>
@@ -3636,7 +4279,7 @@
               <a:pPr>
                 <a:defRPr/>
               </a:pPr>
-              <a:t>10 January 2011</a:t>
+              <a:t>12 January 2011</a:t>
             </a:fld>
             <a:endParaRPr lang="en-US" dirty="0"/>
           </a:p>
@@ -3733,7 +4376,7 @@
               <a:pPr>
                 <a:defRPr/>
               </a:pPr>
-              <a:t>10 January 2011</a:t>
+              <a:t>12 January 2011</a:t>
             </a:fld>
             <a:endParaRPr lang="en-US"/>
           </a:p>
@@ -4032,7 +4675,7 @@
               <a:pPr>
                 <a:defRPr/>
               </a:pPr>
-              <a:t>10 January 2011</a:t>
+              <a:t>12 January 2011</a:t>
             </a:fld>
             <a:endParaRPr lang="en-US"/>
           </a:p>
@@ -4313,7 +4956,7 @@
               <a:pPr>
                 <a:defRPr/>
               </a:pPr>
-              <a:t>10 January 2011</a:t>
+              <a:t>12 January 2011</a:t>
             </a:fld>
             <a:endParaRPr lang="en-US"/>
           </a:p>
@@ -4505,7 +5148,7 @@
               <a:pPr>
                 <a:defRPr/>
               </a:pPr>
-              <a:t>10 January 2011</a:t>
+              <a:t>12 January 2011</a:t>
             </a:fld>
             <a:endParaRPr lang="en-US"/>
           </a:p>
@@ -4707,7 +5350,7 @@
               <a:pPr>
                 <a:defRPr/>
               </a:pPr>
-              <a:t>10 January 2011</a:t>
+              <a:t>12 January 2011</a:t>
             </a:fld>
             <a:endParaRPr lang="en-US"/>
           </a:p>
@@ -4847,7 +5490,7 @@
               <a:pPr>
                 <a:defRPr/>
               </a:pPr>
-              <a:t>10 January 2011</a:t>
+              <a:t>12 January 2011</a:t>
             </a:fld>
             <a:endParaRPr lang="en-US"/>
           </a:p>
@@ -5111,7 +5754,7 @@
               <a:pPr>
                 <a:defRPr/>
               </a:pPr>
-              <a:t>10 January 2011</a:t>
+              <a:t>12 January 2011</a:t>
             </a:fld>
             <a:endParaRPr lang="en-US"/>
           </a:p>
@@ -5303,7 +5946,7 @@
               <a:pPr>
                 <a:defRPr/>
               </a:pPr>
-              <a:t>10 January 2011</a:t>
+              <a:t>12 January 2011</a:t>
             </a:fld>
             <a:endParaRPr lang="en-US"/>
           </a:p>
@@ -5571,7 +6214,7 @@
               <a:pPr>
                 <a:defRPr/>
               </a:pPr>
-              <a:t>10 January 2011</a:t>
+              <a:t>12 January 2011</a:t>
             </a:fld>
             <a:endParaRPr lang="en-US"/>
           </a:p>
@@ -5881,7 +6524,7 @@
               <a:pPr>
                 <a:defRPr/>
               </a:pPr>
-              <a:t>10 January 2011</a:t>
+              <a:t>12 January 2011</a:t>
             </a:fld>
             <a:endParaRPr lang="en-US"/>
           </a:p>
@@ -6111,7 +6754,7 @@
               <a:pPr>
                 <a:defRPr/>
               </a:pPr>
-              <a:t>10 January 2011</a:t>
+              <a:t>12 January 2011</a:t>
             </a:fld>
             <a:endParaRPr lang="en-US" dirty="0"/>
           </a:p>
@@ -6535,7 +7178,7 @@
               <a:pPr>
                 <a:defRPr/>
               </a:pPr>
-              <a:t>10 January 2011</a:t>
+              <a:t>12 January 2011</a:t>
             </a:fld>
             <a:endParaRPr lang="en-US"/>
           </a:p>
@@ -6675,7 +7318,7 @@
               <a:pPr>
                 <a:defRPr/>
               </a:pPr>
-              <a:t>10 January 2011</a:t>
+              <a:t>12 January 2011</a:t>
             </a:fld>
             <a:endParaRPr lang="en-US"/>
           </a:p>
@@ -6792,7 +7435,7 @@
               <a:pPr>
                 <a:defRPr/>
               </a:pPr>
-              <a:t>10 January 2011</a:t>
+              <a:t>12 January 2011</a:t>
             </a:fld>
             <a:endParaRPr lang="en-US"/>
           </a:p>
@@ -7091,7 +7734,7 @@
               <a:pPr>
                 <a:defRPr/>
               </a:pPr>
-              <a:t>10 January 2011</a:t>
+              <a:t>12 January 2011</a:t>
             </a:fld>
             <a:endParaRPr lang="en-US"/>
           </a:p>
@@ -7372,7 +8015,7 @@
               <a:pPr>
                 <a:defRPr/>
               </a:pPr>
-              <a:t>10 January 2011</a:t>
+              <a:t>12 January 2011</a:t>
             </a:fld>
             <a:endParaRPr lang="en-US"/>
           </a:p>
@@ -8034,7 +8677,7 @@
               <a:pPr>
                 <a:defRPr/>
               </a:pPr>
-              <a:t>10 January 2011</a:t>
+              <a:t>12 January 2011</a:t>
             </a:fld>
             <a:endParaRPr lang="en-US" dirty="0"/>
           </a:p>
@@ -8322,7 +8965,7 @@
               <a:pPr>
                 <a:defRPr/>
               </a:pPr>
-              <a:t>10 January 2011</a:t>
+              <a:t>12 January 2011</a:t>
             </a:fld>
             <a:endParaRPr lang="en-US" dirty="0"/>
           </a:p>
@@ -8618,7 +9261,7 @@
               <a:pPr>
                 <a:defRPr/>
               </a:pPr>
-              <a:t>10 January 2011</a:t>
+              <a:t>12 January 2011</a:t>
             </a:fld>
             <a:endParaRPr lang="en-US" dirty="0"/>
           </a:p>
@@ -9053,7 +9696,7 @@
               <a:pPr>
                 <a:defRPr/>
               </a:pPr>
-              <a:t>10 January 2011</a:t>
+              <a:t>12 January 2011</a:t>
             </a:fld>
             <a:endParaRPr lang="en-US" dirty="0"/>
           </a:p>
@@ -9179,7 +9822,7 @@
               <a:pPr>
                 <a:defRPr/>
               </a:pPr>
-              <a:t>10 January 2011</a:t>
+              <a:t>12 January 2011</a:t>
             </a:fld>
             <a:endParaRPr lang="en-US" dirty="0"/>
           </a:p>
@@ -9282,7 +9925,7 @@
               <a:pPr>
                 <a:defRPr/>
               </a:pPr>
-              <a:t>10 January 2011</a:t>
+              <a:t>12 January 2011</a:t>
             </a:fld>
             <a:endParaRPr lang="en-US" dirty="0"/>
           </a:p>
@@ -9587,7 +10230,7 @@
               <a:pPr>
                 <a:defRPr/>
               </a:pPr>
-              <a:t>10 January 2011</a:t>
+              <a:t>12 January 2011</a:t>
             </a:fld>
             <a:endParaRPr lang="en-US" dirty="0"/>
           </a:p>
@@ -10257,7 +10900,7 @@
               <a:pPr>
                 <a:defRPr/>
               </a:pPr>
-              <a:t>10 January 2011</a:t>
+              <a:t>12 January 2011</a:t>
             </a:fld>
             <a:endParaRPr lang="en-US"/>
           </a:p>
@@ -10931,7 +11574,7 @@
               <a:pPr>
                 <a:defRPr/>
               </a:pPr>
-              <a:t>10 January 2011</a:t>
+              <a:t>12 January 2011</a:t>
             </a:fld>
             <a:endParaRPr lang="en-US"/>
           </a:p>
@@ -11780,7 +12423,7 @@
               <a:pPr>
                 <a:defRPr/>
               </a:pPr>
-              <a:t>10 January 2011</a:t>
+              <a:t>12 January 2011</a:t>
             </a:fld>
             <a:endParaRPr lang="en-US" dirty="0"/>
           </a:p>
@@ -12228,7 +12871,9 @@
         </p:nvSpPr>
         <p:spPr/>
         <p:txBody>
-          <a:bodyPr/>
+          <a:bodyPr>
+            <a:normAutofit fontScale="90000"/>
+          </a:bodyPr>
           <a:lstStyle/>
           <a:p>
             <a:pPr eaLnBrk="1" hangingPunct="1"/>
@@ -12238,15 +12883,7 @@
                   <a:schemeClr val="tx1"/>
                 </a:solidFill>
               </a:rPr>
-              <a:t>New </a:t>
-            </a:r>
-            <a:r>
-              <a:rPr lang="en-US" sz="4000" dirty="0" err="1" smtClean="0">
-                <a:solidFill>
-                  <a:schemeClr val="tx1"/>
-                </a:solidFill>
-              </a:rPr>
-              <a:t>Integratopn</a:t>
+              <a:t>New Integration </a:t>
             </a:r>
             <a:r>
               <a:rPr lang="en-US" sz="4000" dirty="0" smtClean="0">
@@ -12254,7 +12891,22 @@
                   <a:schemeClr val="tx1"/>
                 </a:solidFill>
               </a:rPr>
-              <a:t> Platform</a:t>
+              <a:t>Platform</a:t>
+            </a:r>
+            <a:br>
+              <a:rPr lang="en-US" sz="4000" dirty="0" smtClean="0">
+                <a:solidFill>
+                  <a:schemeClr val="tx1"/>
+                </a:solidFill>
+              </a:rPr>
+            </a:br>
+            <a:r>
+              <a:rPr lang="en-US" dirty="0" smtClean="0"/>
+              <a:t>V0.1 – </a:t>
+            </a:r>
+            <a:r>
+              <a:rPr lang="en-US" dirty="0" smtClean="0"/>
+              <a:t>2011-01-13</a:t>
             </a:r>
             <a:endParaRPr lang="vi-VN" sz="4000" dirty="0" smtClean="0">
               <a:solidFill>
@@ -12274,7 +12926,12 @@
             <p:ph type="subTitle" idx="1"/>
           </p:nvPr>
         </p:nvSpPr>
-        <p:spPr/>
+        <p:spPr>
+          <a:xfrm>
+            <a:off x="457200" y="2667000"/>
+            <a:ext cx="7251700" cy="685800"/>
+          </a:xfrm>
+        </p:spPr>
         <p:txBody>
           <a:bodyPr>
             <a:normAutofit fontScale="70000" lnSpcReduction="20000"/>
@@ -12282,43 +12939,71 @@
           <a:lstStyle/>
           <a:p>
             <a:pPr eaLnBrk="1" hangingPunct="1">
-              <a:buFont typeface="Arial" pitchFamily="34" charset="0"/>
-              <a:buNone/>
               <a:defRPr/>
             </a:pPr>
             <a:r>
-              <a:rPr lang="en-US" dirty="0" err="1" smtClean="0"/>
+              <a:rPr lang="en-US" dirty="0" err="1" smtClean="0">
+                <a:solidFill>
+                  <a:srgbClr val="002060"/>
+                </a:solidFill>
+              </a:rPr>
               <a:t>Nguyễn</a:t>
             </a:r>
             <a:r>
-              <a:rPr lang="en-US" dirty="0" smtClean="0"/>
+              <a:rPr lang="en-US" dirty="0" smtClean="0">
+                <a:solidFill>
+                  <a:srgbClr val="002060"/>
+                </a:solidFill>
+              </a:rPr>
               <a:t> </a:t>
             </a:r>
             <a:r>
-              <a:rPr lang="en-US" dirty="0" err="1" smtClean="0"/>
+              <a:rPr lang="en-US" dirty="0" err="1" smtClean="0">
+                <a:solidFill>
+                  <a:srgbClr val="002060"/>
+                </a:solidFill>
+              </a:rPr>
               <a:t>Bá</a:t>
             </a:r>
             <a:r>
-              <a:rPr lang="en-US" dirty="0" smtClean="0"/>
+              <a:rPr lang="en-US" dirty="0" smtClean="0">
+                <a:solidFill>
+                  <a:srgbClr val="002060"/>
+                </a:solidFill>
+              </a:rPr>
               <a:t> </a:t>
             </a:r>
             <a:r>
-              <a:rPr lang="en-US" dirty="0" err="1" smtClean="0"/>
+              <a:rPr lang="en-US" dirty="0" err="1" smtClean="0">
+                <a:solidFill>
+                  <a:srgbClr val="002060"/>
+                </a:solidFill>
+              </a:rPr>
               <a:t>Thành</a:t>
             </a:r>
-            <a:endParaRPr lang="en-US" dirty="0" smtClean="0"/>
+            <a:endParaRPr lang="en-US" dirty="0" smtClean="0">
+              <a:solidFill>
+                <a:srgbClr val="002060"/>
+              </a:solidFill>
+            </a:endParaRPr>
           </a:p>
           <a:p>
             <a:pPr eaLnBrk="1" hangingPunct="1">
-              <a:buFont typeface="Arial" pitchFamily="34" charset="0"/>
-              <a:buNone/>
               <a:defRPr/>
             </a:pPr>
             <a:r>
-              <a:rPr lang="en-US" dirty="0" smtClean="0"/>
-              <a:t>V0.1 – 2011-01-30</a:t>
-            </a:r>
-            <a:endParaRPr lang="en-US" dirty="0" smtClean="0"/>
+              <a:rPr lang="en-US" i="1" dirty="0" smtClean="0"/>
+              <a:t>Software </a:t>
+            </a:r>
+            <a:r>
+              <a:rPr lang="en-US" i="1" dirty="0" smtClean="0"/>
+              <a:t>Manager, Game Platform &amp; </a:t>
+            </a:r>
+            <a:r>
+              <a:rPr lang="en-US" i="1" dirty="0" smtClean="0"/>
+              <a:t>Integration</a:t>
+            </a:r>
+            <a:endParaRPr lang="en-US" i="1" dirty="0" smtClean="0"/>
           </a:p>
         </p:txBody>
       </p:sp>
@@ -12335,6 +13020,609 @@
       </p:par>
     </p:tnLst>
   </p:timing>
+</p:sld>
+</file>
+
+<file path=ppt/slides/slide10.xml><?xml version="1.0" encoding="utf-8"?>
+<p:sld xmlns:a="http://schemas.openxmlformats.org/drawingml/2006/main" xmlns:r="http://schemas.openxmlformats.org/officeDocument/2006/relationships" xmlns:p="http://schemas.openxmlformats.org/presentationml/2006/main">
+  <p:cSld>
+    <p:spTree>
+      <p:nvGrpSpPr>
+        <p:cNvPr id="1" name=""/>
+        <p:cNvGrpSpPr/>
+        <p:nvPr/>
+      </p:nvGrpSpPr>
+      <p:grpSpPr>
+        <a:xfrm>
+          <a:off x="0" y="0"/>
+          <a:ext cx="0" cy="0"/>
+          <a:chOff x="0" y="0"/>
+          <a:chExt cx="0" cy="0"/>
+        </a:xfrm>
+      </p:grpSpPr>
+      <p:sp>
+        <p:nvSpPr>
+          <p:cNvPr id="2" name="Title 1"/>
+          <p:cNvSpPr>
+            <a:spLocks noGrp="1"/>
+          </p:cNvSpPr>
+          <p:nvPr>
+            <p:ph type="title"/>
+          </p:nvPr>
+        </p:nvSpPr>
+        <p:spPr/>
+        <p:txBody>
+          <a:bodyPr/>
+          <a:lstStyle/>
+          <a:p>
+            <a:r>
+              <a:rPr lang="en-US" sz="2800" dirty="0" smtClean="0"/>
+              <a:t>Service Deployment, Management &amp; Interaction </a:t>
+            </a:r>
+            <a:r>
+              <a:rPr lang="en-US" sz="2800" dirty="0" smtClean="0"/>
+              <a:t>- Service Description (client example)</a:t>
+            </a:r>
+            <a:endParaRPr lang="en-US" sz="2800" dirty="0"/>
+          </a:p>
+        </p:txBody>
+      </p:sp>
+      <p:sp>
+        <p:nvSpPr>
+          <p:cNvPr id="3" name="Content Placeholder 2"/>
+          <p:cNvSpPr>
+            <a:spLocks noGrp="1"/>
+          </p:cNvSpPr>
+          <p:nvPr>
+            <p:ph idx="1"/>
+          </p:nvPr>
+        </p:nvSpPr>
+        <p:spPr/>
+        <p:txBody>
+          <a:bodyPr/>
+          <a:lstStyle/>
+          <a:p>
+            <a:r>
+              <a:rPr lang="en-US" sz="2400" dirty="0" smtClean="0">
+                <a:latin typeface="Courier New" pitchFamily="49" charset="0"/>
+                <a:cs typeface="Courier New" pitchFamily="49" charset="0"/>
+              </a:rPr>
+              <a:t>Bundle-Name: </a:t>
+            </a:r>
+            <a:r>
+              <a:rPr lang="en-US" sz="2400" dirty="0" smtClean="0">
+                <a:latin typeface="Courier New" pitchFamily="49" charset="0"/>
+                <a:cs typeface="Courier New" pitchFamily="49" charset="0"/>
+              </a:rPr>
+              <a:t>Client</a:t>
+            </a:r>
+          </a:p>
+          <a:p>
+            <a:r>
+              <a:rPr lang="en-US" sz="2400" dirty="0" smtClean="0">
+                <a:latin typeface="Courier New" pitchFamily="49" charset="0"/>
+                <a:cs typeface="Courier New" pitchFamily="49" charset="0"/>
+              </a:rPr>
+              <a:t>Bundle-Description</a:t>
+            </a:r>
+            <a:r>
+              <a:rPr lang="en-US" sz="2400" dirty="0" smtClean="0">
+                <a:latin typeface="Courier New" pitchFamily="49" charset="0"/>
+                <a:cs typeface="Courier New" pitchFamily="49" charset="0"/>
+              </a:rPr>
+              <a:t>: A </a:t>
+            </a:r>
+            <a:r>
+              <a:rPr lang="en-US" sz="2400" dirty="0" smtClean="0">
+                <a:latin typeface="Courier New" pitchFamily="49" charset="0"/>
+                <a:cs typeface="Courier New" pitchFamily="49" charset="0"/>
+              </a:rPr>
+              <a:t>service client sample</a:t>
+            </a:r>
+          </a:p>
+          <a:p>
+            <a:r>
+              <a:rPr lang="en-US" sz="2400" dirty="0" smtClean="0">
+                <a:latin typeface="Courier New" pitchFamily="49" charset="0"/>
+                <a:cs typeface="Courier New" pitchFamily="49" charset="0"/>
+              </a:rPr>
+              <a:t>Bundle-Vendor</a:t>
+            </a:r>
+            <a:r>
+              <a:rPr lang="en-US" sz="2400" dirty="0" smtClean="0">
+                <a:latin typeface="Courier New" pitchFamily="49" charset="0"/>
+                <a:cs typeface="Courier New" pitchFamily="49" charset="0"/>
+              </a:rPr>
+              <a:t>: </a:t>
+            </a:r>
+            <a:r>
+              <a:rPr lang="en-US" sz="2400" dirty="0" smtClean="0">
+                <a:latin typeface="Courier New" pitchFamily="49" charset="0"/>
+                <a:cs typeface="Courier New" pitchFamily="49" charset="0"/>
+              </a:rPr>
+              <a:t>VNG GPI</a:t>
+            </a:r>
+          </a:p>
+          <a:p>
+            <a:r>
+              <a:rPr lang="en-US" sz="2400" dirty="0" smtClean="0">
+                <a:latin typeface="Courier New" pitchFamily="49" charset="0"/>
+                <a:cs typeface="Courier New" pitchFamily="49" charset="0"/>
+              </a:rPr>
+              <a:t>Bundle-Version</a:t>
+            </a:r>
+            <a:r>
+              <a:rPr lang="en-US" sz="2400" dirty="0" smtClean="0">
+                <a:latin typeface="Courier New" pitchFamily="49" charset="0"/>
+                <a:cs typeface="Courier New" pitchFamily="49" charset="0"/>
+              </a:rPr>
+              <a:t>: </a:t>
+            </a:r>
+            <a:r>
+              <a:rPr lang="en-US" sz="2400" dirty="0" smtClean="0">
+                <a:latin typeface="Courier New" pitchFamily="49" charset="0"/>
+                <a:cs typeface="Courier New" pitchFamily="49" charset="0"/>
+              </a:rPr>
+              <a:t>1.0.0</a:t>
+            </a:r>
+          </a:p>
+          <a:p>
+            <a:r>
+              <a:rPr lang="en-US" sz="2400" dirty="0" smtClean="0">
+                <a:latin typeface="Courier New" pitchFamily="49" charset="0"/>
+                <a:cs typeface="Courier New" pitchFamily="49" charset="0"/>
+              </a:rPr>
+              <a:t>Bundle-Activator: vng.example2.Activator</a:t>
+            </a:r>
+          </a:p>
+          <a:p>
+            <a:r>
+              <a:rPr lang="en-US" sz="2400" dirty="0" smtClean="0">
+                <a:latin typeface="Courier New" pitchFamily="49" charset="0"/>
+                <a:cs typeface="Courier New" pitchFamily="49" charset="0"/>
+              </a:rPr>
+              <a:t>Import-Package: </a:t>
+            </a:r>
+            <a:r>
+              <a:rPr lang="en-US" sz="2400" dirty="0" err="1" smtClean="0">
+                <a:latin typeface="Courier New" pitchFamily="49" charset="0"/>
+                <a:cs typeface="Courier New" pitchFamily="49" charset="0"/>
+              </a:rPr>
+              <a:t>org.osgi.framework</a:t>
+            </a:r>
+            <a:r>
+              <a:rPr lang="en-US" sz="2400" dirty="0" smtClean="0">
+                <a:latin typeface="Courier New" pitchFamily="49" charset="0"/>
+                <a:cs typeface="Courier New" pitchFamily="49" charset="0"/>
+              </a:rPr>
+              <a:t>, </a:t>
+            </a:r>
+            <a:r>
+              <a:rPr lang="en-US" sz="2400" dirty="0" smtClean="0">
+                <a:latin typeface="Courier New" pitchFamily="49" charset="0"/>
+                <a:cs typeface="Courier New" pitchFamily="49" charset="0"/>
+              </a:rPr>
+              <a:t>vng.example1.service</a:t>
+            </a:r>
+            <a:endParaRPr lang="en-US" sz="2400" dirty="0">
+              <a:latin typeface="Courier New" pitchFamily="49" charset="0"/>
+              <a:cs typeface="Courier New" pitchFamily="49" charset="0"/>
+            </a:endParaRPr>
+          </a:p>
+        </p:txBody>
+      </p:sp>
+      <p:sp>
+        <p:nvSpPr>
+          <p:cNvPr id="4" name="Slide Number Placeholder 3"/>
+          <p:cNvSpPr>
+            <a:spLocks noGrp="1"/>
+          </p:cNvSpPr>
+          <p:nvPr>
+            <p:ph type="sldNum" sz="quarter" idx="11"/>
+          </p:nvPr>
+        </p:nvSpPr>
+        <p:spPr/>
+        <p:txBody>
+          <a:bodyPr/>
+          <a:lstStyle/>
+          <a:p>
+            <a:pPr>
+              <a:defRPr/>
+            </a:pPr>
+            <a:fld id="{7BA483FD-CADB-4A1C-B345-9747A915C178}" type="slidenum">
+              <a:rPr lang="en-US" smtClean="0"/>
+              <a:pPr>
+                <a:defRPr/>
+              </a:pPr>
+              <a:t>10</a:t>
+            </a:fld>
+            <a:endParaRPr lang="en-US" dirty="0"/>
+          </a:p>
+        </p:txBody>
+      </p:sp>
+      <p:sp>
+        <p:nvSpPr>
+          <p:cNvPr id="5" name="Date Placeholder 4"/>
+          <p:cNvSpPr>
+            <a:spLocks noGrp="1"/>
+          </p:cNvSpPr>
+          <p:nvPr>
+            <p:ph type="dt" sz="half" idx="12"/>
+          </p:nvPr>
+        </p:nvSpPr>
+        <p:spPr/>
+        <p:txBody>
+          <a:bodyPr/>
+          <a:lstStyle/>
+          <a:p>
+            <a:pPr>
+              <a:defRPr/>
+            </a:pPr>
+            <a:fld id="{1617771B-F269-4332-8377-EA23B65099CA}" type="datetime3">
+              <a:rPr lang="en-US" smtClean="0"/>
+              <a:pPr>
+                <a:defRPr/>
+              </a:pPr>
+              <a:t>12 January 2011</a:t>
+            </a:fld>
+            <a:endParaRPr lang="en-US" dirty="0"/>
+          </a:p>
+        </p:txBody>
+      </p:sp>
+    </p:spTree>
+  </p:cSld>
+  <p:clrMapOvr>
+    <a:masterClrMapping/>
+  </p:clrMapOvr>
+</p:sld>
+</file>
+
+<file path=ppt/slides/slide11.xml><?xml version="1.0" encoding="utf-8"?>
+<p:sld xmlns:a="http://schemas.openxmlformats.org/drawingml/2006/main" xmlns:r="http://schemas.openxmlformats.org/officeDocument/2006/relationships" xmlns:p="http://schemas.openxmlformats.org/presentationml/2006/main">
+  <p:cSld>
+    <p:spTree>
+      <p:nvGrpSpPr>
+        <p:cNvPr id="1" name=""/>
+        <p:cNvGrpSpPr/>
+        <p:nvPr/>
+      </p:nvGrpSpPr>
+      <p:grpSpPr>
+        <a:xfrm>
+          <a:off x="0" y="0"/>
+          <a:ext cx="0" cy="0"/>
+          <a:chOff x="0" y="0"/>
+          <a:chExt cx="0" cy="0"/>
+        </a:xfrm>
+      </p:grpSpPr>
+      <p:sp>
+        <p:nvSpPr>
+          <p:cNvPr id="2" name="Title 1"/>
+          <p:cNvSpPr>
+            <a:spLocks noGrp="1"/>
+          </p:cNvSpPr>
+          <p:nvPr>
+            <p:ph type="title"/>
+          </p:nvPr>
+        </p:nvSpPr>
+        <p:spPr/>
+        <p:txBody>
+          <a:bodyPr/>
+          <a:lstStyle/>
+          <a:p>
+            <a:r>
+              <a:rPr lang="en-US" sz="2800" dirty="0" smtClean="0"/>
+              <a:t>Service Deployment, Management &amp; Interaction </a:t>
+            </a:r>
+            <a:r>
+              <a:rPr lang="en-US" sz="2800" dirty="0" smtClean="0"/>
+              <a:t>- Deployment</a:t>
+            </a:r>
+            <a:endParaRPr lang="en-US" sz="2800" dirty="0"/>
+          </a:p>
+        </p:txBody>
+      </p:sp>
+      <p:sp>
+        <p:nvSpPr>
+          <p:cNvPr id="4" name="Slide Number Placeholder 3"/>
+          <p:cNvSpPr>
+            <a:spLocks noGrp="1"/>
+          </p:cNvSpPr>
+          <p:nvPr>
+            <p:ph type="sldNum" sz="quarter" idx="11"/>
+          </p:nvPr>
+        </p:nvSpPr>
+        <p:spPr/>
+        <p:txBody>
+          <a:bodyPr/>
+          <a:lstStyle/>
+          <a:p>
+            <a:pPr>
+              <a:defRPr/>
+            </a:pPr>
+            <a:fld id="{7BA483FD-CADB-4A1C-B345-9747A915C178}" type="slidenum">
+              <a:rPr lang="en-US" smtClean="0"/>
+              <a:pPr>
+                <a:defRPr/>
+              </a:pPr>
+              <a:t>11</a:t>
+            </a:fld>
+            <a:endParaRPr lang="en-US" dirty="0"/>
+          </a:p>
+        </p:txBody>
+      </p:sp>
+      <p:pic>
+        <p:nvPicPr>
+          <p:cNvPr id="1026" name="Picture 2"/>
+          <p:cNvPicPr>
+            <a:picLocks noGrp="1" noChangeAspect="1" noChangeArrowheads="1"/>
+          </p:cNvPicPr>
+          <p:nvPr>
+            <p:ph idx="1"/>
+          </p:nvPr>
+        </p:nvPicPr>
+        <p:blipFill>
+          <a:blip r:embed="rId3" cstate="print"/>
+          <a:srcRect/>
+          <a:stretch>
+            <a:fillRect/>
+          </a:stretch>
+        </p:blipFill>
+        <p:spPr bwMode="auto">
+          <a:xfrm>
+            <a:off x="2743200" y="2540000"/>
+            <a:ext cx="3657600" cy="2647950"/>
+          </a:xfrm>
+          <a:prstGeom prst="rect">
+            <a:avLst/>
+          </a:prstGeom>
+          <a:noFill/>
+          <a:ln w="9525">
+            <a:noFill/>
+            <a:miter lim="800000"/>
+            <a:headEnd/>
+            <a:tailEnd/>
+          </a:ln>
+        </p:spPr>
+      </p:pic>
+    </p:spTree>
+  </p:cSld>
+  <p:clrMapOvr>
+    <a:masterClrMapping/>
+  </p:clrMapOvr>
+</p:sld>
+</file>
+
+<file path=ppt/slides/slide12.xml><?xml version="1.0" encoding="utf-8"?>
+<p:sld xmlns:a="http://schemas.openxmlformats.org/drawingml/2006/main" xmlns:r="http://schemas.openxmlformats.org/officeDocument/2006/relationships" xmlns:p="http://schemas.openxmlformats.org/presentationml/2006/main">
+  <p:cSld>
+    <p:spTree>
+      <p:nvGrpSpPr>
+        <p:cNvPr id="1" name=""/>
+        <p:cNvGrpSpPr/>
+        <p:nvPr/>
+      </p:nvGrpSpPr>
+      <p:grpSpPr>
+        <a:xfrm>
+          <a:off x="0" y="0"/>
+          <a:ext cx="0" cy="0"/>
+          <a:chOff x="0" y="0"/>
+          <a:chExt cx="0" cy="0"/>
+        </a:xfrm>
+      </p:grpSpPr>
+      <p:sp>
+        <p:nvSpPr>
+          <p:cNvPr id="2" name="Title 1"/>
+          <p:cNvSpPr>
+            <a:spLocks noGrp="1"/>
+          </p:cNvSpPr>
+          <p:nvPr>
+            <p:ph type="title"/>
+          </p:nvPr>
+        </p:nvSpPr>
+        <p:spPr/>
+        <p:txBody>
+          <a:bodyPr/>
+          <a:lstStyle/>
+          <a:p>
+            <a:r>
+              <a:rPr lang="en-US" dirty="0" smtClean="0"/>
+              <a:t>Multiple-protocols &amp; Standard Service APIs</a:t>
+            </a:r>
+            <a:endParaRPr lang="en-US" dirty="0"/>
+          </a:p>
+        </p:txBody>
+      </p:sp>
+      <p:sp>
+        <p:nvSpPr>
+          <p:cNvPr id="3" name="Content Placeholder 2"/>
+          <p:cNvSpPr>
+            <a:spLocks noGrp="1"/>
+          </p:cNvSpPr>
+          <p:nvPr>
+            <p:ph idx="1"/>
+          </p:nvPr>
+        </p:nvSpPr>
+        <p:spPr/>
+        <p:txBody>
+          <a:bodyPr/>
+          <a:lstStyle/>
+          <a:p>
+            <a:r>
+              <a:rPr lang="en-US" dirty="0" smtClean="0"/>
+              <a:t>Front-end protocols:</a:t>
+            </a:r>
+          </a:p>
+          <a:p>
+            <a:pPr lvl="1"/>
+            <a:r>
+              <a:rPr lang="en-US" dirty="0" smtClean="0"/>
+              <a:t>Web: http/https, SOAP, REST</a:t>
+            </a:r>
+          </a:p>
+          <a:p>
+            <a:pPr lvl="1"/>
+            <a:r>
+              <a:rPr lang="en-US" dirty="0" smtClean="0"/>
+              <a:t>Socket</a:t>
+            </a:r>
+          </a:p>
+          <a:p>
+            <a:r>
+              <a:rPr lang="en-US" dirty="0" smtClean="0"/>
+              <a:t>Request </a:t>
+            </a:r>
+            <a:r>
+              <a:rPr lang="en-US" dirty="0" err="1" smtClean="0"/>
+              <a:t>normalizer</a:t>
+            </a:r>
+            <a:r>
+              <a:rPr lang="en-US" dirty="0" smtClean="0"/>
+              <a:t>:</a:t>
+            </a:r>
+          </a:p>
+          <a:p>
+            <a:pPr lvl="1"/>
+            <a:r>
+              <a:rPr lang="en-US" dirty="0" smtClean="0"/>
+              <a:t>Be the bridge between front-end and service container</a:t>
+            </a:r>
+          </a:p>
+          <a:p>
+            <a:pPr lvl="1"/>
+            <a:endParaRPr lang="en-US" dirty="0"/>
+          </a:p>
+        </p:txBody>
+      </p:sp>
+      <p:sp>
+        <p:nvSpPr>
+          <p:cNvPr id="4" name="Slide Number Placeholder 3"/>
+          <p:cNvSpPr>
+            <a:spLocks noGrp="1"/>
+          </p:cNvSpPr>
+          <p:nvPr>
+            <p:ph type="sldNum" sz="quarter" idx="11"/>
+          </p:nvPr>
+        </p:nvSpPr>
+        <p:spPr/>
+        <p:txBody>
+          <a:bodyPr/>
+          <a:lstStyle/>
+          <a:p>
+            <a:pPr>
+              <a:defRPr/>
+            </a:pPr>
+            <a:fld id="{7BA483FD-CADB-4A1C-B345-9747A915C178}" type="slidenum">
+              <a:rPr lang="en-US" smtClean="0"/>
+              <a:pPr>
+                <a:defRPr/>
+              </a:pPr>
+              <a:t>12</a:t>
+            </a:fld>
+            <a:endParaRPr lang="en-US" dirty="0"/>
+          </a:p>
+        </p:txBody>
+      </p:sp>
+    </p:spTree>
+  </p:cSld>
+  <p:clrMapOvr>
+    <a:masterClrMapping/>
+  </p:clrMapOvr>
+</p:sld>
+</file>
+
+<file path=ppt/slides/slide13.xml><?xml version="1.0" encoding="utf-8"?>
+<p:sld xmlns:a="http://schemas.openxmlformats.org/drawingml/2006/main" xmlns:r="http://schemas.openxmlformats.org/officeDocument/2006/relationships" xmlns:p="http://schemas.openxmlformats.org/presentationml/2006/main">
+  <p:cSld>
+    <p:spTree>
+      <p:nvGrpSpPr>
+        <p:cNvPr id="1" name=""/>
+        <p:cNvGrpSpPr/>
+        <p:nvPr/>
+      </p:nvGrpSpPr>
+      <p:grpSpPr>
+        <a:xfrm>
+          <a:off x="0" y="0"/>
+          <a:ext cx="0" cy="0"/>
+          <a:chOff x="0" y="0"/>
+          <a:chExt cx="0" cy="0"/>
+        </a:xfrm>
+      </p:grpSpPr>
+      <p:sp>
+        <p:nvSpPr>
+          <p:cNvPr id="2" name="Title 1"/>
+          <p:cNvSpPr>
+            <a:spLocks noGrp="1"/>
+          </p:cNvSpPr>
+          <p:nvPr>
+            <p:ph type="title"/>
+          </p:nvPr>
+        </p:nvSpPr>
+        <p:spPr/>
+        <p:txBody>
+          <a:bodyPr/>
+          <a:lstStyle/>
+          <a:p>
+            <a:r>
+              <a:rPr lang="en-US" dirty="0" smtClean="0"/>
+              <a:t>Q &amp; A</a:t>
+            </a:r>
+            <a:endParaRPr lang="en-US" dirty="0"/>
+          </a:p>
+        </p:txBody>
+      </p:sp>
+      <p:sp>
+        <p:nvSpPr>
+          <p:cNvPr id="3" name="Content Placeholder 2"/>
+          <p:cNvSpPr>
+            <a:spLocks noGrp="1"/>
+          </p:cNvSpPr>
+          <p:nvPr>
+            <p:ph idx="1"/>
+          </p:nvPr>
+        </p:nvSpPr>
+        <p:spPr/>
+        <p:txBody>
+          <a:bodyPr/>
+          <a:lstStyle/>
+          <a:p>
+            <a:endParaRPr lang="en-US"/>
+          </a:p>
+        </p:txBody>
+      </p:sp>
+      <p:sp>
+        <p:nvSpPr>
+          <p:cNvPr id="4" name="Slide Number Placeholder 3"/>
+          <p:cNvSpPr>
+            <a:spLocks noGrp="1"/>
+          </p:cNvSpPr>
+          <p:nvPr>
+            <p:ph type="sldNum" sz="quarter" idx="11"/>
+          </p:nvPr>
+        </p:nvSpPr>
+        <p:spPr/>
+        <p:txBody>
+          <a:bodyPr/>
+          <a:lstStyle/>
+          <a:p>
+            <a:pPr>
+              <a:defRPr/>
+            </a:pPr>
+            <a:fld id="{7BA483FD-CADB-4A1C-B345-9747A915C178}" type="slidenum">
+              <a:rPr lang="en-US" smtClean="0"/>
+              <a:pPr>
+                <a:defRPr/>
+              </a:pPr>
+              <a:t>13</a:t>
+            </a:fld>
+            <a:endParaRPr lang="en-US" dirty="0"/>
+          </a:p>
+        </p:txBody>
+      </p:sp>
+    </p:spTree>
+  </p:cSld>
+  <p:clrMapOvr>
+    <a:masterClrMapping/>
+  </p:clrMapOvr>
 </p:sld>
 </file>
 
@@ -12372,83 +13660,83 @@
           <a:p>
             <a:r>
               <a:rPr lang="en-US" dirty="0" smtClean="0"/>
+              <a:t>Agendas</a:t>
+            </a:r>
+            <a:endParaRPr lang="en-US" dirty="0"/>
+          </a:p>
+        </p:txBody>
+      </p:sp>
+      <p:sp>
+        <p:nvSpPr>
+          <p:cNvPr id="3" name="Content Placeholder 2"/>
+          <p:cNvSpPr>
+            <a:spLocks noGrp="1"/>
+          </p:cNvSpPr>
+          <p:nvPr>
+            <p:ph idx="1"/>
+          </p:nvPr>
+        </p:nvSpPr>
+        <p:spPr/>
+        <p:txBody>
+          <a:bodyPr/>
+          <a:lstStyle/>
+          <a:p>
+            <a:pPr eaLnBrk="1" hangingPunct="1"/>
+            <a:r>
+              <a:rPr lang="en-US" dirty="0" smtClean="0"/>
+              <a:t>System’s </a:t>
+            </a:r>
+            <a:r>
+              <a:rPr lang="en-US" dirty="0" smtClean="0"/>
               <a:t>Objectives</a:t>
             </a:r>
-            <a:endParaRPr lang="en-US" dirty="0"/>
-          </a:p>
-        </p:txBody>
-      </p:sp>
-      <p:sp>
-        <p:nvSpPr>
-          <p:cNvPr id="3" name="Content Placeholder 2"/>
-          <p:cNvSpPr>
-            <a:spLocks noGrp="1"/>
-          </p:cNvSpPr>
-          <p:nvPr>
-            <p:ph idx="1"/>
-          </p:nvPr>
-        </p:nvSpPr>
-        <p:spPr/>
-        <p:txBody>
-          <a:bodyPr/>
-          <a:lstStyle/>
+            <a:endParaRPr lang="en-US" dirty="0" smtClean="0"/>
+          </a:p>
           <a:p>
             <a:pPr eaLnBrk="1" hangingPunct="1"/>
             <a:r>
               <a:rPr lang="en-US" dirty="0" smtClean="0"/>
-              <a:t>High scalability and availability</a:t>
+              <a:t>System Design</a:t>
             </a:r>
           </a:p>
           <a:p>
             <a:pPr eaLnBrk="1" hangingPunct="1"/>
             <a:r>
               <a:rPr lang="en-US" dirty="0" smtClean="0"/>
-              <a:t>Seamlessly handle interactions between VNG services/platforms</a:t>
-            </a:r>
-          </a:p>
-          <a:p>
-            <a:pPr lvl="1" eaLnBrk="1" hangingPunct="1"/>
+              <a:t>Service Server Architecture</a:t>
+            </a:r>
+          </a:p>
+          <a:p>
+            <a:pPr eaLnBrk="1" hangingPunct="1"/>
             <a:r>
               <a:rPr lang="en-US" dirty="0" smtClean="0"/>
-              <a:t>Standard APIs</a:t>
-            </a:r>
-          </a:p>
-          <a:p>
-            <a:pPr lvl="1" eaLnBrk="1" hangingPunct="1"/>
+              <a:t>Scalability &amp; Availability</a:t>
+            </a:r>
+          </a:p>
+          <a:p>
+            <a:pPr eaLnBrk="1" hangingPunct="1"/>
             <a:r>
               <a:rPr lang="en-US" dirty="0" smtClean="0"/>
-              <a:t>Multiple-protocols </a:t>
-            </a:r>
+              <a:t>Service Deployment, Management &amp; Interaction</a:t>
+            </a:r>
+          </a:p>
+          <a:p>
+            <a:pPr eaLnBrk="1" hangingPunct="1"/>
             <a:r>
               <a:rPr lang="en-US" dirty="0" smtClean="0"/>
-              <a:t>supported (HTTP/HTTPS, TCP/IP socket, SOAP, etc</a:t>
-            </a:r>
-            <a:r>
-              <a:rPr lang="en-US" dirty="0" smtClean="0"/>
-              <a:t>)</a:t>
-            </a:r>
-          </a:p>
-          <a:p>
-            <a:pPr lvl="1" eaLnBrk="1" hangingPunct="1"/>
-            <a:r>
-              <a:rPr lang="en-US" dirty="0" smtClean="0"/>
-              <a:t>Effective </a:t>
-            </a:r>
-            <a:r>
-              <a:rPr lang="en-US" dirty="0" smtClean="0"/>
-              <a:t>Service dependency management and deployment</a:t>
+              <a:t>Multiple-protocols &amp; Standard Service APIs</a:t>
             </a:r>
           </a:p>
           <a:p>
             <a:pPr eaLnBrk="1" hangingPunct="1"/>
-            <a:r>
-              <a:rPr lang="en-US" dirty="0" smtClean="0"/>
-              <a:t>Easy to extend and </a:t>
-            </a:r>
-            <a:r>
-              <a:rPr lang="en-US" dirty="0" smtClean="0"/>
-              <a:t>maintain</a:t>
-            </a:r>
+            <a:endParaRPr lang="en-US" dirty="0" smtClean="0"/>
+          </a:p>
+          <a:p>
+            <a:pPr eaLnBrk="1" hangingPunct="1"/>
+            <a:endParaRPr lang="en-US" dirty="0" smtClean="0"/>
+          </a:p>
+          <a:p>
+            <a:pPr eaLnBrk="1" hangingPunct="1"/>
             <a:endParaRPr lang="en-US" dirty="0" smtClean="0"/>
           </a:p>
         </p:txBody>
@@ -12482,14 +13770,46 @@
           </a:p>
         </p:txBody>
       </p:sp>
-      <p:sp>
-        <p:nvSpPr>
-          <p:cNvPr id="5" name="Date Placeholder 4"/>
-          <p:cNvSpPr>
-            <a:spLocks noGrp="1"/>
-          </p:cNvSpPr>
-          <p:nvPr>
-            <p:ph type="dt" sz="half" idx="12"/>
+    </p:spTree>
+  </p:cSld>
+  <p:clrMapOvr>
+    <a:masterClrMapping/>
+  </p:clrMapOvr>
+  <p:timing>
+    <p:tnLst>
+      <p:par>
+        <p:cTn id="1" dur="indefinite" restart="never" nodeType="tmRoot"/>
+      </p:par>
+    </p:tnLst>
+  </p:timing>
+</p:sld>
+</file>
+
+<file path=ppt/slides/slide3.xml><?xml version="1.0" encoding="utf-8"?>
+<p:sld xmlns:a="http://schemas.openxmlformats.org/drawingml/2006/main" xmlns:r="http://schemas.openxmlformats.org/officeDocument/2006/relationships" xmlns:p="http://schemas.openxmlformats.org/presentationml/2006/main">
+  <p:cSld>
+    <p:spTree>
+      <p:nvGrpSpPr>
+        <p:cNvPr id="1" name=""/>
+        <p:cNvGrpSpPr/>
+        <p:nvPr/>
+      </p:nvGrpSpPr>
+      <p:grpSpPr>
+        <a:xfrm>
+          <a:off x="0" y="0"/>
+          <a:ext cx="0" cy="0"/>
+          <a:chOff x="0" y="0"/>
+          <a:chExt cx="0" cy="0"/>
+        </a:xfrm>
+      </p:grpSpPr>
+      <p:sp>
+        <p:nvSpPr>
+          <p:cNvPr id="2" name="Title 1"/>
+          <p:cNvSpPr>
+            <a:spLocks noGrp="1"/>
+          </p:cNvSpPr>
+          <p:nvPr>
+            <p:ph type="title"/>
           </p:nvPr>
         </p:nvSpPr>
         <p:spPr/>
@@ -12497,15 +13817,981 @@
           <a:bodyPr/>
           <a:lstStyle/>
           <a:p>
+            <a:r>
+              <a:rPr lang="en-US" dirty="0" smtClean="0"/>
+              <a:t>Objectives</a:t>
+            </a:r>
+            <a:endParaRPr lang="en-US" dirty="0"/>
+          </a:p>
+        </p:txBody>
+      </p:sp>
+      <p:sp>
+        <p:nvSpPr>
+          <p:cNvPr id="3" name="Content Placeholder 2"/>
+          <p:cNvSpPr>
+            <a:spLocks noGrp="1"/>
+          </p:cNvSpPr>
+          <p:nvPr>
+            <p:ph idx="1"/>
+          </p:nvPr>
+        </p:nvSpPr>
+        <p:spPr/>
+        <p:txBody>
+          <a:bodyPr/>
+          <a:lstStyle/>
+          <a:p>
+            <a:pPr eaLnBrk="1" hangingPunct="1"/>
+            <a:r>
+              <a:rPr lang="en-US" dirty="0" smtClean="0"/>
+              <a:t>High scalability and availability</a:t>
+            </a:r>
+          </a:p>
+          <a:p>
+            <a:pPr eaLnBrk="1" hangingPunct="1"/>
+            <a:r>
+              <a:rPr lang="en-US" dirty="0" smtClean="0"/>
+              <a:t>Handle </a:t>
+            </a:r>
+            <a:r>
+              <a:rPr lang="en-US" dirty="0" smtClean="0"/>
+              <a:t>interactions </a:t>
+            </a:r>
+            <a:r>
+              <a:rPr lang="en-US" dirty="0" smtClean="0"/>
+              <a:t>between </a:t>
+            </a:r>
+            <a:r>
+              <a:rPr lang="en-US" dirty="0" smtClean="0"/>
+              <a:t>VNG services/platforms</a:t>
+            </a:r>
+          </a:p>
+          <a:p>
+            <a:pPr lvl="1" eaLnBrk="1" hangingPunct="1"/>
+            <a:r>
+              <a:rPr lang="en-US" dirty="0" smtClean="0"/>
+              <a:t>Standard APIs</a:t>
+            </a:r>
+          </a:p>
+          <a:p>
+            <a:pPr lvl="1" eaLnBrk="1" hangingPunct="1"/>
+            <a:r>
+              <a:rPr lang="en-US" dirty="0" smtClean="0"/>
+              <a:t>Multiple-protocols supported (HTTP/HTTPS, TCP/IP socket, SOAP, etc)</a:t>
+            </a:r>
+          </a:p>
+          <a:p>
+            <a:pPr lvl="1" eaLnBrk="1" hangingPunct="1"/>
+            <a:r>
+              <a:rPr lang="en-US" dirty="0" smtClean="0"/>
+              <a:t>Effective </a:t>
+            </a:r>
+            <a:r>
+              <a:rPr lang="en-US" dirty="0" smtClean="0"/>
+              <a:t>service </a:t>
+            </a:r>
+            <a:r>
+              <a:rPr lang="en-US" dirty="0" smtClean="0"/>
+              <a:t>dependency management and deployment</a:t>
+            </a:r>
+          </a:p>
+          <a:p>
+            <a:pPr eaLnBrk="1" hangingPunct="1"/>
+            <a:r>
+              <a:rPr lang="en-US" dirty="0" smtClean="0"/>
+              <a:t>Easy to extend and maintain</a:t>
+            </a:r>
+          </a:p>
+        </p:txBody>
+      </p:sp>
+      <p:sp>
+        <p:nvSpPr>
+          <p:cNvPr id="4" name="Slide Number Placeholder 3"/>
+          <p:cNvSpPr>
+            <a:spLocks noGrp="1"/>
+          </p:cNvSpPr>
+          <p:nvPr>
+            <p:ph type="sldNum" sz="quarter" idx="11"/>
+          </p:nvPr>
+        </p:nvSpPr>
+        <p:spPr/>
+        <p:txBody>
+          <a:bodyPr/>
+          <a:lstStyle/>
+          <a:p>
             <a:pPr>
               <a:defRPr/>
             </a:pPr>
-            <a:fld id="{1617771B-F269-4332-8377-EA23B65099CA}" type="datetime3">
+            <a:fld id="{7BA483FD-CADB-4A1C-B345-9747A915C178}" type="slidenum">
               <a:rPr lang="en-US" smtClean="0"/>
               <a:pPr>
                 <a:defRPr/>
               </a:pPr>
-              <a:t>10 January 2011</a:t>
+              <a:t>3</a:t>
+            </a:fld>
+            <a:endParaRPr lang="en-US" dirty="0"/>
+          </a:p>
+        </p:txBody>
+      </p:sp>
+    </p:spTree>
+  </p:cSld>
+  <p:clrMapOvr>
+    <a:masterClrMapping/>
+  </p:clrMapOvr>
+</p:sld>
+</file>
+
+<file path=ppt/slides/slide4.xml><?xml version="1.0" encoding="utf-8"?>
+<p:sld xmlns:a="http://schemas.openxmlformats.org/drawingml/2006/main" xmlns:r="http://schemas.openxmlformats.org/officeDocument/2006/relationships" xmlns:p="http://schemas.openxmlformats.org/presentationml/2006/main">
+  <p:cSld>
+    <p:spTree>
+      <p:nvGrpSpPr>
+        <p:cNvPr id="1" name=""/>
+        <p:cNvGrpSpPr/>
+        <p:nvPr/>
+      </p:nvGrpSpPr>
+      <p:grpSpPr>
+        <a:xfrm>
+          <a:off x="0" y="0"/>
+          <a:ext cx="0" cy="0"/>
+          <a:chOff x="0" y="0"/>
+          <a:chExt cx="0" cy="0"/>
+        </a:xfrm>
+      </p:grpSpPr>
+      <p:sp>
+        <p:nvSpPr>
+          <p:cNvPr id="2" name="Title 1"/>
+          <p:cNvSpPr>
+            <a:spLocks noGrp="1"/>
+          </p:cNvSpPr>
+          <p:nvPr>
+            <p:ph type="title"/>
+          </p:nvPr>
+        </p:nvSpPr>
+        <p:spPr/>
+        <p:txBody>
+          <a:bodyPr/>
+          <a:lstStyle/>
+          <a:p>
+            <a:r>
+              <a:rPr lang="en-US" dirty="0" smtClean="0"/>
+              <a:t>System Design</a:t>
+            </a:r>
+            <a:endParaRPr lang="en-US" dirty="0"/>
+          </a:p>
+        </p:txBody>
+      </p:sp>
+      <p:sp>
+        <p:nvSpPr>
+          <p:cNvPr id="4" name="Slide Number Placeholder 3"/>
+          <p:cNvSpPr>
+            <a:spLocks noGrp="1"/>
+          </p:cNvSpPr>
+          <p:nvPr>
+            <p:ph type="sldNum" sz="quarter" idx="11"/>
+          </p:nvPr>
+        </p:nvSpPr>
+        <p:spPr/>
+        <p:txBody>
+          <a:bodyPr/>
+          <a:lstStyle/>
+          <a:p>
+            <a:pPr>
+              <a:defRPr/>
+            </a:pPr>
+            <a:fld id="{7BA483FD-CADB-4A1C-B345-9747A915C178}" type="slidenum">
+              <a:rPr lang="en-US" smtClean="0"/>
+              <a:pPr>
+                <a:defRPr/>
+              </a:pPr>
+              <a:t>4</a:t>
+            </a:fld>
+            <a:endParaRPr lang="en-US" dirty="0"/>
+          </a:p>
+        </p:txBody>
+      </p:sp>
+      <p:pic>
+        <p:nvPicPr>
+          <p:cNvPr id="1026" name="Picture 2"/>
+          <p:cNvPicPr>
+            <a:picLocks noGrp="1" noChangeAspect="1" noChangeArrowheads="1"/>
+          </p:cNvPicPr>
+          <p:nvPr>
+            <p:ph idx="1"/>
+          </p:nvPr>
+        </p:nvPicPr>
+        <p:blipFill>
+          <a:blip r:embed="rId3" cstate="print"/>
+          <a:srcRect/>
+          <a:stretch>
+            <a:fillRect/>
+          </a:stretch>
+        </p:blipFill>
+        <p:spPr bwMode="auto">
+          <a:xfrm>
+            <a:off x="943137" y="1371600"/>
+            <a:ext cx="7257726" cy="4984750"/>
+          </a:xfrm>
+          <a:prstGeom prst="rect">
+            <a:avLst/>
+          </a:prstGeom>
+          <a:noFill/>
+          <a:ln w="9525">
+            <a:noFill/>
+            <a:miter lim="800000"/>
+            <a:headEnd/>
+            <a:tailEnd/>
+          </a:ln>
+        </p:spPr>
+      </p:pic>
+    </p:spTree>
+  </p:cSld>
+  <p:clrMapOvr>
+    <a:masterClrMapping/>
+  </p:clrMapOvr>
+</p:sld>
+</file>
+
+<file path=ppt/slides/slide5.xml><?xml version="1.0" encoding="utf-8"?>
+<p:sld xmlns:a="http://schemas.openxmlformats.org/drawingml/2006/main" xmlns:r="http://schemas.openxmlformats.org/officeDocument/2006/relationships" xmlns:p="http://schemas.openxmlformats.org/presentationml/2006/main">
+  <p:cSld>
+    <p:spTree>
+      <p:nvGrpSpPr>
+        <p:cNvPr id="1" name=""/>
+        <p:cNvGrpSpPr/>
+        <p:nvPr/>
+      </p:nvGrpSpPr>
+      <p:grpSpPr>
+        <a:xfrm>
+          <a:off x="0" y="0"/>
+          <a:ext cx="0" cy="0"/>
+          <a:chOff x="0" y="0"/>
+          <a:chExt cx="0" cy="0"/>
+        </a:xfrm>
+      </p:grpSpPr>
+      <p:sp>
+        <p:nvSpPr>
+          <p:cNvPr id="2" name="Title 1"/>
+          <p:cNvSpPr>
+            <a:spLocks noGrp="1"/>
+          </p:cNvSpPr>
+          <p:nvPr>
+            <p:ph type="title"/>
+          </p:nvPr>
+        </p:nvSpPr>
+        <p:spPr/>
+        <p:txBody>
+          <a:bodyPr/>
+          <a:lstStyle/>
+          <a:p>
+            <a:r>
+              <a:rPr lang="en-US" dirty="0" smtClean="0"/>
+              <a:t>Service Server</a:t>
+            </a:r>
+            <a:endParaRPr lang="en-US" dirty="0"/>
+          </a:p>
+        </p:txBody>
+      </p:sp>
+      <p:sp>
+        <p:nvSpPr>
+          <p:cNvPr id="4" name="Slide Number Placeholder 3"/>
+          <p:cNvSpPr>
+            <a:spLocks noGrp="1"/>
+          </p:cNvSpPr>
+          <p:nvPr>
+            <p:ph type="sldNum" sz="quarter" idx="11"/>
+          </p:nvPr>
+        </p:nvSpPr>
+        <p:spPr/>
+        <p:txBody>
+          <a:bodyPr/>
+          <a:lstStyle/>
+          <a:p>
+            <a:pPr>
+              <a:defRPr/>
+            </a:pPr>
+            <a:fld id="{7BA483FD-CADB-4A1C-B345-9747A915C178}" type="slidenum">
+              <a:rPr lang="en-US" smtClean="0"/>
+              <a:pPr>
+                <a:defRPr/>
+              </a:pPr>
+              <a:t>5</a:t>
+            </a:fld>
+            <a:endParaRPr lang="en-US" dirty="0"/>
+          </a:p>
+        </p:txBody>
+      </p:sp>
+      <p:pic>
+        <p:nvPicPr>
+          <p:cNvPr id="2050" name="Picture 2"/>
+          <p:cNvPicPr>
+            <a:picLocks noGrp="1" noChangeAspect="1" noChangeArrowheads="1"/>
+          </p:cNvPicPr>
+          <p:nvPr>
+            <p:ph idx="1"/>
+          </p:nvPr>
+        </p:nvPicPr>
+        <p:blipFill>
+          <a:blip r:embed="rId2" cstate="print"/>
+          <a:srcRect/>
+          <a:stretch>
+            <a:fillRect/>
+          </a:stretch>
+        </p:blipFill>
+        <p:spPr bwMode="auto">
+          <a:xfrm>
+            <a:off x="1037890" y="1371600"/>
+            <a:ext cx="7068220" cy="4984750"/>
+          </a:xfrm>
+          <a:prstGeom prst="rect">
+            <a:avLst/>
+          </a:prstGeom>
+          <a:noFill/>
+          <a:ln w="9525">
+            <a:noFill/>
+            <a:miter lim="800000"/>
+            <a:headEnd/>
+            <a:tailEnd/>
+          </a:ln>
+        </p:spPr>
+      </p:pic>
+    </p:spTree>
+  </p:cSld>
+  <p:clrMapOvr>
+    <a:masterClrMapping/>
+  </p:clrMapOvr>
+</p:sld>
+</file>
+
+<file path=ppt/slides/slide6.xml><?xml version="1.0" encoding="utf-8"?>
+<p:sld xmlns:a="http://schemas.openxmlformats.org/drawingml/2006/main" xmlns:r="http://schemas.openxmlformats.org/officeDocument/2006/relationships" xmlns:p="http://schemas.openxmlformats.org/presentationml/2006/main">
+  <p:cSld>
+    <p:spTree>
+      <p:nvGrpSpPr>
+        <p:cNvPr id="1" name=""/>
+        <p:cNvGrpSpPr/>
+        <p:nvPr/>
+      </p:nvGrpSpPr>
+      <p:grpSpPr>
+        <a:xfrm>
+          <a:off x="0" y="0"/>
+          <a:ext cx="0" cy="0"/>
+          <a:chOff x="0" y="0"/>
+          <a:chExt cx="0" cy="0"/>
+        </a:xfrm>
+      </p:grpSpPr>
+      <p:sp>
+        <p:nvSpPr>
+          <p:cNvPr id="2" name="Title 1"/>
+          <p:cNvSpPr>
+            <a:spLocks noGrp="1"/>
+          </p:cNvSpPr>
+          <p:nvPr>
+            <p:ph type="title"/>
+          </p:nvPr>
+        </p:nvSpPr>
+        <p:spPr/>
+        <p:txBody>
+          <a:bodyPr/>
+          <a:lstStyle/>
+          <a:p>
+            <a:r>
+              <a:rPr lang="en-US" dirty="0" smtClean="0"/>
+              <a:t>Scalability &amp; Availability</a:t>
+            </a:r>
+            <a:endParaRPr lang="en-US" dirty="0"/>
+          </a:p>
+        </p:txBody>
+      </p:sp>
+      <p:sp>
+        <p:nvSpPr>
+          <p:cNvPr id="3" name="Content Placeholder 2"/>
+          <p:cNvSpPr>
+            <a:spLocks noGrp="1"/>
+          </p:cNvSpPr>
+          <p:nvPr>
+            <p:ph idx="1"/>
+          </p:nvPr>
+        </p:nvSpPr>
+        <p:spPr/>
+        <p:txBody>
+          <a:bodyPr/>
+          <a:lstStyle/>
+          <a:p>
+            <a:r>
+              <a:rPr lang="en-US" dirty="0" smtClean="0"/>
+              <a:t>Horizontal scale:</a:t>
+            </a:r>
+          </a:p>
+          <a:p>
+            <a:pPr lvl="1"/>
+            <a:r>
+              <a:rPr lang="en-US" dirty="0" smtClean="0"/>
+              <a:t>1 to N service servers</a:t>
+            </a:r>
+          </a:p>
+          <a:p>
+            <a:pPr lvl="1"/>
+            <a:r>
+              <a:rPr lang="en-US" dirty="0" smtClean="0"/>
+              <a:t>1 to N web servers</a:t>
+            </a:r>
+          </a:p>
+          <a:p>
+            <a:pPr lvl="1"/>
+            <a:r>
+              <a:rPr lang="en-US" dirty="0" smtClean="0"/>
+              <a:t>1 to N cache servers</a:t>
+            </a:r>
+          </a:p>
+          <a:p>
+            <a:r>
+              <a:rPr lang="en-US" dirty="0" smtClean="0"/>
+              <a:t>Each service server has a complete copy of all services</a:t>
+            </a:r>
+          </a:p>
+          <a:p>
+            <a:r>
+              <a:rPr lang="en-US" dirty="0" smtClean="0"/>
+              <a:t>Web, Service and Cache servers are on independent layers</a:t>
+            </a:r>
+          </a:p>
+          <a:p>
+            <a:pPr lvl="1"/>
+            <a:endParaRPr lang="en-US" dirty="0"/>
+          </a:p>
+        </p:txBody>
+      </p:sp>
+      <p:sp>
+        <p:nvSpPr>
+          <p:cNvPr id="4" name="Slide Number Placeholder 3"/>
+          <p:cNvSpPr>
+            <a:spLocks noGrp="1"/>
+          </p:cNvSpPr>
+          <p:nvPr>
+            <p:ph type="sldNum" sz="quarter" idx="11"/>
+          </p:nvPr>
+        </p:nvSpPr>
+        <p:spPr/>
+        <p:txBody>
+          <a:bodyPr/>
+          <a:lstStyle/>
+          <a:p>
+            <a:pPr>
+              <a:defRPr/>
+            </a:pPr>
+            <a:fld id="{7BA483FD-CADB-4A1C-B345-9747A915C178}" type="slidenum">
+              <a:rPr lang="en-US" smtClean="0"/>
+              <a:pPr>
+                <a:defRPr/>
+              </a:pPr>
+              <a:t>6</a:t>
+            </a:fld>
+            <a:endParaRPr lang="en-US" dirty="0"/>
+          </a:p>
+        </p:txBody>
+      </p:sp>
+    </p:spTree>
+  </p:cSld>
+  <p:clrMapOvr>
+    <a:masterClrMapping/>
+  </p:clrMapOvr>
+</p:sld>
+</file>
+
+<file path=ppt/slides/slide7.xml><?xml version="1.0" encoding="utf-8"?>
+<p:sld xmlns:a="http://schemas.openxmlformats.org/drawingml/2006/main" xmlns:r="http://schemas.openxmlformats.org/officeDocument/2006/relationships" xmlns:p="http://schemas.openxmlformats.org/presentationml/2006/main">
+  <p:cSld>
+    <p:spTree>
+      <p:nvGrpSpPr>
+        <p:cNvPr id="1" name=""/>
+        <p:cNvGrpSpPr/>
+        <p:nvPr/>
+      </p:nvGrpSpPr>
+      <p:grpSpPr>
+        <a:xfrm>
+          <a:off x="0" y="0"/>
+          <a:ext cx="0" cy="0"/>
+          <a:chOff x="0" y="0"/>
+          <a:chExt cx="0" cy="0"/>
+        </a:xfrm>
+      </p:grpSpPr>
+      <p:sp>
+        <p:nvSpPr>
+          <p:cNvPr id="2" name="Title 1"/>
+          <p:cNvSpPr>
+            <a:spLocks noGrp="1"/>
+          </p:cNvSpPr>
+          <p:nvPr>
+            <p:ph type="title"/>
+          </p:nvPr>
+        </p:nvSpPr>
+        <p:spPr/>
+        <p:txBody>
+          <a:bodyPr/>
+          <a:lstStyle/>
+          <a:p>
+            <a:r>
+              <a:rPr lang="en-US" sz="2800" dirty="0" smtClean="0"/>
+              <a:t>Service Deployment, Management &amp; </a:t>
+            </a:r>
+            <a:r>
+              <a:rPr lang="en-US" sz="2800" dirty="0" smtClean="0"/>
+              <a:t>Interaction - Overview</a:t>
+            </a:r>
+            <a:endParaRPr lang="en-US" sz="2800" dirty="0"/>
+          </a:p>
+        </p:txBody>
+      </p:sp>
+      <p:sp>
+        <p:nvSpPr>
+          <p:cNvPr id="4" name="Slide Number Placeholder 3"/>
+          <p:cNvSpPr>
+            <a:spLocks noGrp="1"/>
+          </p:cNvSpPr>
+          <p:nvPr>
+            <p:ph type="sldNum" sz="quarter" idx="11"/>
+          </p:nvPr>
+        </p:nvSpPr>
+        <p:spPr/>
+        <p:txBody>
+          <a:bodyPr/>
+          <a:lstStyle/>
+          <a:p>
+            <a:pPr>
+              <a:defRPr/>
+            </a:pPr>
+            <a:fld id="{7BA483FD-CADB-4A1C-B345-9747A915C178}" type="slidenum">
+              <a:rPr lang="en-US" smtClean="0"/>
+              <a:pPr>
+                <a:defRPr/>
+              </a:pPr>
+              <a:t>7</a:t>
+            </a:fld>
+            <a:endParaRPr lang="en-US" dirty="0"/>
+          </a:p>
+        </p:txBody>
+      </p:sp>
+      <p:pic>
+        <p:nvPicPr>
+          <p:cNvPr id="1027" name="Picture 3"/>
+          <p:cNvPicPr>
+            <a:picLocks noGrp="1" noChangeAspect="1" noChangeArrowheads="1"/>
+          </p:cNvPicPr>
+          <p:nvPr>
+            <p:ph idx="1"/>
+          </p:nvPr>
+        </p:nvPicPr>
+        <p:blipFill>
+          <a:blip r:embed="rId3" cstate="print"/>
+          <a:srcRect/>
+          <a:stretch>
+            <a:fillRect/>
+          </a:stretch>
+        </p:blipFill>
+        <p:spPr bwMode="auto">
+          <a:xfrm>
+            <a:off x="457200" y="2487204"/>
+            <a:ext cx="8229600" cy="2753542"/>
+          </a:xfrm>
+          <a:prstGeom prst="rect">
+            <a:avLst/>
+          </a:prstGeom>
+          <a:noFill/>
+          <a:ln w="9525">
+            <a:noFill/>
+            <a:miter lim="800000"/>
+            <a:headEnd/>
+            <a:tailEnd/>
+          </a:ln>
+        </p:spPr>
+      </p:pic>
+    </p:spTree>
+  </p:cSld>
+  <p:clrMapOvr>
+    <a:masterClrMapping/>
+  </p:clrMapOvr>
+</p:sld>
+</file>
+
+<file path=ppt/slides/slide8.xml><?xml version="1.0" encoding="utf-8"?>
+<p:sld xmlns:a="http://schemas.openxmlformats.org/drawingml/2006/main" xmlns:r="http://schemas.openxmlformats.org/officeDocument/2006/relationships" xmlns:p="http://schemas.openxmlformats.org/presentationml/2006/main">
+  <p:cSld>
+    <p:spTree>
+      <p:nvGrpSpPr>
+        <p:cNvPr id="1" name=""/>
+        <p:cNvGrpSpPr/>
+        <p:nvPr/>
+      </p:nvGrpSpPr>
+      <p:grpSpPr>
+        <a:xfrm>
+          <a:off x="0" y="0"/>
+          <a:ext cx="0" cy="0"/>
+          <a:chOff x="0" y="0"/>
+          <a:chExt cx="0" cy="0"/>
+        </a:xfrm>
+      </p:grpSpPr>
+      <p:sp>
+        <p:nvSpPr>
+          <p:cNvPr id="2" name="Title 1"/>
+          <p:cNvSpPr>
+            <a:spLocks noGrp="1"/>
+          </p:cNvSpPr>
+          <p:nvPr>
+            <p:ph type="title"/>
+          </p:nvPr>
+        </p:nvSpPr>
+        <p:spPr/>
+        <p:txBody>
+          <a:bodyPr/>
+          <a:lstStyle/>
+          <a:p>
+            <a:r>
+              <a:rPr lang="en-US" sz="2800" dirty="0" smtClean="0"/>
+              <a:t>Service Deployment, Management &amp; Interaction </a:t>
+            </a:r>
+            <a:r>
+              <a:rPr lang="en-US" sz="2800" dirty="0" smtClean="0"/>
+              <a:t>- Service Platform</a:t>
+            </a:r>
+            <a:endParaRPr lang="en-US" sz="2800" dirty="0"/>
+          </a:p>
+        </p:txBody>
+      </p:sp>
+      <p:sp>
+        <p:nvSpPr>
+          <p:cNvPr id="4" name="Slide Number Placeholder 3"/>
+          <p:cNvSpPr>
+            <a:spLocks noGrp="1"/>
+          </p:cNvSpPr>
+          <p:nvPr>
+            <p:ph type="sldNum" sz="quarter" idx="11"/>
+          </p:nvPr>
+        </p:nvSpPr>
+        <p:spPr/>
+        <p:txBody>
+          <a:bodyPr/>
+          <a:lstStyle/>
+          <a:p>
+            <a:pPr>
+              <a:defRPr/>
+            </a:pPr>
+            <a:fld id="{7BA483FD-CADB-4A1C-B345-9747A915C178}" type="slidenum">
+              <a:rPr lang="en-US" smtClean="0"/>
+              <a:pPr>
+                <a:defRPr/>
+              </a:pPr>
+              <a:t>8</a:t>
+            </a:fld>
+            <a:endParaRPr lang="en-US" dirty="0"/>
+          </a:p>
+        </p:txBody>
+      </p:sp>
+      <p:pic>
+        <p:nvPicPr>
+          <p:cNvPr id="2050" name="Picture 2"/>
+          <p:cNvPicPr>
+            <a:picLocks noGrp="1" noChangeAspect="1" noChangeArrowheads="1"/>
+          </p:cNvPicPr>
+          <p:nvPr>
+            <p:ph idx="1"/>
+          </p:nvPr>
+        </p:nvPicPr>
+        <p:blipFill>
+          <a:blip r:embed="rId3" cstate="print"/>
+          <a:srcRect/>
+          <a:stretch>
+            <a:fillRect/>
+          </a:stretch>
+        </p:blipFill>
+        <p:spPr bwMode="auto">
+          <a:xfrm>
+            <a:off x="2652712" y="2820987"/>
+            <a:ext cx="3838575" cy="2085975"/>
+          </a:xfrm>
+          <a:prstGeom prst="rect">
+            <a:avLst/>
+          </a:prstGeom>
+          <a:noFill/>
+          <a:ln w="9525">
+            <a:noFill/>
+            <a:miter lim="800000"/>
+            <a:headEnd/>
+            <a:tailEnd/>
+          </a:ln>
+        </p:spPr>
+      </p:pic>
+    </p:spTree>
+  </p:cSld>
+  <p:clrMapOvr>
+    <a:masterClrMapping/>
+  </p:clrMapOvr>
+</p:sld>
+</file>
+
+<file path=ppt/slides/slide9.xml><?xml version="1.0" encoding="utf-8"?>
+<p:sld xmlns:a="http://schemas.openxmlformats.org/drawingml/2006/main" xmlns:r="http://schemas.openxmlformats.org/officeDocument/2006/relationships" xmlns:p="http://schemas.openxmlformats.org/presentationml/2006/main">
+  <p:cSld>
+    <p:spTree>
+      <p:nvGrpSpPr>
+        <p:cNvPr id="1" name=""/>
+        <p:cNvGrpSpPr/>
+        <p:nvPr/>
+      </p:nvGrpSpPr>
+      <p:grpSpPr>
+        <a:xfrm>
+          <a:off x="0" y="0"/>
+          <a:ext cx="0" cy="0"/>
+          <a:chOff x="0" y="0"/>
+          <a:chExt cx="0" cy="0"/>
+        </a:xfrm>
+      </p:grpSpPr>
+      <p:sp>
+        <p:nvSpPr>
+          <p:cNvPr id="2" name="Title 1"/>
+          <p:cNvSpPr>
+            <a:spLocks noGrp="1"/>
+          </p:cNvSpPr>
+          <p:nvPr>
+            <p:ph type="title"/>
+          </p:nvPr>
+        </p:nvSpPr>
+        <p:spPr/>
+        <p:txBody>
+          <a:bodyPr/>
+          <a:lstStyle/>
+          <a:p>
+            <a:r>
+              <a:rPr lang="en-US" sz="2800" dirty="0" smtClean="0"/>
+              <a:t>Service Deployment, Management &amp; Interaction </a:t>
+            </a:r>
+            <a:r>
+              <a:rPr lang="en-US" sz="2800" dirty="0" smtClean="0"/>
+              <a:t>- Service Description (provider example)</a:t>
+            </a:r>
+            <a:endParaRPr lang="en-US" sz="2800" dirty="0"/>
+          </a:p>
+        </p:txBody>
+      </p:sp>
+      <p:sp>
+        <p:nvSpPr>
+          <p:cNvPr id="3" name="Content Placeholder 2"/>
+          <p:cNvSpPr>
+            <a:spLocks noGrp="1"/>
+          </p:cNvSpPr>
+          <p:nvPr>
+            <p:ph idx="1"/>
+          </p:nvPr>
+        </p:nvSpPr>
+        <p:spPr/>
+        <p:txBody>
+          <a:bodyPr/>
+          <a:lstStyle/>
+          <a:p>
+            <a:r>
+              <a:rPr lang="en-US" sz="2400" dirty="0" smtClean="0">
+                <a:latin typeface="Courier New" pitchFamily="49" charset="0"/>
+                <a:cs typeface="Courier New" pitchFamily="49" charset="0"/>
+              </a:rPr>
+              <a:t>Bundle-Name: </a:t>
+            </a:r>
+            <a:r>
+              <a:rPr lang="en-US" sz="2400" dirty="0" smtClean="0">
+                <a:latin typeface="Courier New" pitchFamily="49" charset="0"/>
+                <a:cs typeface="Courier New" pitchFamily="49" charset="0"/>
+              </a:rPr>
+              <a:t>Provider</a:t>
+            </a:r>
+          </a:p>
+          <a:p>
+            <a:r>
+              <a:rPr lang="en-US" sz="2400" dirty="0" smtClean="0">
+                <a:latin typeface="Courier New" pitchFamily="49" charset="0"/>
+                <a:cs typeface="Courier New" pitchFamily="49" charset="0"/>
+              </a:rPr>
+              <a:t>Bundle-Description</a:t>
+            </a:r>
+            <a:r>
+              <a:rPr lang="en-US" sz="2400" dirty="0" smtClean="0">
+                <a:latin typeface="Courier New" pitchFamily="49" charset="0"/>
+                <a:cs typeface="Courier New" pitchFamily="49" charset="0"/>
+              </a:rPr>
+              <a:t>: A </a:t>
+            </a:r>
+            <a:r>
+              <a:rPr lang="en-US" sz="2400" dirty="0" smtClean="0">
+                <a:latin typeface="Courier New" pitchFamily="49" charset="0"/>
+                <a:cs typeface="Courier New" pitchFamily="49" charset="0"/>
+              </a:rPr>
+              <a:t>service provider sample</a:t>
+            </a:r>
+          </a:p>
+          <a:p>
+            <a:r>
+              <a:rPr lang="en-US" sz="2400" dirty="0" smtClean="0">
+                <a:latin typeface="Courier New" pitchFamily="49" charset="0"/>
+                <a:cs typeface="Courier New" pitchFamily="49" charset="0"/>
+              </a:rPr>
+              <a:t>Bundle-Vendor</a:t>
+            </a:r>
+            <a:r>
+              <a:rPr lang="en-US" sz="2400" dirty="0" smtClean="0">
+                <a:latin typeface="Courier New" pitchFamily="49" charset="0"/>
+                <a:cs typeface="Courier New" pitchFamily="49" charset="0"/>
+              </a:rPr>
+              <a:t>: </a:t>
+            </a:r>
+            <a:r>
+              <a:rPr lang="en-US" sz="2400" dirty="0" smtClean="0">
+                <a:latin typeface="Courier New" pitchFamily="49" charset="0"/>
+                <a:cs typeface="Courier New" pitchFamily="49" charset="0"/>
+              </a:rPr>
+              <a:t>VNG GPI</a:t>
+            </a:r>
+          </a:p>
+          <a:p>
+            <a:r>
+              <a:rPr lang="en-US" sz="2400" dirty="0" smtClean="0">
+                <a:latin typeface="Courier New" pitchFamily="49" charset="0"/>
+                <a:cs typeface="Courier New" pitchFamily="49" charset="0"/>
+              </a:rPr>
+              <a:t>Bundle-Version</a:t>
+            </a:r>
+            <a:r>
+              <a:rPr lang="en-US" sz="2400" dirty="0" smtClean="0">
+                <a:latin typeface="Courier New" pitchFamily="49" charset="0"/>
+                <a:cs typeface="Courier New" pitchFamily="49" charset="0"/>
+              </a:rPr>
+              <a:t>: </a:t>
+            </a:r>
+            <a:r>
+              <a:rPr lang="en-US" sz="2400" dirty="0" smtClean="0">
+                <a:latin typeface="Courier New" pitchFamily="49" charset="0"/>
+                <a:cs typeface="Courier New" pitchFamily="49" charset="0"/>
+              </a:rPr>
+              <a:t>1.0.0</a:t>
+            </a:r>
+          </a:p>
+          <a:p>
+            <a:r>
+              <a:rPr lang="en-US" sz="2400" dirty="0" smtClean="0">
+                <a:latin typeface="Courier New" pitchFamily="49" charset="0"/>
+                <a:cs typeface="Courier New" pitchFamily="49" charset="0"/>
+              </a:rPr>
+              <a:t>Bundle-Activator: vng.example1.Activator</a:t>
+            </a:r>
+          </a:p>
+          <a:p>
+            <a:r>
+              <a:rPr lang="en-US" sz="2400" dirty="0" smtClean="0">
+                <a:latin typeface="Courier New" pitchFamily="49" charset="0"/>
+                <a:cs typeface="Courier New" pitchFamily="49" charset="0"/>
+              </a:rPr>
+              <a:t>Export-Package</a:t>
+            </a:r>
+            <a:r>
+              <a:rPr lang="en-US" sz="2400" dirty="0" smtClean="0">
+                <a:latin typeface="Courier New" pitchFamily="49" charset="0"/>
+                <a:cs typeface="Courier New" pitchFamily="49" charset="0"/>
+              </a:rPr>
+              <a:t>: </a:t>
+            </a:r>
+            <a:r>
+              <a:rPr lang="en-US" sz="2400" dirty="0" smtClean="0">
+                <a:latin typeface="Courier New" pitchFamily="49" charset="0"/>
+                <a:cs typeface="Courier New" pitchFamily="49" charset="0"/>
+              </a:rPr>
+              <a:t>vng.example1.service</a:t>
+            </a:r>
+          </a:p>
+          <a:p>
+            <a:r>
+              <a:rPr lang="en-US" sz="2400" dirty="0" smtClean="0">
+                <a:latin typeface="Courier New" pitchFamily="49" charset="0"/>
+                <a:cs typeface="Courier New" pitchFamily="49" charset="0"/>
+              </a:rPr>
+              <a:t>Import-Package</a:t>
+            </a:r>
+            <a:r>
+              <a:rPr lang="en-US" sz="2400" dirty="0" smtClean="0">
+                <a:latin typeface="Courier New" pitchFamily="49" charset="0"/>
+                <a:cs typeface="Courier New" pitchFamily="49" charset="0"/>
+              </a:rPr>
+              <a:t>: </a:t>
+            </a:r>
+            <a:r>
+              <a:rPr lang="en-US" sz="2400" dirty="0" err="1" smtClean="0">
+                <a:latin typeface="Courier New" pitchFamily="49" charset="0"/>
+                <a:cs typeface="Courier New" pitchFamily="49" charset="0"/>
+              </a:rPr>
+              <a:t>org.osgi.framework</a:t>
+            </a:r>
+            <a:r>
+              <a:rPr lang="en-US" sz="2400" dirty="0" smtClean="0">
+                <a:latin typeface="Courier New" pitchFamily="49" charset="0"/>
+                <a:cs typeface="Courier New" pitchFamily="49" charset="0"/>
+              </a:rPr>
+              <a:t> </a:t>
+            </a:r>
+            <a:endParaRPr lang="en-US" sz="2400" dirty="0">
+              <a:latin typeface="Courier New" pitchFamily="49" charset="0"/>
+              <a:cs typeface="Courier New" pitchFamily="49" charset="0"/>
+            </a:endParaRPr>
+          </a:p>
+        </p:txBody>
+      </p:sp>
+      <p:sp>
+        <p:nvSpPr>
+          <p:cNvPr id="4" name="Slide Number Placeholder 3"/>
+          <p:cNvSpPr>
+            <a:spLocks noGrp="1"/>
+          </p:cNvSpPr>
+          <p:nvPr>
+            <p:ph type="sldNum" sz="quarter" idx="11"/>
+          </p:nvPr>
+        </p:nvSpPr>
+        <p:spPr/>
+        <p:txBody>
+          <a:bodyPr/>
+          <a:lstStyle/>
+          <a:p>
+            <a:pPr>
+              <a:defRPr/>
+            </a:pPr>
+            <a:fld id="{7BA483FD-CADB-4A1C-B345-9747A915C178}" type="slidenum">
+              <a:rPr lang="en-US" smtClean="0"/>
+              <a:pPr>
+                <a:defRPr/>
+              </a:pPr>
+              <a:t>9</a:t>
+            </a:fld>
+            <a:endParaRPr lang="en-US" dirty="0"/>
+          </a:p>
+        </p:txBody>
+      </p:sp>
+      <p:sp>
+        <p:nvSpPr>
+          <p:cNvPr id="5" name="Date Placeholder 4"/>
+          <p:cNvSpPr>
+            <a:spLocks noGrp="1"/>
+          </p:cNvSpPr>
+          <p:nvPr>
+            <p:ph type="dt" sz="half" idx="12"/>
+          </p:nvPr>
+        </p:nvSpPr>
+        <p:spPr/>
+        <p:txBody>
+          <a:bodyPr/>
+          <a:lstStyle/>
+          <a:p>
+            <a:pPr>
+              <a:defRPr/>
+            </a:pPr>
+            <a:fld id="{1617771B-F269-4332-8377-EA23B65099CA}" type="datetime3">
+              <a:rPr lang="en-US" smtClean="0"/>
+              <a:pPr>
+                <a:defRPr/>
+              </a:pPr>
+              <a:t>12 January 2011</a:t>
             </a:fld>
             <a:endParaRPr lang="en-US" dirty="0"/>
           </a:p>

--- a/vng-ip/NewIP/docs/Design/NewIP.pptx
+++ b/vng-ip/NewIP/docs/Design/NewIP.pptx
@@ -8,25 +8,30 @@
     <p:sldMasterId id="2147487912" r:id="rId8"/>
   </p:sldMasterIdLst>
   <p:notesMasterIdLst>
-    <p:notesMasterId r:id="rId22"/>
+    <p:notesMasterId r:id="rId27"/>
   </p:notesMasterIdLst>
   <p:handoutMasterIdLst>
-    <p:handoutMasterId r:id="rId23"/>
+    <p:handoutMasterId r:id="rId28"/>
   </p:handoutMasterIdLst>
   <p:sldIdLst>
     <p:sldId id="353" r:id="rId9"/>
     <p:sldId id="354" r:id="rId10"/>
     <p:sldId id="359" r:id="rId11"/>
     <p:sldId id="355" r:id="rId12"/>
-    <p:sldId id="356" r:id="rId13"/>
-    <p:sldId id="357" r:id="rId14"/>
-    <p:sldId id="361" r:id="rId15"/>
-    <p:sldId id="362" r:id="rId16"/>
-    <p:sldId id="363" r:id="rId17"/>
-    <p:sldId id="364" r:id="rId18"/>
-    <p:sldId id="365" r:id="rId19"/>
-    <p:sldId id="358" r:id="rId20"/>
-    <p:sldId id="360" r:id="rId21"/>
+    <p:sldId id="357" r:id="rId13"/>
+    <p:sldId id="366" r:id="rId14"/>
+    <p:sldId id="367" r:id="rId15"/>
+    <p:sldId id="368" r:id="rId16"/>
+    <p:sldId id="356" r:id="rId17"/>
+    <p:sldId id="361" r:id="rId18"/>
+    <p:sldId id="369" r:id="rId19"/>
+    <p:sldId id="362" r:id="rId20"/>
+    <p:sldId id="363" r:id="rId21"/>
+    <p:sldId id="364" r:id="rId22"/>
+    <p:sldId id="365" r:id="rId23"/>
+    <p:sldId id="370" r:id="rId24"/>
+    <p:sldId id="358" r:id="rId25"/>
+    <p:sldId id="360" r:id="rId26"/>
   </p:sldIdLst>
   <p:sldSz cx="9144000" cy="6858000" type="screen4x3"/>
   <p:notesSz cx="6985000" cy="9283700"/>
@@ -255,7 +260,7 @@
               <a:pPr>
                 <a:defRPr/>
               </a:pPr>
-              <a:t>1/12/2011</a:t>
+              <a:t>1/23/2011</a:t>
             </a:fld>
             <a:endParaRPr lang="en-US"/>
           </a:p>
@@ -457,7 +462,7 @@
               <a:pPr>
                 <a:defRPr/>
               </a:pPr>
-              <a:t>1/12/2011</a:t>
+              <a:t>1/23/2011</a:t>
             </a:fld>
             <a:endParaRPr lang="en-US"/>
           </a:p>
@@ -881,6 +886,275 @@
 </p:notes>
 </file>
 
+<file path=ppt/notesSlides/notesSlide10.xml><?xml version="1.0" encoding="utf-8"?>
+<p:notes xmlns:a="http://schemas.openxmlformats.org/drawingml/2006/main" xmlns:r="http://schemas.openxmlformats.org/officeDocument/2006/relationships" xmlns:p="http://schemas.openxmlformats.org/presentationml/2006/main">
+  <p:cSld>
+    <p:spTree>
+      <p:nvGrpSpPr>
+        <p:cNvPr id="1" name=""/>
+        <p:cNvGrpSpPr/>
+        <p:nvPr/>
+      </p:nvGrpSpPr>
+      <p:grpSpPr>
+        <a:xfrm>
+          <a:off x="0" y="0"/>
+          <a:ext cx="0" cy="0"/>
+          <a:chOff x="0" y="0"/>
+          <a:chExt cx="0" cy="0"/>
+        </a:xfrm>
+      </p:grpSpPr>
+      <p:sp>
+        <p:nvSpPr>
+          <p:cNvPr id="2" name="Slide Image Placeholder 1"/>
+          <p:cNvSpPr>
+            <a:spLocks noGrp="1" noRot="1" noChangeAspect="1"/>
+          </p:cNvSpPr>
+          <p:nvPr>
+            <p:ph type="sldImg"/>
+          </p:nvPr>
+        </p:nvSpPr>
+        <p:spPr/>
+      </p:sp>
+      <p:sp>
+        <p:nvSpPr>
+          <p:cNvPr id="3" name="Notes Placeholder 2"/>
+          <p:cNvSpPr>
+            <a:spLocks noGrp="1"/>
+          </p:cNvSpPr>
+          <p:nvPr>
+            <p:ph type="body" idx="1"/>
+          </p:nvPr>
+        </p:nvSpPr>
+        <p:spPr/>
+        <p:txBody>
+          <a:bodyPr>
+            <a:normAutofit/>
+          </a:bodyPr>
+          <a:lstStyle/>
+          <a:p>
+            <a:pPr>
+              <a:buFont typeface="Arial" charset="0"/>
+              <a:buNone/>
+            </a:pPr>
+            <a:endParaRPr lang="en-US" dirty="0" smtClean="0"/>
+          </a:p>
+        </p:txBody>
+      </p:sp>
+      <p:sp>
+        <p:nvSpPr>
+          <p:cNvPr id="4" name="Slide Number Placeholder 3"/>
+          <p:cNvSpPr>
+            <a:spLocks noGrp="1"/>
+          </p:cNvSpPr>
+          <p:nvPr>
+            <p:ph type="sldNum" sz="quarter" idx="10"/>
+          </p:nvPr>
+        </p:nvSpPr>
+        <p:spPr/>
+        <p:txBody>
+          <a:bodyPr/>
+          <a:lstStyle/>
+          <a:p>
+            <a:pPr>
+              <a:defRPr/>
+            </a:pPr>
+            <a:fld id="{D2734ABF-D6A6-4D5E-802A-97F82C2C757F}" type="slidenum">
+              <a:rPr lang="en-US" smtClean="0"/>
+              <a:pPr>
+                <a:defRPr/>
+              </a:pPr>
+              <a:t>15</a:t>
+            </a:fld>
+            <a:endParaRPr lang="en-US"/>
+          </a:p>
+        </p:txBody>
+      </p:sp>
+    </p:spTree>
+  </p:cSld>
+  <p:clrMapOvr>
+    <a:masterClrMapping/>
+  </p:clrMapOvr>
+</p:notes>
+</file>
+
+<file path=ppt/notesSlides/notesSlide11.xml><?xml version="1.0" encoding="utf-8"?>
+<p:notes xmlns:a="http://schemas.openxmlformats.org/drawingml/2006/main" xmlns:r="http://schemas.openxmlformats.org/officeDocument/2006/relationships" xmlns:p="http://schemas.openxmlformats.org/presentationml/2006/main">
+  <p:cSld>
+    <p:spTree>
+      <p:nvGrpSpPr>
+        <p:cNvPr id="1" name=""/>
+        <p:cNvGrpSpPr/>
+        <p:nvPr/>
+      </p:nvGrpSpPr>
+      <p:grpSpPr>
+        <a:xfrm>
+          <a:off x="0" y="0"/>
+          <a:ext cx="0" cy="0"/>
+          <a:chOff x="0" y="0"/>
+          <a:chExt cx="0" cy="0"/>
+        </a:xfrm>
+      </p:grpSpPr>
+      <p:sp>
+        <p:nvSpPr>
+          <p:cNvPr id="2" name="Slide Image Placeholder 1"/>
+          <p:cNvSpPr>
+            <a:spLocks noGrp="1" noRot="1" noChangeAspect="1"/>
+          </p:cNvSpPr>
+          <p:nvPr>
+            <p:ph type="sldImg"/>
+          </p:nvPr>
+        </p:nvSpPr>
+        <p:spPr/>
+      </p:sp>
+      <p:sp>
+        <p:nvSpPr>
+          <p:cNvPr id="3" name="Notes Placeholder 2"/>
+          <p:cNvSpPr>
+            <a:spLocks noGrp="1"/>
+          </p:cNvSpPr>
+          <p:nvPr>
+            <p:ph type="body" idx="1"/>
+          </p:nvPr>
+        </p:nvSpPr>
+        <p:spPr/>
+        <p:txBody>
+          <a:bodyPr>
+            <a:normAutofit/>
+          </a:bodyPr>
+          <a:lstStyle/>
+          <a:p>
+            <a:pPr>
+              <a:buFont typeface="Arial" charset="0"/>
+              <a:buNone/>
+            </a:pPr>
+            <a:endParaRPr lang="en-US" dirty="0" smtClean="0"/>
+          </a:p>
+        </p:txBody>
+      </p:sp>
+      <p:sp>
+        <p:nvSpPr>
+          <p:cNvPr id="4" name="Slide Number Placeholder 3"/>
+          <p:cNvSpPr>
+            <a:spLocks noGrp="1"/>
+          </p:cNvSpPr>
+          <p:nvPr>
+            <p:ph type="sldNum" sz="quarter" idx="10"/>
+          </p:nvPr>
+        </p:nvSpPr>
+        <p:spPr/>
+        <p:txBody>
+          <a:bodyPr/>
+          <a:lstStyle/>
+          <a:p>
+            <a:pPr>
+              <a:defRPr/>
+            </a:pPr>
+            <a:fld id="{D2734ABF-D6A6-4D5E-802A-97F82C2C757F}" type="slidenum">
+              <a:rPr lang="en-US" smtClean="0"/>
+              <a:pPr>
+                <a:defRPr/>
+              </a:pPr>
+              <a:t>16</a:t>
+            </a:fld>
+            <a:endParaRPr lang="en-US"/>
+          </a:p>
+        </p:txBody>
+      </p:sp>
+    </p:spTree>
+  </p:cSld>
+  <p:clrMapOvr>
+    <a:masterClrMapping/>
+  </p:clrMapOvr>
+</p:notes>
+</file>
+
+<file path=ppt/notesSlides/notesSlide12.xml><?xml version="1.0" encoding="utf-8"?>
+<p:notes xmlns:a="http://schemas.openxmlformats.org/drawingml/2006/main" xmlns:r="http://schemas.openxmlformats.org/officeDocument/2006/relationships" xmlns:p="http://schemas.openxmlformats.org/presentationml/2006/main">
+  <p:cSld>
+    <p:spTree>
+      <p:nvGrpSpPr>
+        <p:cNvPr id="1" name=""/>
+        <p:cNvGrpSpPr/>
+        <p:nvPr/>
+      </p:nvGrpSpPr>
+      <p:grpSpPr>
+        <a:xfrm>
+          <a:off x="0" y="0"/>
+          <a:ext cx="0" cy="0"/>
+          <a:chOff x="0" y="0"/>
+          <a:chExt cx="0" cy="0"/>
+        </a:xfrm>
+      </p:grpSpPr>
+      <p:sp>
+        <p:nvSpPr>
+          <p:cNvPr id="2" name="Slide Image Placeholder 1"/>
+          <p:cNvSpPr>
+            <a:spLocks noGrp="1" noRot="1" noChangeAspect="1"/>
+          </p:cNvSpPr>
+          <p:nvPr>
+            <p:ph type="sldImg"/>
+          </p:nvPr>
+        </p:nvSpPr>
+        <p:spPr/>
+      </p:sp>
+      <p:sp>
+        <p:nvSpPr>
+          <p:cNvPr id="3" name="Notes Placeholder 2"/>
+          <p:cNvSpPr>
+            <a:spLocks noGrp="1"/>
+          </p:cNvSpPr>
+          <p:nvPr>
+            <p:ph type="body" idx="1"/>
+          </p:nvPr>
+        </p:nvSpPr>
+        <p:spPr/>
+        <p:txBody>
+          <a:bodyPr>
+            <a:normAutofit/>
+          </a:bodyPr>
+          <a:lstStyle/>
+          <a:p>
+            <a:endParaRPr lang="en-US" dirty="0"/>
+          </a:p>
+        </p:txBody>
+      </p:sp>
+      <p:sp>
+        <p:nvSpPr>
+          <p:cNvPr id="4" name="Slide Number Placeholder 3"/>
+          <p:cNvSpPr>
+            <a:spLocks noGrp="1"/>
+          </p:cNvSpPr>
+          <p:nvPr>
+            <p:ph type="sldNum" sz="quarter" idx="10"/>
+          </p:nvPr>
+        </p:nvSpPr>
+        <p:spPr/>
+        <p:txBody>
+          <a:bodyPr/>
+          <a:lstStyle/>
+          <a:p>
+            <a:pPr>
+              <a:defRPr/>
+            </a:pPr>
+            <a:fld id="{D2734ABF-D6A6-4D5E-802A-97F82C2C757F}" type="slidenum">
+              <a:rPr lang="en-US" smtClean="0"/>
+              <a:pPr>
+                <a:defRPr/>
+              </a:pPr>
+              <a:t>17</a:t>
+            </a:fld>
+            <a:endParaRPr lang="en-US"/>
+          </a:p>
+        </p:txBody>
+      </p:sp>
+    </p:spTree>
+  </p:cSld>
+  <p:clrMapOvr>
+    <a:masterClrMapping/>
+  </p:clrMapOvr>
+</p:notes>
+</file>
+
 <file path=ppt/notesSlides/notesSlide2.xml><?xml version="1.0" encoding="utf-8"?>
 <p:notes xmlns:a="http://schemas.openxmlformats.org/drawingml/2006/main" xmlns:r="http://schemas.openxmlformats.org/officeDocument/2006/relationships" xmlns:p="http://schemas.openxmlformats.org/presentationml/2006/main">
   <p:cSld>
@@ -1106,7 +1380,7 @@
               <a:pPr>
                 <a:defRPr/>
               </a:pPr>
-              <a:t>6</a:t>
+              <a:t>5</a:t>
             </a:fld>
             <a:endParaRPr lang="en-US"/>
           </a:p>
@@ -1166,44 +1440,11 @@
           </a:bodyPr>
           <a:lstStyle/>
           <a:p>
-            <a:pPr>
-              <a:buFont typeface="Arial" charset="0"/>
-              <a:buChar char="•"/>
-            </a:pPr>
-            <a:r>
-              <a:rPr lang="en-US" baseline="0" dirty="0" smtClean="0"/>
-              <a:t> Each service is an </a:t>
-            </a:r>
-            <a:r>
-              <a:rPr lang="en-US" baseline="0" dirty="0" err="1" smtClean="0"/>
-              <a:t>OSGi</a:t>
-            </a:r>
-            <a:r>
-              <a:rPr lang="en-US" baseline="0" dirty="0" smtClean="0"/>
-              <a:t> bundle</a:t>
-            </a:r>
-            <a:endParaRPr lang="en-US" dirty="0" smtClean="0"/>
-          </a:p>
-          <a:p>
-            <a:pPr>
-              <a:buFont typeface="Arial" charset="0"/>
-              <a:buChar char="•"/>
-            </a:pPr>
             <a:r>
               <a:rPr lang="en-US" dirty="0" smtClean="0"/>
-              <a:t> Each service server has a complete copy of all services</a:t>
-            </a:r>
-          </a:p>
-          <a:p>
-            <a:pPr>
-              <a:buFont typeface="Arial" charset="0"/>
-              <a:buChar char="•"/>
-            </a:pPr>
-            <a:r>
-              <a:rPr lang="en-US" baseline="0" dirty="0" smtClean="0"/>
-              <a:t> MM Server is the remote management &amp; monitoring tool</a:t>
-            </a:r>
-            <a:endParaRPr lang="en-US" dirty="0" smtClean="0"/>
+              <a:t>Note: no auto scale yet</a:t>
+            </a:r>
+            <a:endParaRPr lang="en-US" dirty="0"/>
           </a:p>
         </p:txBody>
       </p:sp>
@@ -1230,7 +1471,7 @@
               <a:pPr>
                 <a:defRPr/>
               </a:pPr>
-              <a:t>7</a:t>
+              <a:t>6</a:t>
             </a:fld>
             <a:endParaRPr lang="en-US"/>
           </a:p>
@@ -1290,11 +1531,11 @@
           </a:bodyPr>
           <a:lstStyle/>
           <a:p>
-            <a:pPr>
-              <a:buFont typeface="Arial" charset="0"/>
-              <a:buNone/>
-            </a:pPr>
-            <a:endParaRPr lang="en-US" dirty="0" smtClean="0"/>
+            <a:r>
+              <a:rPr lang="en-US" dirty="0" smtClean="0"/>
+              <a:t>Note: no auto scale yet</a:t>
+            </a:r>
+            <a:endParaRPr lang="en-US" dirty="0"/>
           </a:p>
         </p:txBody>
       </p:sp>
@@ -1321,7 +1562,7 @@
               <a:pPr>
                 <a:defRPr/>
               </a:pPr>
-              <a:t>8</a:t>
+              <a:t>7</a:t>
             </a:fld>
             <a:endParaRPr lang="en-US"/>
           </a:p>
@@ -1381,11 +1622,11 @@
           </a:bodyPr>
           <a:lstStyle/>
           <a:p>
-            <a:pPr>
-              <a:buFont typeface="Arial" charset="0"/>
-              <a:buNone/>
-            </a:pPr>
-            <a:endParaRPr lang="en-US" dirty="0" smtClean="0"/>
+            <a:r>
+              <a:rPr lang="en-US" dirty="0" smtClean="0"/>
+              <a:t>Note: no auto scale yet</a:t>
+            </a:r>
+            <a:endParaRPr lang="en-US" dirty="0"/>
           </a:p>
         </p:txBody>
       </p:sp>
@@ -1412,7 +1653,7 @@
               <a:pPr>
                 <a:defRPr/>
               </a:pPr>
-              <a:t>11</a:t>
+              <a:t>8</a:t>
             </a:fld>
             <a:endParaRPr lang="en-US"/>
           </a:p>
@@ -1472,7 +1713,259 @@
           </a:bodyPr>
           <a:lstStyle/>
           <a:p>
-            <a:endParaRPr lang="en-US" dirty="0"/>
+            <a:pPr>
+              <a:buFont typeface="Arial" charset="0"/>
+              <a:buChar char="•"/>
+            </a:pPr>
+            <a:r>
+              <a:rPr lang="en-US" baseline="0" dirty="0" smtClean="0"/>
+              <a:t> Each service is an </a:t>
+            </a:r>
+            <a:r>
+              <a:rPr lang="en-US" baseline="0" dirty="0" err="1" smtClean="0"/>
+              <a:t>OSGi</a:t>
+            </a:r>
+            <a:r>
+              <a:rPr lang="en-US" baseline="0" dirty="0" smtClean="0"/>
+              <a:t> bundle</a:t>
+            </a:r>
+            <a:endParaRPr lang="en-US" dirty="0" smtClean="0"/>
+          </a:p>
+          <a:p>
+            <a:pPr>
+              <a:buFont typeface="Arial" charset="0"/>
+              <a:buChar char="•"/>
+            </a:pPr>
+            <a:r>
+              <a:rPr lang="en-US" dirty="0" smtClean="0"/>
+              <a:t> Each service server has a complete copy of all services</a:t>
+            </a:r>
+          </a:p>
+          <a:p>
+            <a:pPr>
+              <a:buFont typeface="Arial" charset="0"/>
+              <a:buChar char="•"/>
+            </a:pPr>
+            <a:r>
+              <a:rPr lang="en-US" baseline="0" dirty="0" smtClean="0"/>
+              <a:t> MM Server is the remote management &amp; monitoring tool</a:t>
+            </a:r>
+            <a:endParaRPr lang="en-US" dirty="0" smtClean="0"/>
+          </a:p>
+        </p:txBody>
+      </p:sp>
+      <p:sp>
+        <p:nvSpPr>
+          <p:cNvPr id="4" name="Slide Number Placeholder 3"/>
+          <p:cNvSpPr>
+            <a:spLocks noGrp="1"/>
+          </p:cNvSpPr>
+          <p:nvPr>
+            <p:ph type="sldNum" sz="quarter" idx="10"/>
+          </p:nvPr>
+        </p:nvSpPr>
+        <p:spPr/>
+        <p:txBody>
+          <a:bodyPr/>
+          <a:lstStyle/>
+          <a:p>
+            <a:pPr>
+              <a:defRPr/>
+            </a:pPr>
+            <a:fld id="{D2734ABF-D6A6-4D5E-802A-97F82C2C757F}" type="slidenum">
+              <a:rPr lang="en-US" smtClean="0"/>
+              <a:pPr>
+                <a:defRPr/>
+              </a:pPr>
+              <a:t>10</a:t>
+            </a:fld>
+            <a:endParaRPr lang="en-US"/>
+          </a:p>
+        </p:txBody>
+      </p:sp>
+    </p:spTree>
+  </p:cSld>
+  <p:clrMapOvr>
+    <a:masterClrMapping/>
+  </p:clrMapOvr>
+</p:notes>
+</file>
+
+<file path=ppt/notesSlides/notesSlide8.xml><?xml version="1.0" encoding="utf-8"?>
+<p:notes xmlns:a="http://schemas.openxmlformats.org/drawingml/2006/main" xmlns:r="http://schemas.openxmlformats.org/officeDocument/2006/relationships" xmlns:p="http://schemas.openxmlformats.org/presentationml/2006/main">
+  <p:cSld>
+    <p:spTree>
+      <p:nvGrpSpPr>
+        <p:cNvPr id="1" name=""/>
+        <p:cNvGrpSpPr/>
+        <p:nvPr/>
+      </p:nvGrpSpPr>
+      <p:grpSpPr>
+        <a:xfrm>
+          <a:off x="0" y="0"/>
+          <a:ext cx="0" cy="0"/>
+          <a:chOff x="0" y="0"/>
+          <a:chExt cx="0" cy="0"/>
+        </a:xfrm>
+      </p:grpSpPr>
+      <p:sp>
+        <p:nvSpPr>
+          <p:cNvPr id="2" name="Slide Image Placeholder 1"/>
+          <p:cNvSpPr>
+            <a:spLocks noGrp="1" noRot="1" noChangeAspect="1"/>
+          </p:cNvSpPr>
+          <p:nvPr>
+            <p:ph type="sldImg"/>
+          </p:nvPr>
+        </p:nvSpPr>
+        <p:spPr/>
+      </p:sp>
+      <p:sp>
+        <p:nvSpPr>
+          <p:cNvPr id="3" name="Notes Placeholder 2"/>
+          <p:cNvSpPr>
+            <a:spLocks noGrp="1"/>
+          </p:cNvSpPr>
+          <p:nvPr>
+            <p:ph type="body" idx="1"/>
+          </p:nvPr>
+        </p:nvSpPr>
+        <p:spPr/>
+        <p:txBody>
+          <a:bodyPr>
+            <a:normAutofit/>
+          </a:bodyPr>
+          <a:lstStyle/>
+          <a:p>
+            <a:pPr>
+              <a:buFont typeface="Arial" charset="0"/>
+              <a:buChar char="•"/>
+            </a:pPr>
+            <a:r>
+              <a:rPr lang="en-US" baseline="0" dirty="0" smtClean="0"/>
+              <a:t> Each service is an </a:t>
+            </a:r>
+            <a:r>
+              <a:rPr lang="en-US" baseline="0" dirty="0" err="1" smtClean="0"/>
+              <a:t>OSGi</a:t>
+            </a:r>
+            <a:r>
+              <a:rPr lang="en-US" baseline="0" dirty="0" smtClean="0"/>
+              <a:t> bundle</a:t>
+            </a:r>
+            <a:endParaRPr lang="en-US" dirty="0" smtClean="0"/>
+          </a:p>
+          <a:p>
+            <a:pPr>
+              <a:buFont typeface="Arial" charset="0"/>
+              <a:buChar char="•"/>
+            </a:pPr>
+            <a:r>
+              <a:rPr lang="en-US" dirty="0" smtClean="0"/>
+              <a:t> Each service server has a complete copy of all services</a:t>
+            </a:r>
+          </a:p>
+          <a:p>
+            <a:pPr>
+              <a:buFont typeface="Arial" charset="0"/>
+              <a:buChar char="•"/>
+            </a:pPr>
+            <a:r>
+              <a:rPr lang="en-US" baseline="0" dirty="0" smtClean="0"/>
+              <a:t> MM Server is the remote management &amp; monitoring tool</a:t>
+            </a:r>
+            <a:endParaRPr lang="en-US" dirty="0" smtClean="0"/>
+          </a:p>
+        </p:txBody>
+      </p:sp>
+      <p:sp>
+        <p:nvSpPr>
+          <p:cNvPr id="4" name="Slide Number Placeholder 3"/>
+          <p:cNvSpPr>
+            <a:spLocks noGrp="1"/>
+          </p:cNvSpPr>
+          <p:nvPr>
+            <p:ph type="sldNum" sz="quarter" idx="10"/>
+          </p:nvPr>
+        </p:nvSpPr>
+        <p:spPr/>
+        <p:txBody>
+          <a:bodyPr/>
+          <a:lstStyle/>
+          <a:p>
+            <a:pPr>
+              <a:defRPr/>
+            </a:pPr>
+            <a:fld id="{D2734ABF-D6A6-4D5E-802A-97F82C2C757F}" type="slidenum">
+              <a:rPr lang="en-US" smtClean="0"/>
+              <a:pPr>
+                <a:defRPr/>
+              </a:pPr>
+              <a:t>11</a:t>
+            </a:fld>
+            <a:endParaRPr lang="en-US"/>
+          </a:p>
+        </p:txBody>
+      </p:sp>
+    </p:spTree>
+  </p:cSld>
+  <p:clrMapOvr>
+    <a:masterClrMapping/>
+  </p:clrMapOvr>
+</p:notes>
+</file>
+
+<file path=ppt/notesSlides/notesSlide9.xml><?xml version="1.0" encoding="utf-8"?>
+<p:notes xmlns:a="http://schemas.openxmlformats.org/drawingml/2006/main" xmlns:r="http://schemas.openxmlformats.org/officeDocument/2006/relationships" xmlns:p="http://schemas.openxmlformats.org/presentationml/2006/main">
+  <p:cSld>
+    <p:spTree>
+      <p:nvGrpSpPr>
+        <p:cNvPr id="1" name=""/>
+        <p:cNvGrpSpPr/>
+        <p:nvPr/>
+      </p:nvGrpSpPr>
+      <p:grpSpPr>
+        <a:xfrm>
+          <a:off x="0" y="0"/>
+          <a:ext cx="0" cy="0"/>
+          <a:chOff x="0" y="0"/>
+          <a:chExt cx="0" cy="0"/>
+        </a:xfrm>
+      </p:grpSpPr>
+      <p:sp>
+        <p:nvSpPr>
+          <p:cNvPr id="2" name="Slide Image Placeholder 1"/>
+          <p:cNvSpPr>
+            <a:spLocks noGrp="1" noRot="1" noChangeAspect="1"/>
+          </p:cNvSpPr>
+          <p:nvPr>
+            <p:ph type="sldImg"/>
+          </p:nvPr>
+        </p:nvSpPr>
+        <p:spPr/>
+      </p:sp>
+      <p:sp>
+        <p:nvSpPr>
+          <p:cNvPr id="3" name="Notes Placeholder 2"/>
+          <p:cNvSpPr>
+            <a:spLocks noGrp="1"/>
+          </p:cNvSpPr>
+          <p:nvPr>
+            <p:ph type="body" idx="1"/>
+          </p:nvPr>
+        </p:nvSpPr>
+        <p:spPr/>
+        <p:txBody>
+          <a:bodyPr>
+            <a:normAutofit/>
+          </a:bodyPr>
+          <a:lstStyle/>
+          <a:p>
+            <a:pPr>
+              <a:buFont typeface="Arial" charset="0"/>
+              <a:buNone/>
+            </a:pPr>
+            <a:endParaRPr lang="en-US" dirty="0" smtClean="0"/>
           </a:p>
         </p:txBody>
       </p:sp>
@@ -2175,7 +2668,7 @@
               <a:pPr>
                 <a:defRPr/>
               </a:pPr>
-              <a:t>12 January 2011</a:t>
+              <a:t>23 January 2011</a:t>
             </a:fld>
             <a:endParaRPr lang="en-US" dirty="0"/>
           </a:p>
@@ -2353,7 +2846,7 @@
               <a:pPr>
                 <a:defRPr/>
               </a:pPr>
-              <a:t>12 January 2011</a:t>
+              <a:t>23 January 2011</a:t>
             </a:fld>
             <a:endParaRPr lang="en-US" dirty="0"/>
           </a:p>
@@ -2541,7 +3034,7 @@
               <a:pPr>
                 <a:defRPr/>
               </a:pPr>
-              <a:t>12 January 2011</a:t>
+              <a:t>23 January 2011</a:t>
             </a:fld>
             <a:endParaRPr lang="en-US" dirty="0"/>
           </a:p>
@@ -2785,7 +3278,7 @@
               <a:pPr>
                 <a:defRPr/>
               </a:pPr>
-              <a:t>12 January 2011</a:t>
+              <a:t>23 January 2011</a:t>
             </a:fld>
             <a:endParaRPr lang="en-US"/>
           </a:p>
@@ -2977,7 +3470,7 @@
               <a:pPr>
                 <a:defRPr/>
               </a:pPr>
-              <a:t>12 January 2011</a:t>
+              <a:t>23 January 2011</a:t>
             </a:fld>
             <a:endParaRPr lang="en-US"/>
           </a:p>
@@ -3245,7 +3738,7 @@
               <a:pPr>
                 <a:defRPr/>
               </a:pPr>
-              <a:t>12 January 2011</a:t>
+              <a:t>23 January 2011</a:t>
             </a:fld>
             <a:endParaRPr lang="en-US"/>
           </a:p>
@@ -3555,7 +4048,7 @@
               <a:pPr>
                 <a:defRPr/>
               </a:pPr>
-              <a:t>12 January 2011</a:t>
+              <a:t>23 January 2011</a:t>
             </a:fld>
             <a:endParaRPr lang="en-US"/>
           </a:p>
@@ -3999,7 +4492,7 @@
               <a:pPr>
                 <a:defRPr/>
               </a:pPr>
-              <a:t>12 January 2011</a:t>
+              <a:t>23 January 2011</a:t>
             </a:fld>
             <a:endParaRPr lang="en-US"/>
           </a:p>
@@ -4139,7 +4632,7 @@
               <a:pPr>
                 <a:defRPr/>
               </a:pPr>
-              <a:t>12 January 2011</a:t>
+              <a:t>23 January 2011</a:t>
             </a:fld>
             <a:endParaRPr lang="en-US"/>
           </a:p>
@@ -4279,7 +4772,7 @@
               <a:pPr>
                 <a:defRPr/>
               </a:pPr>
-              <a:t>12 January 2011</a:t>
+              <a:t>23 January 2011</a:t>
             </a:fld>
             <a:endParaRPr lang="en-US" dirty="0"/>
           </a:p>
@@ -4376,7 +4869,7 @@
               <a:pPr>
                 <a:defRPr/>
               </a:pPr>
-              <a:t>12 January 2011</a:t>
+              <a:t>23 January 2011</a:t>
             </a:fld>
             <a:endParaRPr lang="en-US"/>
           </a:p>
@@ -4675,7 +5168,7 @@
               <a:pPr>
                 <a:defRPr/>
               </a:pPr>
-              <a:t>12 January 2011</a:t>
+              <a:t>23 January 2011</a:t>
             </a:fld>
             <a:endParaRPr lang="en-US"/>
           </a:p>
@@ -4956,7 +5449,7 @@
               <a:pPr>
                 <a:defRPr/>
               </a:pPr>
-              <a:t>12 January 2011</a:t>
+              <a:t>23 January 2011</a:t>
             </a:fld>
             <a:endParaRPr lang="en-US"/>
           </a:p>
@@ -5148,7 +5641,7 @@
               <a:pPr>
                 <a:defRPr/>
               </a:pPr>
-              <a:t>12 January 2011</a:t>
+              <a:t>23 January 2011</a:t>
             </a:fld>
             <a:endParaRPr lang="en-US"/>
           </a:p>
@@ -5350,7 +5843,7 @@
               <a:pPr>
                 <a:defRPr/>
               </a:pPr>
-              <a:t>12 January 2011</a:t>
+              <a:t>23 January 2011</a:t>
             </a:fld>
             <a:endParaRPr lang="en-US"/>
           </a:p>
@@ -5490,7 +5983,7 @@
               <a:pPr>
                 <a:defRPr/>
               </a:pPr>
-              <a:t>12 January 2011</a:t>
+              <a:t>23 January 2011</a:t>
             </a:fld>
             <a:endParaRPr lang="en-US"/>
           </a:p>
@@ -5754,7 +6247,7 @@
               <a:pPr>
                 <a:defRPr/>
               </a:pPr>
-              <a:t>12 January 2011</a:t>
+              <a:t>23 January 2011</a:t>
             </a:fld>
             <a:endParaRPr lang="en-US"/>
           </a:p>
@@ -5946,7 +6439,7 @@
               <a:pPr>
                 <a:defRPr/>
               </a:pPr>
-              <a:t>12 January 2011</a:t>
+              <a:t>23 January 2011</a:t>
             </a:fld>
             <a:endParaRPr lang="en-US"/>
           </a:p>
@@ -6214,7 +6707,7 @@
               <a:pPr>
                 <a:defRPr/>
               </a:pPr>
-              <a:t>12 January 2011</a:t>
+              <a:t>23 January 2011</a:t>
             </a:fld>
             <a:endParaRPr lang="en-US"/>
           </a:p>
@@ -6524,7 +7017,7 @@
               <a:pPr>
                 <a:defRPr/>
               </a:pPr>
-              <a:t>12 January 2011</a:t>
+              <a:t>23 January 2011</a:t>
             </a:fld>
             <a:endParaRPr lang="en-US"/>
           </a:p>
@@ -6754,7 +7247,7 @@
               <a:pPr>
                 <a:defRPr/>
               </a:pPr>
-              <a:t>12 January 2011</a:t>
+              <a:t>23 January 2011</a:t>
             </a:fld>
             <a:endParaRPr lang="en-US" dirty="0"/>
           </a:p>
@@ -7178,7 +7671,7 @@
               <a:pPr>
                 <a:defRPr/>
               </a:pPr>
-              <a:t>12 January 2011</a:t>
+              <a:t>23 January 2011</a:t>
             </a:fld>
             <a:endParaRPr lang="en-US"/>
           </a:p>
@@ -7318,7 +7811,7 @@
               <a:pPr>
                 <a:defRPr/>
               </a:pPr>
-              <a:t>12 January 2011</a:t>
+              <a:t>23 January 2011</a:t>
             </a:fld>
             <a:endParaRPr lang="en-US"/>
           </a:p>
@@ -7435,7 +7928,7 @@
               <a:pPr>
                 <a:defRPr/>
               </a:pPr>
-              <a:t>12 January 2011</a:t>
+              <a:t>23 January 2011</a:t>
             </a:fld>
             <a:endParaRPr lang="en-US"/>
           </a:p>
@@ -7734,7 +8227,7 @@
               <a:pPr>
                 <a:defRPr/>
               </a:pPr>
-              <a:t>12 January 2011</a:t>
+              <a:t>23 January 2011</a:t>
             </a:fld>
             <a:endParaRPr lang="en-US"/>
           </a:p>
@@ -8015,7 +8508,7 @@
               <a:pPr>
                 <a:defRPr/>
               </a:pPr>
-              <a:t>12 January 2011</a:t>
+              <a:t>23 January 2011</a:t>
             </a:fld>
             <a:endParaRPr lang="en-US"/>
           </a:p>
@@ -8677,7 +9170,7 @@
               <a:pPr>
                 <a:defRPr/>
               </a:pPr>
-              <a:t>12 January 2011</a:t>
+              <a:t>23 January 2011</a:t>
             </a:fld>
             <a:endParaRPr lang="en-US" dirty="0"/>
           </a:p>
@@ -8965,7 +9458,7 @@
               <a:pPr>
                 <a:defRPr/>
               </a:pPr>
-              <a:t>12 January 2011</a:t>
+              <a:t>23 January 2011</a:t>
             </a:fld>
             <a:endParaRPr lang="en-US" dirty="0"/>
           </a:p>
@@ -9261,7 +9754,7 @@
               <a:pPr>
                 <a:defRPr/>
               </a:pPr>
-              <a:t>12 January 2011</a:t>
+              <a:t>23 January 2011</a:t>
             </a:fld>
             <a:endParaRPr lang="en-US" dirty="0"/>
           </a:p>
@@ -9696,7 +10189,7 @@
               <a:pPr>
                 <a:defRPr/>
               </a:pPr>
-              <a:t>12 January 2011</a:t>
+              <a:t>23 January 2011</a:t>
             </a:fld>
             <a:endParaRPr lang="en-US" dirty="0"/>
           </a:p>
@@ -9822,7 +10315,7 @@
               <a:pPr>
                 <a:defRPr/>
               </a:pPr>
-              <a:t>12 January 2011</a:t>
+              <a:t>23 January 2011</a:t>
             </a:fld>
             <a:endParaRPr lang="en-US" dirty="0"/>
           </a:p>
@@ -9925,7 +10418,7 @@
               <a:pPr>
                 <a:defRPr/>
               </a:pPr>
-              <a:t>12 January 2011</a:t>
+              <a:t>23 January 2011</a:t>
             </a:fld>
             <a:endParaRPr lang="en-US" dirty="0"/>
           </a:p>
@@ -10230,7 +10723,7 @@
               <a:pPr>
                 <a:defRPr/>
               </a:pPr>
-              <a:t>12 January 2011</a:t>
+              <a:t>23 January 2011</a:t>
             </a:fld>
             <a:endParaRPr lang="en-US" dirty="0"/>
           </a:p>
@@ -10900,7 +11393,7 @@
               <a:pPr>
                 <a:defRPr/>
               </a:pPr>
-              <a:t>12 January 2011</a:t>
+              <a:t>23 January 2011</a:t>
             </a:fld>
             <a:endParaRPr lang="en-US"/>
           </a:p>
@@ -11574,7 +12067,7 @@
               <a:pPr>
                 <a:defRPr/>
               </a:pPr>
-              <a:t>12 January 2011</a:t>
+              <a:t>23 January 2011</a:t>
             </a:fld>
             <a:endParaRPr lang="en-US"/>
           </a:p>
@@ -12423,7 +12916,7 @@
               <a:pPr>
                 <a:defRPr/>
               </a:pPr>
-              <a:t>12 January 2011</a:t>
+              <a:t>23 January 2011</a:t>
             </a:fld>
             <a:endParaRPr lang="en-US" dirty="0"/>
           </a:p>
@@ -12883,15 +13376,7 @@
                   <a:schemeClr val="tx1"/>
                 </a:solidFill>
               </a:rPr>
-              <a:t>New Integration </a:t>
-            </a:r>
-            <a:r>
-              <a:rPr lang="en-US" sz="4000" dirty="0" smtClean="0">
-                <a:solidFill>
-                  <a:schemeClr val="tx1"/>
-                </a:solidFill>
-              </a:rPr>
-              <a:t>Platform</a:t>
+              <a:t>New Integration Platform</a:t>
             </a:r>
             <a:br>
               <a:rPr lang="en-US" sz="4000" dirty="0" smtClean="0">
@@ -12902,11 +13387,15 @@
             </a:br>
             <a:r>
               <a:rPr lang="en-US" dirty="0" smtClean="0"/>
-              <a:t>V0.1 – </a:t>
+              <a:t>V0.2 </a:t>
             </a:r>
             <a:r>
               <a:rPr lang="en-US" dirty="0" smtClean="0"/>
-              <a:t>2011-01-13</a:t>
+              <a:t>– </a:t>
+            </a:r>
+            <a:r>
+              <a:rPr lang="en-US" dirty="0" smtClean="0"/>
+              <a:t>2011-01-23</a:t>
             </a:r>
             <a:endParaRPr lang="vi-VN" sz="4000" dirty="0" smtClean="0">
               <a:solidFill>
@@ -12993,17 +13482,8 @@
             </a:pPr>
             <a:r>
               <a:rPr lang="en-US" i="1" dirty="0" smtClean="0"/>
-              <a:t>Software </a:t>
-            </a:r>
-            <a:r>
-              <a:rPr lang="en-US" i="1" dirty="0" smtClean="0"/>
-              <a:t>Manager, Game Platform &amp; </a:t>
-            </a:r>
-            <a:r>
-              <a:rPr lang="en-US" i="1" dirty="0" smtClean="0"/>
-              <a:t>Integration</a:t>
-            </a:r>
-            <a:endParaRPr lang="en-US" i="1" dirty="0" smtClean="0"/>
+              <a:t>Software Manager, Game Platform &amp; Integration</a:t>
+            </a:r>
           </a:p>
         </p:txBody>
       </p:sp>
@@ -13057,157 +13537,9 @@
           <a:p>
             <a:r>
               <a:rPr lang="en-US" sz="2800" dirty="0" smtClean="0"/>
-              <a:t>Service Deployment, Management &amp; Interaction </a:t>
-            </a:r>
-            <a:r>
-              <a:rPr lang="en-US" sz="2800" dirty="0" smtClean="0"/>
-              <a:t>- Service Description (client example)</a:t>
+              <a:t>Service Deployment, Management &amp; Interaction - Overview</a:t>
             </a:r>
             <a:endParaRPr lang="en-US" sz="2800" dirty="0"/>
-          </a:p>
-        </p:txBody>
-      </p:sp>
-      <p:sp>
-        <p:nvSpPr>
-          <p:cNvPr id="3" name="Content Placeholder 2"/>
-          <p:cNvSpPr>
-            <a:spLocks noGrp="1"/>
-          </p:cNvSpPr>
-          <p:nvPr>
-            <p:ph idx="1"/>
-          </p:nvPr>
-        </p:nvSpPr>
-        <p:spPr/>
-        <p:txBody>
-          <a:bodyPr/>
-          <a:lstStyle/>
-          <a:p>
-            <a:r>
-              <a:rPr lang="en-US" sz="2400" dirty="0" smtClean="0">
-                <a:latin typeface="Courier New" pitchFamily="49" charset="0"/>
-                <a:cs typeface="Courier New" pitchFamily="49" charset="0"/>
-              </a:rPr>
-              <a:t>Bundle-Name: </a:t>
-            </a:r>
-            <a:r>
-              <a:rPr lang="en-US" sz="2400" dirty="0" smtClean="0">
-                <a:latin typeface="Courier New" pitchFamily="49" charset="0"/>
-                <a:cs typeface="Courier New" pitchFamily="49" charset="0"/>
-              </a:rPr>
-              <a:t>Client</a:t>
-            </a:r>
-          </a:p>
-          <a:p>
-            <a:r>
-              <a:rPr lang="en-US" sz="2400" dirty="0" smtClean="0">
-                <a:latin typeface="Courier New" pitchFamily="49" charset="0"/>
-                <a:cs typeface="Courier New" pitchFamily="49" charset="0"/>
-              </a:rPr>
-              <a:t>Bundle-Description</a:t>
-            </a:r>
-            <a:r>
-              <a:rPr lang="en-US" sz="2400" dirty="0" smtClean="0">
-                <a:latin typeface="Courier New" pitchFamily="49" charset="0"/>
-                <a:cs typeface="Courier New" pitchFamily="49" charset="0"/>
-              </a:rPr>
-              <a:t>: A </a:t>
-            </a:r>
-            <a:r>
-              <a:rPr lang="en-US" sz="2400" dirty="0" smtClean="0">
-                <a:latin typeface="Courier New" pitchFamily="49" charset="0"/>
-                <a:cs typeface="Courier New" pitchFamily="49" charset="0"/>
-              </a:rPr>
-              <a:t>service client sample</a:t>
-            </a:r>
-          </a:p>
-          <a:p>
-            <a:r>
-              <a:rPr lang="en-US" sz="2400" dirty="0" smtClean="0">
-                <a:latin typeface="Courier New" pitchFamily="49" charset="0"/>
-                <a:cs typeface="Courier New" pitchFamily="49" charset="0"/>
-              </a:rPr>
-              <a:t>Bundle-Vendor</a:t>
-            </a:r>
-            <a:r>
-              <a:rPr lang="en-US" sz="2400" dirty="0" smtClean="0">
-                <a:latin typeface="Courier New" pitchFamily="49" charset="0"/>
-                <a:cs typeface="Courier New" pitchFamily="49" charset="0"/>
-              </a:rPr>
-              <a:t>: </a:t>
-            </a:r>
-            <a:r>
-              <a:rPr lang="en-US" sz="2400" dirty="0" smtClean="0">
-                <a:latin typeface="Courier New" pitchFamily="49" charset="0"/>
-                <a:cs typeface="Courier New" pitchFamily="49" charset="0"/>
-              </a:rPr>
-              <a:t>VNG GPI</a:t>
-            </a:r>
-          </a:p>
-          <a:p>
-            <a:r>
-              <a:rPr lang="en-US" sz="2400" dirty="0" smtClean="0">
-                <a:latin typeface="Courier New" pitchFamily="49" charset="0"/>
-                <a:cs typeface="Courier New" pitchFamily="49" charset="0"/>
-              </a:rPr>
-              <a:t>Bundle-Version</a:t>
-            </a:r>
-            <a:r>
-              <a:rPr lang="en-US" sz="2400" dirty="0" smtClean="0">
-                <a:latin typeface="Courier New" pitchFamily="49" charset="0"/>
-                <a:cs typeface="Courier New" pitchFamily="49" charset="0"/>
-              </a:rPr>
-              <a:t>: </a:t>
-            </a:r>
-            <a:r>
-              <a:rPr lang="en-US" sz="2400" dirty="0" smtClean="0">
-                <a:latin typeface="Courier New" pitchFamily="49" charset="0"/>
-                <a:cs typeface="Courier New" pitchFamily="49" charset="0"/>
-              </a:rPr>
-              <a:t>1.0.0</a:t>
-            </a:r>
-          </a:p>
-          <a:p>
-            <a:r>
-              <a:rPr lang="en-US" sz="2400" dirty="0" smtClean="0">
-                <a:latin typeface="Courier New" pitchFamily="49" charset="0"/>
-                <a:cs typeface="Courier New" pitchFamily="49" charset="0"/>
-              </a:rPr>
-              <a:t>Bundle-Activator: vng.example2.Activator</a:t>
-            </a:r>
-          </a:p>
-          <a:p>
-            <a:r>
-              <a:rPr lang="en-US" sz="2400" dirty="0" smtClean="0">
-                <a:latin typeface="Courier New" pitchFamily="49" charset="0"/>
-                <a:cs typeface="Courier New" pitchFamily="49" charset="0"/>
-              </a:rPr>
-              <a:t>Import-Package: </a:t>
-            </a:r>
-            <a:r>
-              <a:rPr lang="en-US" sz="2400" dirty="0" err="1" smtClean="0">
-                <a:latin typeface="Courier New" pitchFamily="49" charset="0"/>
-                <a:cs typeface="Courier New" pitchFamily="49" charset="0"/>
-              </a:rPr>
-              <a:t>org.osgi.framework</a:t>
-            </a:r>
-            <a:r>
-              <a:rPr lang="en-US" sz="2400" dirty="0" smtClean="0">
-                <a:latin typeface="Courier New" pitchFamily="49" charset="0"/>
-                <a:cs typeface="Courier New" pitchFamily="49" charset="0"/>
-              </a:rPr>
-              <a:t>, </a:t>
-            </a:r>
-            <a:r>
-              <a:rPr lang="en-US" sz="2400" dirty="0" smtClean="0">
-                <a:latin typeface="Courier New" pitchFamily="49" charset="0"/>
-                <a:cs typeface="Courier New" pitchFamily="49" charset="0"/>
-              </a:rPr>
-              <a:t>vng.example1.service</a:t>
-            </a:r>
-            <a:endParaRPr lang="en-US" sz="2400" dirty="0">
-              <a:latin typeface="Courier New" pitchFamily="49" charset="0"/>
-              <a:cs typeface="Courier New" pitchFamily="49" charset="0"/>
-            </a:endParaRPr>
           </a:p>
         </p:txBody>
       </p:sp>
@@ -13240,35 +13572,40 @@
           </a:p>
         </p:txBody>
       </p:sp>
-      <p:sp>
-        <p:nvSpPr>
-          <p:cNvPr id="5" name="Date Placeholder 4"/>
-          <p:cNvSpPr>
-            <a:spLocks noGrp="1"/>
-          </p:cNvSpPr>
-          <p:nvPr>
-            <p:ph type="dt" sz="half" idx="12"/>
-          </p:nvPr>
-        </p:nvSpPr>
-        <p:spPr/>
-        <p:txBody>
-          <a:bodyPr/>
-          <a:lstStyle/>
-          <a:p>
-            <a:pPr>
-              <a:defRPr/>
-            </a:pPr>
-            <a:fld id="{1617771B-F269-4332-8377-EA23B65099CA}" type="datetime3">
-              <a:rPr lang="en-US" smtClean="0"/>
-              <a:pPr>
-                <a:defRPr/>
-              </a:pPr>
-              <a:t>12 January 2011</a:t>
-            </a:fld>
-            <a:endParaRPr lang="en-US" dirty="0"/>
-          </a:p>
-        </p:txBody>
-      </p:sp>
+      <p:pic>
+        <p:nvPicPr>
+          <p:cNvPr id="1027" name="Picture 3"/>
+          <p:cNvPicPr>
+            <a:picLocks noGrp="1" noChangeAspect="1" noChangeArrowheads="1"/>
+          </p:cNvPicPr>
+          <p:nvPr>
+            <p:ph idx="1"/>
+          </p:nvPr>
+        </p:nvPicPr>
+        <p:blipFill>
+          <a:blip r:embed="rId3" cstate="print"/>
+          <a:srcRect/>
+          <a:stretch>
+            <a:fillRect/>
+          </a:stretch>
+        </p:blipFill>
+        <p:spPr bwMode="auto">
+          <a:xfrm>
+            <a:off x="457200" y="2487204"/>
+            <a:ext cx="8229600" cy="2753542"/>
+          </a:xfrm>
+          <a:prstGeom prst="rect">
+            <a:avLst/>
+          </a:prstGeom>
+          <a:noFill/>
+          <a:ln w="9525">
+            <a:noFill/>
+            <a:miter lim="800000"/>
+            <a:headEnd/>
+            <a:tailEnd/>
+          </a:ln>
+        </p:spPr>
+      </p:pic>
     </p:spTree>
   </p:cSld>
   <p:clrMapOvr>
@@ -13311,11 +13648,11 @@
           <a:p>
             <a:r>
               <a:rPr lang="en-US" sz="2800" dirty="0" smtClean="0"/>
-              <a:t>Service Deployment, Management &amp; Interaction </a:t>
+              <a:t>Service Deployment, Management &amp; Interaction - </a:t>
             </a:r>
             <a:r>
               <a:rPr lang="en-US" sz="2800" dirty="0" smtClean="0"/>
-              <a:t>- Deployment</a:t>
+              <a:t>Interaction</a:t>
             </a:r>
             <a:endParaRPr lang="en-US" sz="2800" dirty="0"/>
           </a:p>
@@ -13345,6 +13682,654 @@
                 <a:defRPr/>
               </a:pPr>
               <a:t>11</a:t>
+            </a:fld>
+            <a:endParaRPr lang="en-US" dirty="0"/>
+          </a:p>
+        </p:txBody>
+      </p:sp>
+      <p:sp>
+        <p:nvSpPr>
+          <p:cNvPr id="5" name="Content Placeholder 4"/>
+          <p:cNvSpPr>
+            <a:spLocks noGrp="1"/>
+          </p:cNvSpPr>
+          <p:nvPr>
+            <p:ph idx="1"/>
+          </p:nvPr>
+        </p:nvSpPr>
+        <p:spPr/>
+        <p:txBody>
+          <a:bodyPr/>
+          <a:lstStyle/>
+          <a:p>
+            <a:r>
+              <a:rPr lang="en-US" dirty="0" smtClean="0"/>
+              <a:t>In-process communication between services:</a:t>
+            </a:r>
+          </a:p>
+          <a:p>
+            <a:pPr lvl="1"/>
+            <a:r>
+              <a:rPr lang="en-US" dirty="0" smtClean="0"/>
+              <a:t>Direct API calls</a:t>
+            </a:r>
+          </a:p>
+          <a:p>
+            <a:pPr lvl="1"/>
+            <a:r>
+              <a:rPr lang="en-US" dirty="0" smtClean="0"/>
+              <a:t>Local queue / pooling</a:t>
+            </a:r>
+          </a:p>
+          <a:p>
+            <a:endParaRPr lang="en-US" dirty="0"/>
+          </a:p>
+        </p:txBody>
+      </p:sp>
+    </p:spTree>
+  </p:cSld>
+  <p:clrMapOvr>
+    <a:masterClrMapping/>
+  </p:clrMapOvr>
+</p:sld>
+</file>
+
+<file path=ppt/slides/slide12.xml><?xml version="1.0" encoding="utf-8"?>
+<p:sld xmlns:a="http://schemas.openxmlformats.org/drawingml/2006/main" xmlns:r="http://schemas.openxmlformats.org/officeDocument/2006/relationships" xmlns:p="http://schemas.openxmlformats.org/presentationml/2006/main">
+  <p:cSld>
+    <p:spTree>
+      <p:nvGrpSpPr>
+        <p:cNvPr id="1" name=""/>
+        <p:cNvGrpSpPr/>
+        <p:nvPr/>
+      </p:nvGrpSpPr>
+      <p:grpSpPr>
+        <a:xfrm>
+          <a:off x="0" y="0"/>
+          <a:ext cx="0" cy="0"/>
+          <a:chOff x="0" y="0"/>
+          <a:chExt cx="0" cy="0"/>
+        </a:xfrm>
+      </p:grpSpPr>
+      <p:sp>
+        <p:nvSpPr>
+          <p:cNvPr id="2" name="Title 1"/>
+          <p:cNvSpPr>
+            <a:spLocks noGrp="1"/>
+          </p:cNvSpPr>
+          <p:nvPr>
+            <p:ph type="title"/>
+          </p:nvPr>
+        </p:nvSpPr>
+        <p:spPr/>
+        <p:txBody>
+          <a:bodyPr/>
+          <a:lstStyle/>
+          <a:p>
+            <a:r>
+              <a:rPr lang="en-US" sz="2800" dirty="0" smtClean="0"/>
+              <a:t>Service Deployment, Management &amp; Interaction </a:t>
+            </a:r>
+            <a:r>
+              <a:rPr lang="en-US" sz="2800" dirty="0" smtClean="0"/>
+              <a:t>- Service </a:t>
+            </a:r>
+            <a:r>
+              <a:rPr lang="en-US" sz="2800" dirty="0" smtClean="0"/>
+              <a:t>Platform</a:t>
+            </a:r>
+            <a:endParaRPr lang="en-US" sz="2800" dirty="0"/>
+          </a:p>
+        </p:txBody>
+      </p:sp>
+      <p:sp>
+        <p:nvSpPr>
+          <p:cNvPr id="4" name="Slide Number Placeholder 3"/>
+          <p:cNvSpPr>
+            <a:spLocks noGrp="1"/>
+          </p:cNvSpPr>
+          <p:nvPr>
+            <p:ph type="sldNum" sz="quarter" idx="11"/>
+          </p:nvPr>
+        </p:nvSpPr>
+        <p:spPr/>
+        <p:txBody>
+          <a:bodyPr/>
+          <a:lstStyle/>
+          <a:p>
+            <a:pPr>
+              <a:defRPr/>
+            </a:pPr>
+            <a:fld id="{7BA483FD-CADB-4A1C-B345-9747A915C178}" type="slidenum">
+              <a:rPr lang="en-US" smtClean="0"/>
+              <a:pPr>
+                <a:defRPr/>
+              </a:pPr>
+              <a:t>12</a:t>
+            </a:fld>
+            <a:endParaRPr lang="en-US" dirty="0"/>
+          </a:p>
+        </p:txBody>
+      </p:sp>
+      <p:pic>
+        <p:nvPicPr>
+          <p:cNvPr id="2050" name="Picture 2"/>
+          <p:cNvPicPr>
+            <a:picLocks noGrp="1" noChangeAspect="1" noChangeArrowheads="1"/>
+          </p:cNvPicPr>
+          <p:nvPr>
+            <p:ph idx="1"/>
+          </p:nvPr>
+        </p:nvPicPr>
+        <p:blipFill>
+          <a:blip r:embed="rId3" cstate="print"/>
+          <a:srcRect/>
+          <a:stretch>
+            <a:fillRect/>
+          </a:stretch>
+        </p:blipFill>
+        <p:spPr bwMode="auto">
+          <a:xfrm>
+            <a:off x="2652712" y="2820987"/>
+            <a:ext cx="3838575" cy="2085975"/>
+          </a:xfrm>
+          <a:prstGeom prst="rect">
+            <a:avLst/>
+          </a:prstGeom>
+          <a:noFill/>
+          <a:ln w="9525">
+            <a:noFill/>
+            <a:miter lim="800000"/>
+            <a:headEnd/>
+            <a:tailEnd/>
+          </a:ln>
+        </p:spPr>
+      </p:pic>
+    </p:spTree>
+  </p:cSld>
+  <p:clrMapOvr>
+    <a:masterClrMapping/>
+  </p:clrMapOvr>
+</p:sld>
+</file>
+
+<file path=ppt/slides/slide13.xml><?xml version="1.0" encoding="utf-8"?>
+<p:sld xmlns:a="http://schemas.openxmlformats.org/drawingml/2006/main" xmlns:r="http://schemas.openxmlformats.org/officeDocument/2006/relationships" xmlns:p="http://schemas.openxmlformats.org/presentationml/2006/main">
+  <p:cSld>
+    <p:spTree>
+      <p:nvGrpSpPr>
+        <p:cNvPr id="1" name=""/>
+        <p:cNvGrpSpPr/>
+        <p:nvPr/>
+      </p:nvGrpSpPr>
+      <p:grpSpPr>
+        <a:xfrm>
+          <a:off x="0" y="0"/>
+          <a:ext cx="0" cy="0"/>
+          <a:chOff x="0" y="0"/>
+          <a:chExt cx="0" cy="0"/>
+        </a:xfrm>
+      </p:grpSpPr>
+      <p:sp>
+        <p:nvSpPr>
+          <p:cNvPr id="2" name="Title 1"/>
+          <p:cNvSpPr>
+            <a:spLocks noGrp="1"/>
+          </p:cNvSpPr>
+          <p:nvPr>
+            <p:ph type="title"/>
+          </p:nvPr>
+        </p:nvSpPr>
+        <p:spPr/>
+        <p:txBody>
+          <a:bodyPr/>
+          <a:lstStyle/>
+          <a:p>
+            <a:r>
+              <a:rPr lang="en-US" sz="2800" dirty="0" smtClean="0"/>
+              <a:t>Service Deployment, Management &amp; Interaction - Service Description (provider example)</a:t>
+            </a:r>
+            <a:endParaRPr lang="en-US" sz="2800" dirty="0"/>
+          </a:p>
+        </p:txBody>
+      </p:sp>
+      <p:sp>
+        <p:nvSpPr>
+          <p:cNvPr id="3" name="Content Placeholder 2"/>
+          <p:cNvSpPr>
+            <a:spLocks noGrp="1"/>
+          </p:cNvSpPr>
+          <p:nvPr>
+            <p:ph idx="1"/>
+          </p:nvPr>
+        </p:nvSpPr>
+        <p:spPr/>
+        <p:txBody>
+          <a:bodyPr/>
+          <a:lstStyle/>
+          <a:p>
+            <a:r>
+              <a:rPr lang="en-US" sz="2400" dirty="0" smtClean="0">
+                <a:latin typeface="Courier New" pitchFamily="49" charset="0"/>
+                <a:cs typeface="Courier New" pitchFamily="49" charset="0"/>
+              </a:rPr>
+              <a:t>Bundle-Name: Provider</a:t>
+            </a:r>
+          </a:p>
+          <a:p>
+            <a:r>
+              <a:rPr lang="en-US" sz="2400" dirty="0" smtClean="0">
+                <a:latin typeface="Courier New" pitchFamily="49" charset="0"/>
+                <a:cs typeface="Courier New" pitchFamily="49" charset="0"/>
+              </a:rPr>
+              <a:t>Bundle-Description: A service provider sample</a:t>
+            </a:r>
+          </a:p>
+          <a:p>
+            <a:r>
+              <a:rPr lang="en-US" sz="2400" dirty="0" smtClean="0">
+                <a:latin typeface="Courier New" pitchFamily="49" charset="0"/>
+                <a:cs typeface="Courier New" pitchFamily="49" charset="0"/>
+              </a:rPr>
+              <a:t>Bundle-Vendor: VNG GPI</a:t>
+            </a:r>
+          </a:p>
+          <a:p>
+            <a:r>
+              <a:rPr lang="en-US" sz="2400" dirty="0" smtClean="0">
+                <a:latin typeface="Courier New" pitchFamily="49" charset="0"/>
+                <a:cs typeface="Courier New" pitchFamily="49" charset="0"/>
+              </a:rPr>
+              <a:t>Bundle-Version: 1.0.0</a:t>
+            </a:r>
+          </a:p>
+          <a:p>
+            <a:r>
+              <a:rPr lang="en-US" sz="2400" dirty="0" smtClean="0">
+                <a:latin typeface="Courier New" pitchFamily="49" charset="0"/>
+                <a:cs typeface="Courier New" pitchFamily="49" charset="0"/>
+              </a:rPr>
+              <a:t>Bundle-Activator: vng.example1.Activator</a:t>
+            </a:r>
+          </a:p>
+          <a:p>
+            <a:r>
+              <a:rPr lang="en-US" sz="2400" dirty="0" smtClean="0">
+                <a:latin typeface="Courier New" pitchFamily="49" charset="0"/>
+                <a:cs typeface="Courier New" pitchFamily="49" charset="0"/>
+              </a:rPr>
+              <a:t>Export-Package: vng.example1.service</a:t>
+            </a:r>
+          </a:p>
+          <a:p>
+            <a:r>
+              <a:rPr lang="en-US" sz="2400" dirty="0" smtClean="0">
+                <a:latin typeface="Courier New" pitchFamily="49" charset="0"/>
+                <a:cs typeface="Courier New" pitchFamily="49" charset="0"/>
+              </a:rPr>
+              <a:t>Import-Package: </a:t>
+            </a:r>
+            <a:r>
+              <a:rPr lang="en-US" sz="2400" dirty="0" err="1" smtClean="0">
+                <a:latin typeface="Courier New" pitchFamily="49" charset="0"/>
+                <a:cs typeface="Courier New" pitchFamily="49" charset="0"/>
+              </a:rPr>
+              <a:t>org.osgi.framework</a:t>
+            </a:r>
+            <a:r>
+              <a:rPr lang="en-US" sz="2400" dirty="0" smtClean="0">
+                <a:latin typeface="Courier New" pitchFamily="49" charset="0"/>
+                <a:cs typeface="Courier New" pitchFamily="49" charset="0"/>
+              </a:rPr>
+              <a:t> </a:t>
+            </a:r>
+            <a:endParaRPr lang="en-US" sz="2400" dirty="0">
+              <a:latin typeface="Courier New" pitchFamily="49" charset="0"/>
+              <a:cs typeface="Courier New" pitchFamily="49" charset="0"/>
+            </a:endParaRPr>
+          </a:p>
+        </p:txBody>
+      </p:sp>
+      <p:sp>
+        <p:nvSpPr>
+          <p:cNvPr id="4" name="Slide Number Placeholder 3"/>
+          <p:cNvSpPr>
+            <a:spLocks noGrp="1"/>
+          </p:cNvSpPr>
+          <p:nvPr>
+            <p:ph type="sldNum" sz="quarter" idx="11"/>
+          </p:nvPr>
+        </p:nvSpPr>
+        <p:spPr/>
+        <p:txBody>
+          <a:bodyPr/>
+          <a:lstStyle/>
+          <a:p>
+            <a:pPr>
+              <a:defRPr/>
+            </a:pPr>
+            <a:fld id="{7BA483FD-CADB-4A1C-B345-9747A915C178}" type="slidenum">
+              <a:rPr lang="en-US" smtClean="0"/>
+              <a:pPr>
+                <a:defRPr/>
+              </a:pPr>
+              <a:t>13</a:t>
+            </a:fld>
+            <a:endParaRPr lang="en-US" dirty="0"/>
+          </a:p>
+        </p:txBody>
+      </p:sp>
+      <p:sp>
+        <p:nvSpPr>
+          <p:cNvPr id="5" name="Date Placeholder 4"/>
+          <p:cNvSpPr>
+            <a:spLocks noGrp="1"/>
+          </p:cNvSpPr>
+          <p:nvPr>
+            <p:ph type="dt" sz="half" idx="12"/>
+          </p:nvPr>
+        </p:nvSpPr>
+        <p:spPr/>
+        <p:txBody>
+          <a:bodyPr/>
+          <a:lstStyle/>
+          <a:p>
+            <a:pPr>
+              <a:defRPr/>
+            </a:pPr>
+            <a:fld id="{1617771B-F269-4332-8377-EA23B65099CA}" type="datetime3">
+              <a:rPr lang="en-US" smtClean="0"/>
+              <a:pPr>
+                <a:defRPr/>
+              </a:pPr>
+              <a:t>23 January 2011</a:t>
+            </a:fld>
+            <a:endParaRPr lang="en-US" dirty="0"/>
+          </a:p>
+        </p:txBody>
+      </p:sp>
+    </p:spTree>
+  </p:cSld>
+  <p:clrMapOvr>
+    <a:masterClrMapping/>
+  </p:clrMapOvr>
+</p:sld>
+</file>
+
+<file path=ppt/slides/slide14.xml><?xml version="1.0" encoding="utf-8"?>
+<p:sld xmlns:a="http://schemas.openxmlformats.org/drawingml/2006/main" xmlns:r="http://schemas.openxmlformats.org/officeDocument/2006/relationships" xmlns:p="http://schemas.openxmlformats.org/presentationml/2006/main">
+  <p:cSld>
+    <p:spTree>
+      <p:nvGrpSpPr>
+        <p:cNvPr id="1" name=""/>
+        <p:cNvGrpSpPr/>
+        <p:nvPr/>
+      </p:nvGrpSpPr>
+      <p:grpSpPr>
+        <a:xfrm>
+          <a:off x="0" y="0"/>
+          <a:ext cx="0" cy="0"/>
+          <a:chOff x="0" y="0"/>
+          <a:chExt cx="0" cy="0"/>
+        </a:xfrm>
+      </p:grpSpPr>
+      <p:sp>
+        <p:nvSpPr>
+          <p:cNvPr id="2" name="Title 1"/>
+          <p:cNvSpPr>
+            <a:spLocks noGrp="1"/>
+          </p:cNvSpPr>
+          <p:nvPr>
+            <p:ph type="title"/>
+          </p:nvPr>
+        </p:nvSpPr>
+        <p:spPr/>
+        <p:txBody>
+          <a:bodyPr/>
+          <a:lstStyle/>
+          <a:p>
+            <a:r>
+              <a:rPr lang="en-US" sz="2800" dirty="0" smtClean="0"/>
+              <a:t>Service Deployment, Management &amp; Interaction - Service Description (client example)</a:t>
+            </a:r>
+            <a:endParaRPr lang="en-US" sz="2800" dirty="0"/>
+          </a:p>
+        </p:txBody>
+      </p:sp>
+      <p:sp>
+        <p:nvSpPr>
+          <p:cNvPr id="3" name="Content Placeholder 2"/>
+          <p:cNvSpPr>
+            <a:spLocks noGrp="1"/>
+          </p:cNvSpPr>
+          <p:nvPr>
+            <p:ph idx="1"/>
+          </p:nvPr>
+        </p:nvSpPr>
+        <p:spPr/>
+        <p:txBody>
+          <a:bodyPr/>
+          <a:lstStyle/>
+          <a:p>
+            <a:r>
+              <a:rPr lang="en-US" sz="2400" dirty="0" smtClean="0">
+                <a:latin typeface="Courier New" pitchFamily="49" charset="0"/>
+                <a:cs typeface="Courier New" pitchFamily="49" charset="0"/>
+              </a:rPr>
+              <a:t>Bundle-Name: Client</a:t>
+            </a:r>
+          </a:p>
+          <a:p>
+            <a:r>
+              <a:rPr lang="en-US" sz="2400" dirty="0" smtClean="0">
+                <a:latin typeface="Courier New" pitchFamily="49" charset="0"/>
+                <a:cs typeface="Courier New" pitchFamily="49" charset="0"/>
+              </a:rPr>
+              <a:t>Bundle-Description: A service client sample</a:t>
+            </a:r>
+          </a:p>
+          <a:p>
+            <a:r>
+              <a:rPr lang="en-US" sz="2400" dirty="0" smtClean="0">
+                <a:latin typeface="Courier New" pitchFamily="49" charset="0"/>
+                <a:cs typeface="Courier New" pitchFamily="49" charset="0"/>
+              </a:rPr>
+              <a:t>Bundle-Vendor: VNG GPI</a:t>
+            </a:r>
+          </a:p>
+          <a:p>
+            <a:r>
+              <a:rPr lang="en-US" sz="2400" dirty="0" smtClean="0">
+                <a:latin typeface="Courier New" pitchFamily="49" charset="0"/>
+                <a:cs typeface="Courier New" pitchFamily="49" charset="0"/>
+              </a:rPr>
+              <a:t>Bundle-Version: 1.0.0</a:t>
+            </a:r>
+          </a:p>
+          <a:p>
+            <a:r>
+              <a:rPr lang="en-US" sz="2400" dirty="0" smtClean="0">
+                <a:latin typeface="Courier New" pitchFamily="49" charset="0"/>
+                <a:cs typeface="Courier New" pitchFamily="49" charset="0"/>
+              </a:rPr>
+              <a:t>Bundle-Activator: vng.example2.Activator</a:t>
+            </a:r>
+          </a:p>
+          <a:p>
+            <a:r>
+              <a:rPr lang="en-US" sz="2400" dirty="0" smtClean="0">
+                <a:latin typeface="Courier New" pitchFamily="49" charset="0"/>
+                <a:cs typeface="Courier New" pitchFamily="49" charset="0"/>
+              </a:rPr>
+              <a:t>Import-Package: </a:t>
+            </a:r>
+            <a:r>
+              <a:rPr lang="en-US" sz="2400" dirty="0" err="1" smtClean="0">
+                <a:latin typeface="Courier New" pitchFamily="49" charset="0"/>
+                <a:cs typeface="Courier New" pitchFamily="49" charset="0"/>
+              </a:rPr>
+              <a:t>org.osgi.framework</a:t>
+            </a:r>
+            <a:r>
+              <a:rPr lang="en-US" sz="2400" dirty="0" smtClean="0">
+                <a:latin typeface="Courier New" pitchFamily="49" charset="0"/>
+                <a:cs typeface="Courier New" pitchFamily="49" charset="0"/>
+              </a:rPr>
+              <a:t>, </a:t>
+            </a:r>
+            <a:r>
+              <a:rPr lang="en-US" sz="2400" dirty="0" smtClean="0">
+                <a:latin typeface="Courier New" pitchFamily="49" charset="0"/>
+                <a:cs typeface="Courier New" pitchFamily="49" charset="0"/>
+              </a:rPr>
+              <a:t>vng.example1.service</a:t>
+            </a:r>
+          </a:p>
+          <a:p>
+            <a:r>
+              <a:rPr lang="en-US" sz="2400" dirty="0" smtClean="0">
+                <a:latin typeface="Courier New" pitchFamily="49" charset="0"/>
+                <a:cs typeface="Courier New" pitchFamily="49" charset="0"/>
+              </a:rPr>
+              <a:t>Export-Package: vng.example2.service</a:t>
+            </a:r>
+            <a:endParaRPr lang="en-US" sz="2400" dirty="0">
+              <a:latin typeface="Courier New" pitchFamily="49" charset="0"/>
+              <a:cs typeface="Courier New" pitchFamily="49" charset="0"/>
+            </a:endParaRPr>
+          </a:p>
+        </p:txBody>
+      </p:sp>
+      <p:sp>
+        <p:nvSpPr>
+          <p:cNvPr id="4" name="Slide Number Placeholder 3"/>
+          <p:cNvSpPr>
+            <a:spLocks noGrp="1"/>
+          </p:cNvSpPr>
+          <p:nvPr>
+            <p:ph type="sldNum" sz="quarter" idx="11"/>
+          </p:nvPr>
+        </p:nvSpPr>
+        <p:spPr/>
+        <p:txBody>
+          <a:bodyPr/>
+          <a:lstStyle/>
+          <a:p>
+            <a:pPr>
+              <a:defRPr/>
+            </a:pPr>
+            <a:fld id="{7BA483FD-CADB-4A1C-B345-9747A915C178}" type="slidenum">
+              <a:rPr lang="en-US" smtClean="0"/>
+              <a:pPr>
+                <a:defRPr/>
+              </a:pPr>
+              <a:t>14</a:t>
+            </a:fld>
+            <a:endParaRPr lang="en-US" dirty="0"/>
+          </a:p>
+        </p:txBody>
+      </p:sp>
+      <p:sp>
+        <p:nvSpPr>
+          <p:cNvPr id="5" name="Date Placeholder 4"/>
+          <p:cNvSpPr>
+            <a:spLocks noGrp="1"/>
+          </p:cNvSpPr>
+          <p:nvPr>
+            <p:ph type="dt" sz="half" idx="12"/>
+          </p:nvPr>
+        </p:nvSpPr>
+        <p:spPr/>
+        <p:txBody>
+          <a:bodyPr/>
+          <a:lstStyle/>
+          <a:p>
+            <a:pPr>
+              <a:defRPr/>
+            </a:pPr>
+            <a:fld id="{1617771B-F269-4332-8377-EA23B65099CA}" type="datetime3">
+              <a:rPr lang="en-US" smtClean="0"/>
+              <a:pPr>
+                <a:defRPr/>
+              </a:pPr>
+              <a:t>23 January 2011</a:t>
+            </a:fld>
+            <a:endParaRPr lang="en-US" dirty="0"/>
+          </a:p>
+        </p:txBody>
+      </p:sp>
+    </p:spTree>
+  </p:cSld>
+  <p:clrMapOvr>
+    <a:masterClrMapping/>
+  </p:clrMapOvr>
+</p:sld>
+</file>
+
+<file path=ppt/slides/slide15.xml><?xml version="1.0" encoding="utf-8"?>
+<p:sld xmlns:a="http://schemas.openxmlformats.org/drawingml/2006/main" xmlns:r="http://schemas.openxmlformats.org/officeDocument/2006/relationships" xmlns:p="http://schemas.openxmlformats.org/presentationml/2006/main">
+  <p:cSld>
+    <p:spTree>
+      <p:nvGrpSpPr>
+        <p:cNvPr id="1" name=""/>
+        <p:cNvGrpSpPr/>
+        <p:nvPr/>
+      </p:nvGrpSpPr>
+      <p:grpSpPr>
+        <a:xfrm>
+          <a:off x="0" y="0"/>
+          <a:ext cx="0" cy="0"/>
+          <a:chOff x="0" y="0"/>
+          <a:chExt cx="0" cy="0"/>
+        </a:xfrm>
+      </p:grpSpPr>
+      <p:sp>
+        <p:nvSpPr>
+          <p:cNvPr id="2" name="Title 1"/>
+          <p:cNvSpPr>
+            <a:spLocks noGrp="1"/>
+          </p:cNvSpPr>
+          <p:nvPr>
+            <p:ph type="title"/>
+          </p:nvPr>
+        </p:nvSpPr>
+        <p:spPr/>
+        <p:txBody>
+          <a:bodyPr/>
+          <a:lstStyle/>
+          <a:p>
+            <a:r>
+              <a:rPr lang="en-US" sz="2800" dirty="0" smtClean="0"/>
+              <a:t>Service Deployment, Management &amp; Interaction - Deployment</a:t>
+            </a:r>
+            <a:endParaRPr lang="en-US" sz="2800" dirty="0"/>
+          </a:p>
+        </p:txBody>
+      </p:sp>
+      <p:sp>
+        <p:nvSpPr>
+          <p:cNvPr id="4" name="Slide Number Placeholder 3"/>
+          <p:cNvSpPr>
+            <a:spLocks noGrp="1"/>
+          </p:cNvSpPr>
+          <p:nvPr>
+            <p:ph type="sldNum" sz="quarter" idx="11"/>
+          </p:nvPr>
+        </p:nvSpPr>
+        <p:spPr/>
+        <p:txBody>
+          <a:bodyPr/>
+          <a:lstStyle/>
+          <a:p>
+            <a:pPr>
+              <a:defRPr/>
+            </a:pPr>
+            <a:fld id="{7BA483FD-CADB-4A1C-B345-9747A915C178}" type="slidenum">
+              <a:rPr lang="en-US" smtClean="0"/>
+              <a:pPr>
+                <a:defRPr/>
+              </a:pPr>
+              <a:t>15</a:t>
             </a:fld>
             <a:endParaRPr lang="en-US" dirty="0"/>
           </a:p>
@@ -13392,7 +14377,7 @@
 </p:sld>
 </file>
 
-<file path=ppt/slides/slide12.xml><?xml version="1.0" encoding="utf-8"?>
+<file path=ppt/slides/slide16.xml><?xml version="1.0" encoding="utf-8"?>
 <p:sld xmlns:a="http://schemas.openxmlformats.org/drawingml/2006/main" xmlns:r="http://schemas.openxmlformats.org/officeDocument/2006/relationships" xmlns:p="http://schemas.openxmlformats.org/presentationml/2006/main">
   <p:cSld>
     <p:spTree>
@@ -13425,71 +14410,18 @@
           <a:lstStyle/>
           <a:p>
             <a:r>
-              <a:rPr lang="en-US" dirty="0" smtClean="0"/>
-              <a:t>Multiple-protocols &amp; Standard Service APIs</a:t>
-            </a:r>
-            <a:endParaRPr lang="en-US" dirty="0"/>
-          </a:p>
-        </p:txBody>
-      </p:sp>
-      <p:sp>
-        <p:nvSpPr>
-          <p:cNvPr id="3" name="Content Placeholder 2"/>
-          <p:cNvSpPr>
-            <a:spLocks noGrp="1"/>
-          </p:cNvSpPr>
-          <p:nvPr>
-            <p:ph idx="1"/>
-          </p:nvPr>
-        </p:nvSpPr>
-        <p:spPr/>
-        <p:txBody>
-          <a:bodyPr/>
-          <a:lstStyle/>
-          <a:p>
-            <a:r>
-              <a:rPr lang="en-US" dirty="0" smtClean="0"/>
-              <a:t>Front-end protocols:</a:t>
-            </a:r>
-          </a:p>
-          <a:p>
-            <a:pPr lvl="1"/>
-            <a:r>
-              <a:rPr lang="en-US" dirty="0" smtClean="0"/>
-              <a:t>Web: http/https, SOAP, REST</a:t>
-            </a:r>
-          </a:p>
-          <a:p>
-            <a:pPr lvl="1"/>
-            <a:r>
-              <a:rPr lang="en-US" dirty="0" smtClean="0"/>
-              <a:t>Socket</a:t>
-            </a:r>
-          </a:p>
-          <a:p>
-            <a:r>
-              <a:rPr lang="en-US" dirty="0" smtClean="0"/>
-              <a:t>Request </a:t>
-            </a:r>
-            <a:r>
-              <a:rPr lang="en-US" dirty="0" err="1" smtClean="0"/>
-              <a:t>normalizer</a:t>
-            </a:r>
-            <a:r>
-              <a:rPr lang="en-US" dirty="0" smtClean="0"/>
-              <a:t>:</a:t>
-            </a:r>
-          </a:p>
-          <a:p>
-            <a:pPr lvl="1"/>
-            <a:r>
-              <a:rPr lang="en-US" dirty="0" smtClean="0"/>
-              <a:t>Be the bridge between front-end and service container</a:t>
-            </a:r>
-          </a:p>
-          <a:p>
-            <a:pPr lvl="1"/>
-            <a:endParaRPr lang="en-US" dirty="0"/>
+              <a:rPr lang="en-US" sz="2800" dirty="0" smtClean="0"/>
+              <a:t>Service Deployment, Management &amp; Interaction </a:t>
+            </a:r>
+            <a:r>
+              <a:rPr lang="en-US" sz="2800" dirty="0" smtClean="0"/>
+              <a:t>– </a:t>
+            </a:r>
+            <a:r>
+              <a:rPr lang="en-US" sz="2800" dirty="0" err="1" smtClean="0"/>
+              <a:t>MMServer</a:t>
+            </a:r>
+            <a:endParaRPr lang="en-US" sz="2800" dirty="0"/>
           </a:p>
         </p:txBody>
       </p:sp>
@@ -13516,8 +14448,63 @@
               <a:pPr>
                 <a:defRPr/>
               </a:pPr>
-              <a:t>12</a:t>
+              <a:t>16</a:t>
             </a:fld>
+            <a:endParaRPr lang="en-US" dirty="0"/>
+          </a:p>
+        </p:txBody>
+      </p:sp>
+      <p:sp>
+        <p:nvSpPr>
+          <p:cNvPr id="5" name="Content Placeholder 4"/>
+          <p:cNvSpPr>
+            <a:spLocks noGrp="1"/>
+          </p:cNvSpPr>
+          <p:nvPr>
+            <p:ph idx="1"/>
+          </p:nvPr>
+        </p:nvSpPr>
+        <p:spPr/>
+        <p:txBody>
+          <a:bodyPr/>
+          <a:lstStyle/>
+          <a:p>
+            <a:r>
+              <a:rPr lang="en-US" dirty="0" smtClean="0"/>
+              <a:t>Services are managed from MM Server:</a:t>
+            </a:r>
+          </a:p>
+          <a:p>
+            <a:pPr lvl="1"/>
+            <a:r>
+              <a:rPr lang="en-US" dirty="0" smtClean="0"/>
+              <a:t>Deploy new service / New version of existing service</a:t>
+            </a:r>
+          </a:p>
+          <a:p>
+            <a:pPr lvl="1"/>
+            <a:r>
+              <a:rPr lang="en-US" dirty="0" smtClean="0"/>
+              <a:t>Stop-Redeploy existing service</a:t>
+            </a:r>
+          </a:p>
+          <a:p>
+            <a:pPr lvl="1"/>
+            <a:r>
+              <a:rPr lang="en-US" dirty="0" smtClean="0"/>
+              <a:t>Stop/Remove existing service</a:t>
+            </a:r>
+          </a:p>
+          <a:p>
+            <a:pPr lvl="1"/>
+            <a:r>
+              <a:rPr lang="en-US" dirty="0" smtClean="0"/>
+              <a:t>View status/stats of services on </a:t>
+            </a:r>
+            <a:r>
+              <a:rPr lang="en-US" smtClean="0"/>
+              <a:t>Service Server(s)</a:t>
+            </a:r>
             <a:endParaRPr lang="en-US" dirty="0"/>
           </a:p>
         </p:txBody>
@@ -13530,7 +14517,7 @@
 </p:sld>
 </file>
 
-<file path=ppt/slides/slide13.xml><?xml version="1.0" encoding="utf-8"?>
+<file path=ppt/slides/slide17.xml><?xml version="1.0" encoding="utf-8"?>
 <p:sld xmlns:a="http://schemas.openxmlformats.org/drawingml/2006/main" xmlns:r="http://schemas.openxmlformats.org/officeDocument/2006/relationships" xmlns:p="http://schemas.openxmlformats.org/presentationml/2006/main">
   <p:cSld>
     <p:spTree>
@@ -13564,7 +14551,7 @@
           <a:p>
             <a:r>
               <a:rPr lang="en-US" dirty="0" smtClean="0"/>
-              <a:t>Q &amp; A</a:t>
+              <a:t>Multiple-protocols &amp; Standard Service APIs</a:t>
             </a:r>
             <a:endParaRPr lang="en-US" dirty="0"/>
           </a:p>
@@ -13585,7 +14572,49 @@
           <a:bodyPr/>
           <a:lstStyle/>
           <a:p>
-            <a:endParaRPr lang="en-US"/>
+            <a:r>
+              <a:rPr lang="en-US" dirty="0" smtClean="0"/>
+              <a:t>Front-end protocols:</a:t>
+            </a:r>
+          </a:p>
+          <a:p>
+            <a:pPr lvl="1"/>
+            <a:r>
+              <a:rPr lang="en-US" dirty="0" smtClean="0"/>
+              <a:t>Web: http/https, SOAP, REST</a:t>
+            </a:r>
+          </a:p>
+          <a:p>
+            <a:pPr lvl="1"/>
+            <a:r>
+              <a:rPr lang="en-US" dirty="0" smtClean="0"/>
+              <a:t>Socket</a:t>
+            </a:r>
+          </a:p>
+          <a:p>
+            <a:r>
+              <a:rPr lang="en-US" dirty="0" smtClean="0"/>
+              <a:t>Request </a:t>
+            </a:r>
+            <a:r>
+              <a:rPr lang="en-US" dirty="0" err="1" smtClean="0"/>
+              <a:t>normalizer</a:t>
+            </a:r>
+            <a:r>
+              <a:rPr lang="en-US" dirty="0" smtClean="0"/>
+              <a:t>:</a:t>
+            </a:r>
+          </a:p>
+          <a:p>
+            <a:pPr lvl="1"/>
+            <a:r>
+              <a:rPr lang="en-US" dirty="0" smtClean="0"/>
+              <a:t>Be the bridge between front-end and service container</a:t>
+            </a:r>
+          </a:p>
+          <a:p>
+            <a:pPr lvl="1"/>
+            <a:endParaRPr lang="en-US" dirty="0"/>
           </a:p>
         </p:txBody>
       </p:sp>
@@ -13612,7 +14641,103 @@
               <a:pPr>
                 <a:defRPr/>
               </a:pPr>
-              <a:t>13</a:t>
+              <a:t>17</a:t>
+            </a:fld>
+            <a:endParaRPr lang="en-US" dirty="0"/>
+          </a:p>
+        </p:txBody>
+      </p:sp>
+    </p:spTree>
+  </p:cSld>
+  <p:clrMapOvr>
+    <a:masterClrMapping/>
+  </p:clrMapOvr>
+</p:sld>
+</file>
+
+<file path=ppt/slides/slide18.xml><?xml version="1.0" encoding="utf-8"?>
+<p:sld xmlns:a="http://schemas.openxmlformats.org/drawingml/2006/main" xmlns:r="http://schemas.openxmlformats.org/officeDocument/2006/relationships" xmlns:p="http://schemas.openxmlformats.org/presentationml/2006/main">
+  <p:cSld>
+    <p:spTree>
+      <p:nvGrpSpPr>
+        <p:cNvPr id="1" name=""/>
+        <p:cNvGrpSpPr/>
+        <p:nvPr/>
+      </p:nvGrpSpPr>
+      <p:grpSpPr>
+        <a:xfrm>
+          <a:off x="0" y="0"/>
+          <a:ext cx="0" cy="0"/>
+          <a:chOff x="0" y="0"/>
+          <a:chExt cx="0" cy="0"/>
+        </a:xfrm>
+      </p:grpSpPr>
+      <p:sp>
+        <p:nvSpPr>
+          <p:cNvPr id="2" name="Title 1"/>
+          <p:cNvSpPr>
+            <a:spLocks noGrp="1"/>
+          </p:cNvSpPr>
+          <p:nvPr>
+            <p:ph type="title"/>
+          </p:nvPr>
+        </p:nvSpPr>
+        <p:spPr/>
+        <p:txBody>
+          <a:bodyPr/>
+          <a:lstStyle/>
+          <a:p>
+            <a:r>
+              <a:rPr lang="en-US" dirty="0" smtClean="0"/>
+              <a:t>Q &amp; A</a:t>
+            </a:r>
+            <a:endParaRPr lang="en-US" dirty="0"/>
+          </a:p>
+        </p:txBody>
+      </p:sp>
+      <p:sp>
+        <p:nvSpPr>
+          <p:cNvPr id="3" name="Content Placeholder 2"/>
+          <p:cNvSpPr>
+            <a:spLocks noGrp="1"/>
+          </p:cNvSpPr>
+          <p:nvPr>
+            <p:ph idx="1"/>
+          </p:nvPr>
+        </p:nvSpPr>
+        <p:spPr/>
+        <p:txBody>
+          <a:bodyPr/>
+          <a:lstStyle/>
+          <a:p>
+            <a:endParaRPr lang="en-US"/>
+          </a:p>
+        </p:txBody>
+      </p:sp>
+      <p:sp>
+        <p:nvSpPr>
+          <p:cNvPr id="4" name="Slide Number Placeholder 3"/>
+          <p:cNvSpPr>
+            <a:spLocks noGrp="1"/>
+          </p:cNvSpPr>
+          <p:nvPr>
+            <p:ph type="sldNum" sz="quarter" idx="11"/>
+          </p:nvPr>
+        </p:nvSpPr>
+        <p:spPr/>
+        <p:txBody>
+          <a:bodyPr/>
+          <a:lstStyle/>
+          <a:p>
+            <a:pPr>
+              <a:defRPr/>
+            </a:pPr>
+            <a:fld id="{7BA483FD-CADB-4A1C-B345-9747A915C178}" type="slidenum">
+              <a:rPr lang="en-US" smtClean="0"/>
+              <a:pPr>
+                <a:defRPr/>
+              </a:pPr>
+              <a:t>18</a:t>
             </a:fld>
             <a:endParaRPr lang="en-US" dirty="0"/>
           </a:p>
@@ -13684,13 +14809,8 @@
             <a:pPr eaLnBrk="1" hangingPunct="1"/>
             <a:r>
               <a:rPr lang="en-US" dirty="0" smtClean="0"/>
-              <a:t>System’s </a:t>
-            </a:r>
-            <a:r>
-              <a:rPr lang="en-US" dirty="0" smtClean="0"/>
-              <a:t>Objectives</a:t>
-            </a:r>
-            <a:endParaRPr lang="en-US" dirty="0" smtClean="0"/>
+              <a:t>System’s Objectives</a:t>
+            </a:r>
           </a:p>
           <a:p>
             <a:pPr eaLnBrk="1" hangingPunct="1"/>
@@ -13703,21 +14823,29 @@
             <a:pPr eaLnBrk="1" hangingPunct="1"/>
             <a:r>
               <a:rPr lang="en-US" dirty="0" smtClean="0"/>
-              <a:t>Service Server Architecture</a:t>
+              <a:t>Scalability &amp; Availability</a:t>
             </a:r>
           </a:p>
           <a:p>
             <a:pPr eaLnBrk="1" hangingPunct="1"/>
             <a:r>
               <a:rPr lang="en-US" dirty="0" smtClean="0"/>
-              <a:t>Scalability &amp; Availability</a:t>
+              <a:t>Service </a:t>
+            </a:r>
+            <a:r>
+              <a:rPr lang="en-US" dirty="0" smtClean="0"/>
+              <a:t>Server Architecture</a:t>
             </a:r>
           </a:p>
           <a:p>
             <a:pPr eaLnBrk="1" hangingPunct="1"/>
             <a:r>
               <a:rPr lang="en-US" dirty="0" smtClean="0"/>
-              <a:t>Service Deployment, Management &amp; Interaction</a:t>
+              <a:t>Service </a:t>
+            </a:r>
+            <a:r>
+              <a:rPr lang="en-US" dirty="0" smtClean="0"/>
+              <a:t>Deployment, Management &amp; Interaction</a:t>
             </a:r>
           </a:p>
           <a:p>
@@ -13850,19 +14978,7 @@
             <a:pPr eaLnBrk="1" hangingPunct="1"/>
             <a:r>
               <a:rPr lang="en-US" dirty="0" smtClean="0"/>
-              <a:t>Handle </a:t>
-            </a:r>
-            <a:r>
-              <a:rPr lang="en-US" dirty="0" smtClean="0"/>
-              <a:t>interactions </a:t>
-            </a:r>
-            <a:r>
-              <a:rPr lang="en-US" dirty="0" smtClean="0"/>
-              <a:t>between </a:t>
-            </a:r>
-            <a:r>
-              <a:rPr lang="en-US" dirty="0" smtClean="0"/>
-              <a:t>VNG services/platforms</a:t>
+              <a:t>Handle interactions between VNG services/platforms</a:t>
             </a:r>
           </a:p>
           <a:p>
@@ -13883,15 +14999,7 @@
             <a:pPr lvl="1" eaLnBrk="1" hangingPunct="1"/>
             <a:r>
               <a:rPr lang="en-US" dirty="0" smtClean="0"/>
-              <a:t>Effective </a:t>
-            </a:r>
-            <a:r>
-              <a:rPr lang="en-US" dirty="0" smtClean="0"/>
-              <a:t>service </a:t>
-            </a:r>
-            <a:r>
-              <a:rPr lang="en-US" dirty="0" smtClean="0"/>
-              <a:t>dependency management and deployment</a:t>
+              <a:t>Effective service dependency management and deployment</a:t>
             </a:r>
           </a:p>
           <a:p>
@@ -14085,8 +15193,67 @@
           <a:p>
             <a:r>
               <a:rPr lang="en-US" dirty="0" smtClean="0"/>
-              <a:t>Service Server</a:t>
-            </a:r>
+              <a:t>Scalability &amp; Availability</a:t>
+            </a:r>
+            <a:endParaRPr lang="en-US" dirty="0"/>
+          </a:p>
+        </p:txBody>
+      </p:sp>
+      <p:sp>
+        <p:nvSpPr>
+          <p:cNvPr id="3" name="Content Placeholder 2"/>
+          <p:cNvSpPr>
+            <a:spLocks noGrp="1"/>
+          </p:cNvSpPr>
+          <p:nvPr>
+            <p:ph idx="1"/>
+          </p:nvPr>
+        </p:nvSpPr>
+        <p:spPr/>
+        <p:txBody>
+          <a:bodyPr/>
+          <a:lstStyle/>
+          <a:p>
+            <a:r>
+              <a:rPr lang="en-US" dirty="0" smtClean="0"/>
+              <a:t>Horizontal scale:</a:t>
+            </a:r>
+          </a:p>
+          <a:p>
+            <a:pPr lvl="1"/>
+            <a:r>
+              <a:rPr lang="en-US" dirty="0" smtClean="0"/>
+              <a:t>1 to N service servers</a:t>
+            </a:r>
+          </a:p>
+          <a:p>
+            <a:pPr lvl="1"/>
+            <a:r>
+              <a:rPr lang="en-US" dirty="0" smtClean="0"/>
+              <a:t>1 to N web servers</a:t>
+            </a:r>
+          </a:p>
+          <a:p>
+            <a:pPr lvl="1"/>
+            <a:r>
+              <a:rPr lang="en-US" dirty="0" smtClean="0"/>
+              <a:t>1 to N cache servers</a:t>
+            </a:r>
+          </a:p>
+          <a:p>
+            <a:r>
+              <a:rPr lang="en-US" dirty="0" smtClean="0"/>
+              <a:t>Each service server has a complete copy of all services</a:t>
+            </a:r>
+          </a:p>
+          <a:p>
+            <a:r>
+              <a:rPr lang="en-US" dirty="0" smtClean="0"/>
+              <a:t>Web, Service and Cache servers are on independent layers</a:t>
+            </a:r>
+          </a:p>
+          <a:p>
+            <a:pPr lvl="1"/>
             <a:endParaRPr lang="en-US" dirty="0"/>
           </a:p>
         </p:txBody>
@@ -14115,6 +15282,544 @@
                 <a:defRPr/>
               </a:pPr>
               <a:t>5</a:t>
+            </a:fld>
+            <a:endParaRPr lang="en-US" dirty="0"/>
+          </a:p>
+        </p:txBody>
+      </p:sp>
+    </p:spTree>
+  </p:cSld>
+  <p:clrMapOvr>
+    <a:masterClrMapping/>
+  </p:clrMapOvr>
+</p:sld>
+</file>
+
+<file path=ppt/slides/slide6.xml><?xml version="1.0" encoding="utf-8"?>
+<p:sld xmlns:a="http://schemas.openxmlformats.org/drawingml/2006/main" xmlns:r="http://schemas.openxmlformats.org/officeDocument/2006/relationships" xmlns:p="http://schemas.openxmlformats.org/presentationml/2006/main">
+  <p:cSld>
+    <p:spTree>
+      <p:nvGrpSpPr>
+        <p:cNvPr id="1" name=""/>
+        <p:cNvGrpSpPr/>
+        <p:nvPr/>
+      </p:nvGrpSpPr>
+      <p:grpSpPr>
+        <a:xfrm>
+          <a:off x="0" y="0"/>
+          <a:ext cx="0" cy="0"/>
+          <a:chOff x="0" y="0"/>
+          <a:chExt cx="0" cy="0"/>
+        </a:xfrm>
+      </p:grpSpPr>
+      <p:sp>
+        <p:nvSpPr>
+          <p:cNvPr id="2" name="Title 1"/>
+          <p:cNvSpPr>
+            <a:spLocks noGrp="1"/>
+          </p:cNvSpPr>
+          <p:nvPr>
+            <p:ph type="title"/>
+          </p:nvPr>
+        </p:nvSpPr>
+        <p:spPr/>
+        <p:txBody>
+          <a:bodyPr/>
+          <a:lstStyle/>
+          <a:p>
+            <a:r>
+              <a:rPr lang="en-US" dirty="0" smtClean="0"/>
+              <a:t>Scalability &amp; </a:t>
+            </a:r>
+            <a:r>
+              <a:rPr lang="en-US" dirty="0" smtClean="0"/>
+              <a:t>Availability -</a:t>
+            </a:r>
+            <a:br>
+              <a:rPr lang="en-US" dirty="0" smtClean="0"/>
+            </a:br>
+            <a:r>
+              <a:rPr lang="en-US" dirty="0" smtClean="0"/>
+              <a:t>Add New Service Server</a:t>
+            </a:r>
+            <a:endParaRPr lang="en-US" dirty="0"/>
+          </a:p>
+        </p:txBody>
+      </p:sp>
+      <p:sp>
+        <p:nvSpPr>
+          <p:cNvPr id="3" name="Content Placeholder 2"/>
+          <p:cNvSpPr>
+            <a:spLocks noGrp="1"/>
+          </p:cNvSpPr>
+          <p:nvPr>
+            <p:ph idx="1"/>
+          </p:nvPr>
+        </p:nvSpPr>
+        <p:spPr/>
+        <p:txBody>
+          <a:bodyPr/>
+          <a:lstStyle/>
+          <a:p>
+            <a:pPr marL="514350" indent="-514350">
+              <a:buFont typeface="+mj-lt"/>
+              <a:buAutoNum type="arabicPeriod"/>
+            </a:pPr>
+            <a:r>
+              <a:rPr lang="en-US" dirty="0" smtClean="0"/>
+              <a:t>Boot up new Service Server</a:t>
+            </a:r>
+          </a:p>
+          <a:p>
+            <a:pPr marL="514350" indent="-514350">
+              <a:buFont typeface="+mj-lt"/>
+              <a:buAutoNum type="arabicPeriod"/>
+            </a:pPr>
+            <a:r>
+              <a:rPr lang="en-US" dirty="0" smtClean="0"/>
+              <a:t>Update Apache’s </a:t>
+            </a:r>
+            <a:r>
+              <a:rPr lang="en-US" i="1" dirty="0" err="1" smtClean="0"/>
+              <a:t>httpd.conf</a:t>
+            </a:r>
+            <a:endParaRPr lang="en-US" i="1" dirty="0" smtClean="0"/>
+          </a:p>
+          <a:p>
+            <a:pPr marL="514350" indent="-514350">
+              <a:buFont typeface="+mj-lt"/>
+              <a:buAutoNum type="arabicPeriod"/>
+            </a:pPr>
+            <a:r>
+              <a:rPr lang="en-US" dirty="0" smtClean="0"/>
+              <a:t>Reload Apache’s configuration file</a:t>
+            </a:r>
+          </a:p>
+          <a:p>
+            <a:pPr marL="514350" indent="-514350">
+              <a:buFont typeface="+mj-lt"/>
+              <a:buAutoNum type="arabicPeriod"/>
+            </a:pPr>
+            <a:r>
+              <a:rPr lang="en-US" i="1" dirty="0" smtClean="0"/>
+              <a:t>(repeat 2 &amp; 3 on each Apache server)</a:t>
+            </a:r>
+          </a:p>
+          <a:p>
+            <a:pPr marL="514350" indent="-514350">
+              <a:buFont typeface="+mj-lt"/>
+              <a:buAutoNum type="arabicPeriod"/>
+            </a:pPr>
+            <a:endParaRPr lang="en-US" dirty="0" smtClean="0"/>
+          </a:p>
+          <a:p>
+            <a:pPr marL="514350" indent="-514350"/>
+            <a:r>
+              <a:rPr lang="en-US" b="1" dirty="0" smtClean="0"/>
+              <a:t>Downtime: ~0</a:t>
+            </a:r>
+            <a:endParaRPr lang="en-US" b="1" dirty="0"/>
+          </a:p>
+        </p:txBody>
+      </p:sp>
+      <p:sp>
+        <p:nvSpPr>
+          <p:cNvPr id="4" name="Slide Number Placeholder 3"/>
+          <p:cNvSpPr>
+            <a:spLocks noGrp="1"/>
+          </p:cNvSpPr>
+          <p:nvPr>
+            <p:ph type="sldNum" sz="quarter" idx="11"/>
+          </p:nvPr>
+        </p:nvSpPr>
+        <p:spPr/>
+        <p:txBody>
+          <a:bodyPr/>
+          <a:lstStyle/>
+          <a:p>
+            <a:pPr>
+              <a:defRPr/>
+            </a:pPr>
+            <a:fld id="{7BA483FD-CADB-4A1C-B345-9747A915C178}" type="slidenum">
+              <a:rPr lang="en-US" smtClean="0"/>
+              <a:pPr>
+                <a:defRPr/>
+              </a:pPr>
+              <a:t>6</a:t>
+            </a:fld>
+            <a:endParaRPr lang="en-US" dirty="0"/>
+          </a:p>
+        </p:txBody>
+      </p:sp>
+    </p:spTree>
+  </p:cSld>
+  <p:clrMapOvr>
+    <a:masterClrMapping/>
+  </p:clrMapOvr>
+</p:sld>
+</file>
+
+<file path=ppt/slides/slide7.xml><?xml version="1.0" encoding="utf-8"?>
+<p:sld xmlns:a="http://schemas.openxmlformats.org/drawingml/2006/main" xmlns:r="http://schemas.openxmlformats.org/officeDocument/2006/relationships" xmlns:p="http://schemas.openxmlformats.org/presentationml/2006/main">
+  <p:cSld>
+    <p:spTree>
+      <p:nvGrpSpPr>
+        <p:cNvPr id="1" name=""/>
+        <p:cNvGrpSpPr/>
+        <p:nvPr/>
+      </p:nvGrpSpPr>
+      <p:grpSpPr>
+        <a:xfrm>
+          <a:off x="0" y="0"/>
+          <a:ext cx="0" cy="0"/>
+          <a:chOff x="0" y="0"/>
+          <a:chExt cx="0" cy="0"/>
+        </a:xfrm>
+      </p:grpSpPr>
+      <p:sp>
+        <p:nvSpPr>
+          <p:cNvPr id="2" name="Title 1"/>
+          <p:cNvSpPr>
+            <a:spLocks noGrp="1"/>
+          </p:cNvSpPr>
+          <p:nvPr>
+            <p:ph type="title"/>
+          </p:nvPr>
+        </p:nvSpPr>
+        <p:spPr/>
+        <p:txBody>
+          <a:bodyPr/>
+          <a:lstStyle/>
+          <a:p>
+            <a:r>
+              <a:rPr lang="en-US" dirty="0" smtClean="0"/>
+              <a:t>Scalability &amp; </a:t>
+            </a:r>
+            <a:r>
+              <a:rPr lang="en-US" dirty="0" smtClean="0"/>
+              <a:t>Availability -</a:t>
+            </a:r>
+            <a:br>
+              <a:rPr lang="en-US" dirty="0" smtClean="0"/>
+            </a:br>
+            <a:r>
+              <a:rPr lang="en-US" dirty="0" smtClean="0"/>
+              <a:t>Deploy New Service</a:t>
+            </a:r>
+            <a:endParaRPr lang="en-US" dirty="0"/>
+          </a:p>
+        </p:txBody>
+      </p:sp>
+      <p:sp>
+        <p:nvSpPr>
+          <p:cNvPr id="3" name="Content Placeholder 2"/>
+          <p:cNvSpPr>
+            <a:spLocks noGrp="1"/>
+          </p:cNvSpPr>
+          <p:nvPr>
+            <p:ph idx="1"/>
+          </p:nvPr>
+        </p:nvSpPr>
+        <p:spPr/>
+        <p:txBody>
+          <a:bodyPr/>
+          <a:lstStyle/>
+          <a:p>
+            <a:pPr marL="514350" indent="-514350">
+              <a:buFont typeface="+mj-lt"/>
+              <a:buAutoNum type="arabicPeriod"/>
+            </a:pPr>
+            <a:r>
+              <a:rPr lang="en-US" dirty="0" smtClean="0"/>
+              <a:t>Deploy new service (or new version of existing service) on MM Server</a:t>
+            </a:r>
+          </a:p>
+          <a:p>
+            <a:pPr marL="514350" indent="-514350">
+              <a:buFont typeface="+mj-lt"/>
+              <a:buAutoNum type="arabicPeriod"/>
+            </a:pPr>
+            <a:r>
+              <a:rPr lang="en-US" dirty="0" smtClean="0"/>
+              <a:t>The service is populated to service servers and becomes available</a:t>
+            </a:r>
+            <a:endParaRPr lang="en-US" i="1" dirty="0" smtClean="0"/>
+          </a:p>
+          <a:p>
+            <a:pPr marL="514350" indent="-514350">
+              <a:buFont typeface="+mj-lt"/>
+              <a:buAutoNum type="arabicPeriod"/>
+            </a:pPr>
+            <a:endParaRPr lang="en-US" dirty="0" smtClean="0"/>
+          </a:p>
+          <a:p>
+            <a:pPr marL="514350" indent="-514350"/>
+            <a:r>
+              <a:rPr lang="en-US" b="1" dirty="0" smtClean="0"/>
+              <a:t>Downtime: 0</a:t>
+            </a:r>
+            <a:endParaRPr lang="en-US" b="1" dirty="0"/>
+          </a:p>
+        </p:txBody>
+      </p:sp>
+      <p:sp>
+        <p:nvSpPr>
+          <p:cNvPr id="4" name="Slide Number Placeholder 3"/>
+          <p:cNvSpPr>
+            <a:spLocks noGrp="1"/>
+          </p:cNvSpPr>
+          <p:nvPr>
+            <p:ph type="sldNum" sz="quarter" idx="11"/>
+          </p:nvPr>
+        </p:nvSpPr>
+        <p:spPr/>
+        <p:txBody>
+          <a:bodyPr/>
+          <a:lstStyle/>
+          <a:p>
+            <a:pPr>
+              <a:defRPr/>
+            </a:pPr>
+            <a:fld id="{7BA483FD-CADB-4A1C-B345-9747A915C178}" type="slidenum">
+              <a:rPr lang="en-US" smtClean="0"/>
+              <a:pPr>
+                <a:defRPr/>
+              </a:pPr>
+              <a:t>7</a:t>
+            </a:fld>
+            <a:endParaRPr lang="en-US" dirty="0"/>
+          </a:p>
+        </p:txBody>
+      </p:sp>
+    </p:spTree>
+  </p:cSld>
+  <p:clrMapOvr>
+    <a:masterClrMapping/>
+  </p:clrMapOvr>
+</p:sld>
+</file>
+
+<file path=ppt/slides/slide8.xml><?xml version="1.0" encoding="utf-8"?>
+<p:sld xmlns:a="http://schemas.openxmlformats.org/drawingml/2006/main" xmlns:r="http://schemas.openxmlformats.org/officeDocument/2006/relationships" xmlns:p="http://schemas.openxmlformats.org/presentationml/2006/main">
+  <p:cSld>
+    <p:spTree>
+      <p:nvGrpSpPr>
+        <p:cNvPr id="1" name=""/>
+        <p:cNvGrpSpPr/>
+        <p:nvPr/>
+      </p:nvGrpSpPr>
+      <p:grpSpPr>
+        <a:xfrm>
+          <a:off x="0" y="0"/>
+          <a:ext cx="0" cy="0"/>
+          <a:chOff x="0" y="0"/>
+          <a:chExt cx="0" cy="0"/>
+        </a:xfrm>
+      </p:grpSpPr>
+      <p:sp>
+        <p:nvSpPr>
+          <p:cNvPr id="2" name="Title 1"/>
+          <p:cNvSpPr>
+            <a:spLocks noGrp="1"/>
+          </p:cNvSpPr>
+          <p:nvPr>
+            <p:ph type="title"/>
+          </p:nvPr>
+        </p:nvSpPr>
+        <p:spPr/>
+        <p:txBody>
+          <a:bodyPr/>
+          <a:lstStyle/>
+          <a:p>
+            <a:r>
+              <a:rPr lang="en-US" dirty="0" smtClean="0"/>
+              <a:t>Scalability &amp; </a:t>
+            </a:r>
+            <a:r>
+              <a:rPr lang="en-US" dirty="0" smtClean="0"/>
+              <a:t>Availability -</a:t>
+            </a:r>
+            <a:br>
+              <a:rPr lang="en-US" dirty="0" smtClean="0"/>
+            </a:br>
+            <a:r>
+              <a:rPr lang="en-US" dirty="0" smtClean="0"/>
+              <a:t>Replace A Service</a:t>
+            </a:r>
+            <a:endParaRPr lang="en-US" dirty="0"/>
+          </a:p>
+        </p:txBody>
+      </p:sp>
+      <p:sp>
+        <p:nvSpPr>
+          <p:cNvPr id="3" name="Content Placeholder 2"/>
+          <p:cNvSpPr>
+            <a:spLocks noGrp="1"/>
+          </p:cNvSpPr>
+          <p:nvPr>
+            <p:ph idx="1"/>
+          </p:nvPr>
+        </p:nvSpPr>
+        <p:spPr/>
+        <p:txBody>
+          <a:bodyPr/>
+          <a:lstStyle/>
+          <a:p>
+            <a:pPr marL="514350" indent="-514350">
+              <a:buFont typeface="+mj-lt"/>
+              <a:buAutoNum type="arabicPeriod"/>
+            </a:pPr>
+            <a:r>
+              <a:rPr lang="en-US" dirty="0" smtClean="0"/>
+              <a:t>Stop-Redeploy the service on MM Server</a:t>
+            </a:r>
+          </a:p>
+          <a:p>
+            <a:pPr marL="514350" indent="-514350">
+              <a:buFont typeface="+mj-lt"/>
+              <a:buAutoNum type="arabicPeriod"/>
+            </a:pPr>
+            <a:r>
+              <a:rPr lang="en-US" dirty="0" smtClean="0"/>
+              <a:t>The service is populated to service servers</a:t>
+            </a:r>
+          </a:p>
+          <a:p>
+            <a:pPr marL="514350" indent="-514350">
+              <a:buFont typeface="+mj-lt"/>
+              <a:buAutoNum type="arabicPeriod"/>
+            </a:pPr>
+            <a:r>
+              <a:rPr lang="en-US" dirty="0" smtClean="0"/>
+              <a:t>The service is Stopped-Redeployed on service servers</a:t>
+            </a:r>
+            <a:endParaRPr lang="en-US" i="1" dirty="0" smtClean="0"/>
+          </a:p>
+          <a:p>
+            <a:pPr marL="514350" indent="-514350">
+              <a:buFont typeface="+mj-lt"/>
+              <a:buAutoNum type="arabicPeriod"/>
+            </a:pPr>
+            <a:endParaRPr lang="en-US" dirty="0" smtClean="0"/>
+          </a:p>
+          <a:p>
+            <a:pPr marL="514350" indent="-514350"/>
+            <a:r>
+              <a:rPr lang="en-US" b="1" dirty="0" smtClean="0"/>
+              <a:t>Global Downtime: 0</a:t>
+            </a:r>
+          </a:p>
+          <a:p>
+            <a:pPr marL="514350" indent="-514350"/>
+            <a:r>
+              <a:rPr lang="en-US" b="1" dirty="0" smtClean="0"/>
+              <a:t>Local Downtime: a few seconds</a:t>
+            </a:r>
+            <a:endParaRPr lang="en-US" b="1" dirty="0"/>
+          </a:p>
+        </p:txBody>
+      </p:sp>
+      <p:sp>
+        <p:nvSpPr>
+          <p:cNvPr id="4" name="Slide Number Placeholder 3"/>
+          <p:cNvSpPr>
+            <a:spLocks noGrp="1"/>
+          </p:cNvSpPr>
+          <p:nvPr>
+            <p:ph type="sldNum" sz="quarter" idx="11"/>
+          </p:nvPr>
+        </p:nvSpPr>
+        <p:spPr/>
+        <p:txBody>
+          <a:bodyPr/>
+          <a:lstStyle/>
+          <a:p>
+            <a:pPr>
+              <a:defRPr/>
+            </a:pPr>
+            <a:fld id="{7BA483FD-CADB-4A1C-B345-9747A915C178}" type="slidenum">
+              <a:rPr lang="en-US" smtClean="0"/>
+              <a:pPr>
+                <a:defRPr/>
+              </a:pPr>
+              <a:t>8</a:t>
+            </a:fld>
+            <a:endParaRPr lang="en-US" dirty="0"/>
+          </a:p>
+        </p:txBody>
+      </p:sp>
+    </p:spTree>
+  </p:cSld>
+  <p:clrMapOvr>
+    <a:masterClrMapping/>
+  </p:clrMapOvr>
+</p:sld>
+</file>
+
+<file path=ppt/slides/slide9.xml><?xml version="1.0" encoding="utf-8"?>
+<p:sld xmlns:a="http://schemas.openxmlformats.org/drawingml/2006/main" xmlns:r="http://schemas.openxmlformats.org/officeDocument/2006/relationships" xmlns:p="http://schemas.openxmlformats.org/presentationml/2006/main">
+  <p:cSld>
+    <p:spTree>
+      <p:nvGrpSpPr>
+        <p:cNvPr id="1" name=""/>
+        <p:cNvGrpSpPr/>
+        <p:nvPr/>
+      </p:nvGrpSpPr>
+      <p:grpSpPr>
+        <a:xfrm>
+          <a:off x="0" y="0"/>
+          <a:ext cx="0" cy="0"/>
+          <a:chOff x="0" y="0"/>
+          <a:chExt cx="0" cy="0"/>
+        </a:xfrm>
+      </p:grpSpPr>
+      <p:sp>
+        <p:nvSpPr>
+          <p:cNvPr id="2" name="Title 1"/>
+          <p:cNvSpPr>
+            <a:spLocks noGrp="1"/>
+          </p:cNvSpPr>
+          <p:nvPr>
+            <p:ph type="title"/>
+          </p:nvPr>
+        </p:nvSpPr>
+        <p:spPr/>
+        <p:txBody>
+          <a:bodyPr/>
+          <a:lstStyle/>
+          <a:p>
+            <a:r>
+              <a:rPr lang="en-US" dirty="0" smtClean="0"/>
+              <a:t>Service Server</a:t>
+            </a:r>
+            <a:endParaRPr lang="en-US" dirty="0"/>
+          </a:p>
+        </p:txBody>
+      </p:sp>
+      <p:sp>
+        <p:nvSpPr>
+          <p:cNvPr id="4" name="Slide Number Placeholder 3"/>
+          <p:cNvSpPr>
+            <a:spLocks noGrp="1"/>
+          </p:cNvSpPr>
+          <p:nvPr>
+            <p:ph type="sldNum" sz="quarter" idx="11"/>
+          </p:nvPr>
+        </p:nvSpPr>
+        <p:spPr/>
+        <p:txBody>
+          <a:bodyPr/>
+          <a:lstStyle/>
+          <a:p>
+            <a:pPr>
+              <a:defRPr/>
+            </a:pPr>
+            <a:fld id="{7BA483FD-CADB-4A1C-B345-9747A915C178}" type="slidenum">
+              <a:rPr lang="en-US" smtClean="0"/>
+              <a:pPr>
+                <a:defRPr/>
+              </a:pPr>
+              <a:t>9</a:t>
             </a:fld>
             <a:endParaRPr lang="en-US" dirty="0"/>
           </a:p>
@@ -14154,649 +15859,6 @@
           </a:ln>
         </p:spPr>
       </p:pic>
-    </p:spTree>
-  </p:cSld>
-  <p:clrMapOvr>
-    <a:masterClrMapping/>
-  </p:clrMapOvr>
-</p:sld>
-</file>
-
-<file path=ppt/slides/slide6.xml><?xml version="1.0" encoding="utf-8"?>
-<p:sld xmlns:a="http://schemas.openxmlformats.org/drawingml/2006/main" xmlns:r="http://schemas.openxmlformats.org/officeDocument/2006/relationships" xmlns:p="http://schemas.openxmlformats.org/presentationml/2006/main">
-  <p:cSld>
-    <p:spTree>
-      <p:nvGrpSpPr>
-        <p:cNvPr id="1" name=""/>
-        <p:cNvGrpSpPr/>
-        <p:nvPr/>
-      </p:nvGrpSpPr>
-      <p:grpSpPr>
-        <a:xfrm>
-          <a:off x="0" y="0"/>
-          <a:ext cx="0" cy="0"/>
-          <a:chOff x="0" y="0"/>
-          <a:chExt cx="0" cy="0"/>
-        </a:xfrm>
-      </p:grpSpPr>
-      <p:sp>
-        <p:nvSpPr>
-          <p:cNvPr id="2" name="Title 1"/>
-          <p:cNvSpPr>
-            <a:spLocks noGrp="1"/>
-          </p:cNvSpPr>
-          <p:nvPr>
-            <p:ph type="title"/>
-          </p:nvPr>
-        </p:nvSpPr>
-        <p:spPr/>
-        <p:txBody>
-          <a:bodyPr/>
-          <a:lstStyle/>
-          <a:p>
-            <a:r>
-              <a:rPr lang="en-US" dirty="0" smtClean="0"/>
-              <a:t>Scalability &amp; Availability</a:t>
-            </a:r>
-            <a:endParaRPr lang="en-US" dirty="0"/>
-          </a:p>
-        </p:txBody>
-      </p:sp>
-      <p:sp>
-        <p:nvSpPr>
-          <p:cNvPr id="3" name="Content Placeholder 2"/>
-          <p:cNvSpPr>
-            <a:spLocks noGrp="1"/>
-          </p:cNvSpPr>
-          <p:nvPr>
-            <p:ph idx="1"/>
-          </p:nvPr>
-        </p:nvSpPr>
-        <p:spPr/>
-        <p:txBody>
-          <a:bodyPr/>
-          <a:lstStyle/>
-          <a:p>
-            <a:r>
-              <a:rPr lang="en-US" dirty="0" smtClean="0"/>
-              <a:t>Horizontal scale:</a:t>
-            </a:r>
-          </a:p>
-          <a:p>
-            <a:pPr lvl="1"/>
-            <a:r>
-              <a:rPr lang="en-US" dirty="0" smtClean="0"/>
-              <a:t>1 to N service servers</a:t>
-            </a:r>
-          </a:p>
-          <a:p>
-            <a:pPr lvl="1"/>
-            <a:r>
-              <a:rPr lang="en-US" dirty="0" smtClean="0"/>
-              <a:t>1 to N web servers</a:t>
-            </a:r>
-          </a:p>
-          <a:p>
-            <a:pPr lvl="1"/>
-            <a:r>
-              <a:rPr lang="en-US" dirty="0" smtClean="0"/>
-              <a:t>1 to N cache servers</a:t>
-            </a:r>
-          </a:p>
-          <a:p>
-            <a:r>
-              <a:rPr lang="en-US" dirty="0" smtClean="0"/>
-              <a:t>Each service server has a complete copy of all services</a:t>
-            </a:r>
-          </a:p>
-          <a:p>
-            <a:r>
-              <a:rPr lang="en-US" dirty="0" smtClean="0"/>
-              <a:t>Web, Service and Cache servers are on independent layers</a:t>
-            </a:r>
-          </a:p>
-          <a:p>
-            <a:pPr lvl="1"/>
-            <a:endParaRPr lang="en-US" dirty="0"/>
-          </a:p>
-        </p:txBody>
-      </p:sp>
-      <p:sp>
-        <p:nvSpPr>
-          <p:cNvPr id="4" name="Slide Number Placeholder 3"/>
-          <p:cNvSpPr>
-            <a:spLocks noGrp="1"/>
-          </p:cNvSpPr>
-          <p:nvPr>
-            <p:ph type="sldNum" sz="quarter" idx="11"/>
-          </p:nvPr>
-        </p:nvSpPr>
-        <p:spPr/>
-        <p:txBody>
-          <a:bodyPr/>
-          <a:lstStyle/>
-          <a:p>
-            <a:pPr>
-              <a:defRPr/>
-            </a:pPr>
-            <a:fld id="{7BA483FD-CADB-4A1C-B345-9747A915C178}" type="slidenum">
-              <a:rPr lang="en-US" smtClean="0"/>
-              <a:pPr>
-                <a:defRPr/>
-              </a:pPr>
-              <a:t>6</a:t>
-            </a:fld>
-            <a:endParaRPr lang="en-US" dirty="0"/>
-          </a:p>
-        </p:txBody>
-      </p:sp>
-    </p:spTree>
-  </p:cSld>
-  <p:clrMapOvr>
-    <a:masterClrMapping/>
-  </p:clrMapOvr>
-</p:sld>
-</file>
-
-<file path=ppt/slides/slide7.xml><?xml version="1.0" encoding="utf-8"?>
-<p:sld xmlns:a="http://schemas.openxmlformats.org/drawingml/2006/main" xmlns:r="http://schemas.openxmlformats.org/officeDocument/2006/relationships" xmlns:p="http://schemas.openxmlformats.org/presentationml/2006/main">
-  <p:cSld>
-    <p:spTree>
-      <p:nvGrpSpPr>
-        <p:cNvPr id="1" name=""/>
-        <p:cNvGrpSpPr/>
-        <p:nvPr/>
-      </p:nvGrpSpPr>
-      <p:grpSpPr>
-        <a:xfrm>
-          <a:off x="0" y="0"/>
-          <a:ext cx="0" cy="0"/>
-          <a:chOff x="0" y="0"/>
-          <a:chExt cx="0" cy="0"/>
-        </a:xfrm>
-      </p:grpSpPr>
-      <p:sp>
-        <p:nvSpPr>
-          <p:cNvPr id="2" name="Title 1"/>
-          <p:cNvSpPr>
-            <a:spLocks noGrp="1"/>
-          </p:cNvSpPr>
-          <p:nvPr>
-            <p:ph type="title"/>
-          </p:nvPr>
-        </p:nvSpPr>
-        <p:spPr/>
-        <p:txBody>
-          <a:bodyPr/>
-          <a:lstStyle/>
-          <a:p>
-            <a:r>
-              <a:rPr lang="en-US" sz="2800" dirty="0" smtClean="0"/>
-              <a:t>Service Deployment, Management &amp; </a:t>
-            </a:r>
-            <a:r>
-              <a:rPr lang="en-US" sz="2800" dirty="0" smtClean="0"/>
-              <a:t>Interaction - Overview</a:t>
-            </a:r>
-            <a:endParaRPr lang="en-US" sz="2800" dirty="0"/>
-          </a:p>
-        </p:txBody>
-      </p:sp>
-      <p:sp>
-        <p:nvSpPr>
-          <p:cNvPr id="4" name="Slide Number Placeholder 3"/>
-          <p:cNvSpPr>
-            <a:spLocks noGrp="1"/>
-          </p:cNvSpPr>
-          <p:nvPr>
-            <p:ph type="sldNum" sz="quarter" idx="11"/>
-          </p:nvPr>
-        </p:nvSpPr>
-        <p:spPr/>
-        <p:txBody>
-          <a:bodyPr/>
-          <a:lstStyle/>
-          <a:p>
-            <a:pPr>
-              <a:defRPr/>
-            </a:pPr>
-            <a:fld id="{7BA483FD-CADB-4A1C-B345-9747A915C178}" type="slidenum">
-              <a:rPr lang="en-US" smtClean="0"/>
-              <a:pPr>
-                <a:defRPr/>
-              </a:pPr>
-              <a:t>7</a:t>
-            </a:fld>
-            <a:endParaRPr lang="en-US" dirty="0"/>
-          </a:p>
-        </p:txBody>
-      </p:sp>
-      <p:pic>
-        <p:nvPicPr>
-          <p:cNvPr id="1027" name="Picture 3"/>
-          <p:cNvPicPr>
-            <a:picLocks noGrp="1" noChangeAspect="1" noChangeArrowheads="1"/>
-          </p:cNvPicPr>
-          <p:nvPr>
-            <p:ph idx="1"/>
-          </p:nvPr>
-        </p:nvPicPr>
-        <p:blipFill>
-          <a:blip r:embed="rId3" cstate="print"/>
-          <a:srcRect/>
-          <a:stretch>
-            <a:fillRect/>
-          </a:stretch>
-        </p:blipFill>
-        <p:spPr bwMode="auto">
-          <a:xfrm>
-            <a:off x="457200" y="2487204"/>
-            <a:ext cx="8229600" cy="2753542"/>
-          </a:xfrm>
-          <a:prstGeom prst="rect">
-            <a:avLst/>
-          </a:prstGeom>
-          <a:noFill/>
-          <a:ln w="9525">
-            <a:noFill/>
-            <a:miter lim="800000"/>
-            <a:headEnd/>
-            <a:tailEnd/>
-          </a:ln>
-        </p:spPr>
-      </p:pic>
-    </p:spTree>
-  </p:cSld>
-  <p:clrMapOvr>
-    <a:masterClrMapping/>
-  </p:clrMapOvr>
-</p:sld>
-</file>
-
-<file path=ppt/slides/slide8.xml><?xml version="1.0" encoding="utf-8"?>
-<p:sld xmlns:a="http://schemas.openxmlformats.org/drawingml/2006/main" xmlns:r="http://schemas.openxmlformats.org/officeDocument/2006/relationships" xmlns:p="http://schemas.openxmlformats.org/presentationml/2006/main">
-  <p:cSld>
-    <p:spTree>
-      <p:nvGrpSpPr>
-        <p:cNvPr id="1" name=""/>
-        <p:cNvGrpSpPr/>
-        <p:nvPr/>
-      </p:nvGrpSpPr>
-      <p:grpSpPr>
-        <a:xfrm>
-          <a:off x="0" y="0"/>
-          <a:ext cx="0" cy="0"/>
-          <a:chOff x="0" y="0"/>
-          <a:chExt cx="0" cy="0"/>
-        </a:xfrm>
-      </p:grpSpPr>
-      <p:sp>
-        <p:nvSpPr>
-          <p:cNvPr id="2" name="Title 1"/>
-          <p:cNvSpPr>
-            <a:spLocks noGrp="1"/>
-          </p:cNvSpPr>
-          <p:nvPr>
-            <p:ph type="title"/>
-          </p:nvPr>
-        </p:nvSpPr>
-        <p:spPr/>
-        <p:txBody>
-          <a:bodyPr/>
-          <a:lstStyle/>
-          <a:p>
-            <a:r>
-              <a:rPr lang="en-US" sz="2800" dirty="0" smtClean="0"/>
-              <a:t>Service Deployment, Management &amp; Interaction </a:t>
-            </a:r>
-            <a:r>
-              <a:rPr lang="en-US" sz="2800" dirty="0" smtClean="0"/>
-              <a:t>- Service Platform</a:t>
-            </a:r>
-            <a:endParaRPr lang="en-US" sz="2800" dirty="0"/>
-          </a:p>
-        </p:txBody>
-      </p:sp>
-      <p:sp>
-        <p:nvSpPr>
-          <p:cNvPr id="4" name="Slide Number Placeholder 3"/>
-          <p:cNvSpPr>
-            <a:spLocks noGrp="1"/>
-          </p:cNvSpPr>
-          <p:nvPr>
-            <p:ph type="sldNum" sz="quarter" idx="11"/>
-          </p:nvPr>
-        </p:nvSpPr>
-        <p:spPr/>
-        <p:txBody>
-          <a:bodyPr/>
-          <a:lstStyle/>
-          <a:p>
-            <a:pPr>
-              <a:defRPr/>
-            </a:pPr>
-            <a:fld id="{7BA483FD-CADB-4A1C-B345-9747A915C178}" type="slidenum">
-              <a:rPr lang="en-US" smtClean="0"/>
-              <a:pPr>
-                <a:defRPr/>
-              </a:pPr>
-              <a:t>8</a:t>
-            </a:fld>
-            <a:endParaRPr lang="en-US" dirty="0"/>
-          </a:p>
-        </p:txBody>
-      </p:sp>
-      <p:pic>
-        <p:nvPicPr>
-          <p:cNvPr id="2050" name="Picture 2"/>
-          <p:cNvPicPr>
-            <a:picLocks noGrp="1" noChangeAspect="1" noChangeArrowheads="1"/>
-          </p:cNvPicPr>
-          <p:nvPr>
-            <p:ph idx="1"/>
-          </p:nvPr>
-        </p:nvPicPr>
-        <p:blipFill>
-          <a:blip r:embed="rId3" cstate="print"/>
-          <a:srcRect/>
-          <a:stretch>
-            <a:fillRect/>
-          </a:stretch>
-        </p:blipFill>
-        <p:spPr bwMode="auto">
-          <a:xfrm>
-            <a:off x="2652712" y="2820987"/>
-            <a:ext cx="3838575" cy="2085975"/>
-          </a:xfrm>
-          <a:prstGeom prst="rect">
-            <a:avLst/>
-          </a:prstGeom>
-          <a:noFill/>
-          <a:ln w="9525">
-            <a:noFill/>
-            <a:miter lim="800000"/>
-            <a:headEnd/>
-            <a:tailEnd/>
-          </a:ln>
-        </p:spPr>
-      </p:pic>
-    </p:spTree>
-  </p:cSld>
-  <p:clrMapOvr>
-    <a:masterClrMapping/>
-  </p:clrMapOvr>
-</p:sld>
-</file>
-
-<file path=ppt/slides/slide9.xml><?xml version="1.0" encoding="utf-8"?>
-<p:sld xmlns:a="http://schemas.openxmlformats.org/drawingml/2006/main" xmlns:r="http://schemas.openxmlformats.org/officeDocument/2006/relationships" xmlns:p="http://schemas.openxmlformats.org/presentationml/2006/main">
-  <p:cSld>
-    <p:spTree>
-      <p:nvGrpSpPr>
-        <p:cNvPr id="1" name=""/>
-        <p:cNvGrpSpPr/>
-        <p:nvPr/>
-      </p:nvGrpSpPr>
-      <p:grpSpPr>
-        <a:xfrm>
-          <a:off x="0" y="0"/>
-          <a:ext cx="0" cy="0"/>
-          <a:chOff x="0" y="0"/>
-          <a:chExt cx="0" cy="0"/>
-        </a:xfrm>
-      </p:grpSpPr>
-      <p:sp>
-        <p:nvSpPr>
-          <p:cNvPr id="2" name="Title 1"/>
-          <p:cNvSpPr>
-            <a:spLocks noGrp="1"/>
-          </p:cNvSpPr>
-          <p:nvPr>
-            <p:ph type="title"/>
-          </p:nvPr>
-        </p:nvSpPr>
-        <p:spPr/>
-        <p:txBody>
-          <a:bodyPr/>
-          <a:lstStyle/>
-          <a:p>
-            <a:r>
-              <a:rPr lang="en-US" sz="2800" dirty="0" smtClean="0"/>
-              <a:t>Service Deployment, Management &amp; Interaction </a:t>
-            </a:r>
-            <a:r>
-              <a:rPr lang="en-US" sz="2800" dirty="0" smtClean="0"/>
-              <a:t>- Service Description (provider example)</a:t>
-            </a:r>
-            <a:endParaRPr lang="en-US" sz="2800" dirty="0"/>
-          </a:p>
-        </p:txBody>
-      </p:sp>
-      <p:sp>
-        <p:nvSpPr>
-          <p:cNvPr id="3" name="Content Placeholder 2"/>
-          <p:cNvSpPr>
-            <a:spLocks noGrp="1"/>
-          </p:cNvSpPr>
-          <p:nvPr>
-            <p:ph idx="1"/>
-          </p:nvPr>
-        </p:nvSpPr>
-        <p:spPr/>
-        <p:txBody>
-          <a:bodyPr/>
-          <a:lstStyle/>
-          <a:p>
-            <a:r>
-              <a:rPr lang="en-US" sz="2400" dirty="0" smtClean="0">
-                <a:latin typeface="Courier New" pitchFamily="49" charset="0"/>
-                <a:cs typeface="Courier New" pitchFamily="49" charset="0"/>
-              </a:rPr>
-              <a:t>Bundle-Name: </a:t>
-            </a:r>
-            <a:r>
-              <a:rPr lang="en-US" sz="2400" dirty="0" smtClean="0">
-                <a:latin typeface="Courier New" pitchFamily="49" charset="0"/>
-                <a:cs typeface="Courier New" pitchFamily="49" charset="0"/>
-              </a:rPr>
-              <a:t>Provider</a:t>
-            </a:r>
-          </a:p>
-          <a:p>
-            <a:r>
-              <a:rPr lang="en-US" sz="2400" dirty="0" smtClean="0">
-                <a:latin typeface="Courier New" pitchFamily="49" charset="0"/>
-                <a:cs typeface="Courier New" pitchFamily="49" charset="0"/>
-              </a:rPr>
-              <a:t>Bundle-Description</a:t>
-            </a:r>
-            <a:r>
-              <a:rPr lang="en-US" sz="2400" dirty="0" smtClean="0">
-                <a:latin typeface="Courier New" pitchFamily="49" charset="0"/>
-                <a:cs typeface="Courier New" pitchFamily="49" charset="0"/>
-              </a:rPr>
-              <a:t>: A </a:t>
-            </a:r>
-            <a:r>
-              <a:rPr lang="en-US" sz="2400" dirty="0" smtClean="0">
-                <a:latin typeface="Courier New" pitchFamily="49" charset="0"/>
-                <a:cs typeface="Courier New" pitchFamily="49" charset="0"/>
-              </a:rPr>
-              <a:t>service provider sample</a:t>
-            </a:r>
-          </a:p>
-          <a:p>
-            <a:r>
-              <a:rPr lang="en-US" sz="2400" dirty="0" smtClean="0">
-                <a:latin typeface="Courier New" pitchFamily="49" charset="0"/>
-                <a:cs typeface="Courier New" pitchFamily="49" charset="0"/>
-              </a:rPr>
-              <a:t>Bundle-Vendor</a:t>
-            </a:r>
-            <a:r>
-              <a:rPr lang="en-US" sz="2400" dirty="0" smtClean="0">
-                <a:latin typeface="Courier New" pitchFamily="49" charset="0"/>
-                <a:cs typeface="Courier New" pitchFamily="49" charset="0"/>
-              </a:rPr>
-              <a:t>: </a:t>
-            </a:r>
-            <a:r>
-              <a:rPr lang="en-US" sz="2400" dirty="0" smtClean="0">
-                <a:latin typeface="Courier New" pitchFamily="49" charset="0"/>
-                <a:cs typeface="Courier New" pitchFamily="49" charset="0"/>
-              </a:rPr>
-              <a:t>VNG GPI</a:t>
-            </a:r>
-          </a:p>
-          <a:p>
-            <a:r>
-              <a:rPr lang="en-US" sz="2400" dirty="0" smtClean="0">
-                <a:latin typeface="Courier New" pitchFamily="49" charset="0"/>
-                <a:cs typeface="Courier New" pitchFamily="49" charset="0"/>
-              </a:rPr>
-              <a:t>Bundle-Version</a:t>
-            </a:r>
-            <a:r>
-              <a:rPr lang="en-US" sz="2400" dirty="0" smtClean="0">
-                <a:latin typeface="Courier New" pitchFamily="49" charset="0"/>
-                <a:cs typeface="Courier New" pitchFamily="49" charset="0"/>
-              </a:rPr>
-              <a:t>: </a:t>
-            </a:r>
-            <a:r>
-              <a:rPr lang="en-US" sz="2400" dirty="0" smtClean="0">
-                <a:latin typeface="Courier New" pitchFamily="49" charset="0"/>
-                <a:cs typeface="Courier New" pitchFamily="49" charset="0"/>
-              </a:rPr>
-              <a:t>1.0.0</a:t>
-            </a:r>
-          </a:p>
-          <a:p>
-            <a:r>
-              <a:rPr lang="en-US" sz="2400" dirty="0" smtClean="0">
-                <a:latin typeface="Courier New" pitchFamily="49" charset="0"/>
-                <a:cs typeface="Courier New" pitchFamily="49" charset="0"/>
-              </a:rPr>
-              <a:t>Bundle-Activator: vng.example1.Activator</a:t>
-            </a:r>
-          </a:p>
-          <a:p>
-            <a:r>
-              <a:rPr lang="en-US" sz="2400" dirty="0" smtClean="0">
-                <a:latin typeface="Courier New" pitchFamily="49" charset="0"/>
-                <a:cs typeface="Courier New" pitchFamily="49" charset="0"/>
-              </a:rPr>
-              <a:t>Export-Package</a:t>
-            </a:r>
-            <a:r>
-              <a:rPr lang="en-US" sz="2400" dirty="0" smtClean="0">
-                <a:latin typeface="Courier New" pitchFamily="49" charset="0"/>
-                <a:cs typeface="Courier New" pitchFamily="49" charset="0"/>
-              </a:rPr>
-              <a:t>: </a:t>
-            </a:r>
-            <a:r>
-              <a:rPr lang="en-US" sz="2400" dirty="0" smtClean="0">
-                <a:latin typeface="Courier New" pitchFamily="49" charset="0"/>
-                <a:cs typeface="Courier New" pitchFamily="49" charset="0"/>
-              </a:rPr>
-              <a:t>vng.example1.service</a:t>
-            </a:r>
-          </a:p>
-          <a:p>
-            <a:r>
-              <a:rPr lang="en-US" sz="2400" dirty="0" smtClean="0">
-                <a:latin typeface="Courier New" pitchFamily="49" charset="0"/>
-                <a:cs typeface="Courier New" pitchFamily="49" charset="0"/>
-              </a:rPr>
-              <a:t>Import-Package</a:t>
-            </a:r>
-            <a:r>
-              <a:rPr lang="en-US" sz="2400" dirty="0" smtClean="0">
-                <a:latin typeface="Courier New" pitchFamily="49" charset="0"/>
-                <a:cs typeface="Courier New" pitchFamily="49" charset="0"/>
-              </a:rPr>
-              <a:t>: </a:t>
-            </a:r>
-            <a:r>
-              <a:rPr lang="en-US" sz="2400" dirty="0" err="1" smtClean="0">
-                <a:latin typeface="Courier New" pitchFamily="49" charset="0"/>
-                <a:cs typeface="Courier New" pitchFamily="49" charset="0"/>
-              </a:rPr>
-              <a:t>org.osgi.framework</a:t>
-            </a:r>
-            <a:r>
-              <a:rPr lang="en-US" sz="2400" dirty="0" smtClean="0">
-                <a:latin typeface="Courier New" pitchFamily="49" charset="0"/>
-                <a:cs typeface="Courier New" pitchFamily="49" charset="0"/>
-              </a:rPr>
-              <a:t> </a:t>
-            </a:r>
-            <a:endParaRPr lang="en-US" sz="2400" dirty="0">
-              <a:latin typeface="Courier New" pitchFamily="49" charset="0"/>
-              <a:cs typeface="Courier New" pitchFamily="49" charset="0"/>
-            </a:endParaRPr>
-          </a:p>
-        </p:txBody>
-      </p:sp>
-      <p:sp>
-        <p:nvSpPr>
-          <p:cNvPr id="4" name="Slide Number Placeholder 3"/>
-          <p:cNvSpPr>
-            <a:spLocks noGrp="1"/>
-          </p:cNvSpPr>
-          <p:nvPr>
-            <p:ph type="sldNum" sz="quarter" idx="11"/>
-          </p:nvPr>
-        </p:nvSpPr>
-        <p:spPr/>
-        <p:txBody>
-          <a:bodyPr/>
-          <a:lstStyle/>
-          <a:p>
-            <a:pPr>
-              <a:defRPr/>
-            </a:pPr>
-            <a:fld id="{7BA483FD-CADB-4A1C-B345-9747A915C178}" type="slidenum">
-              <a:rPr lang="en-US" smtClean="0"/>
-              <a:pPr>
-                <a:defRPr/>
-              </a:pPr>
-              <a:t>9</a:t>
-            </a:fld>
-            <a:endParaRPr lang="en-US" dirty="0"/>
-          </a:p>
-        </p:txBody>
-      </p:sp>
-      <p:sp>
-        <p:nvSpPr>
-          <p:cNvPr id="5" name="Date Placeholder 4"/>
-          <p:cNvSpPr>
-            <a:spLocks noGrp="1"/>
-          </p:cNvSpPr>
-          <p:nvPr>
-            <p:ph type="dt" sz="half" idx="12"/>
-          </p:nvPr>
-        </p:nvSpPr>
-        <p:spPr/>
-        <p:txBody>
-          <a:bodyPr/>
-          <a:lstStyle/>
-          <a:p>
-            <a:pPr>
-              <a:defRPr/>
-            </a:pPr>
-            <a:fld id="{1617771B-F269-4332-8377-EA23B65099CA}" type="datetime3">
-              <a:rPr lang="en-US" smtClean="0"/>
-              <a:pPr>
-                <a:defRPr/>
-              </a:pPr>
-              <a:t>12 January 2011</a:t>
-            </a:fld>
-            <a:endParaRPr lang="en-US" dirty="0"/>
-          </a:p>
-        </p:txBody>
-      </p:sp>
     </p:spTree>
   </p:cSld>
   <p:clrMapOvr>
@@ -16514,19 +17576,6 @@
 </file>
 
 <file path=customXml/item1.xml><?xml version="1.0" encoding="utf-8"?>
-<LongProperties xmlns="http://schemas.microsoft.com/office/2006/metadata/longProperties"/>
-</file>
-
-<file path=customXml/item2.xml><?xml version="1.0" encoding="utf-8"?>
-<?mso-contentType ?>
-<FormTemplates xmlns="http://schemas.microsoft.com/sharepoint/v3/contenttype/forms">
-  <Display>DocumentLibraryForm</Display>
-  <Edit>DocumentLibraryForm</Edit>
-  <New>DocumentLibraryForm</New>
-</FormTemplates>
-</file>
-
-<file path=customXml/item3.xml><?xml version="1.0" encoding="utf-8"?>
 <ct:contentTypeSchema xmlns:ct="http://schemas.microsoft.com/office/2006/metadata/contentType" xmlns:ma="http://schemas.microsoft.com/office/2006/metadata/properties/metaAttributes" ct:_="" ma:_="" ma:contentTypeName="Document" ma:contentTypeID="0x010100797E94D878EF7E4481CCE1736EE37636" ma:contentTypeVersion="0" ma:contentTypeDescription="Create a new document." ma:contentTypeScope="" ma:versionID="5c544f42153d6c39e9d590efc7b390ff">
   <xsd:schema xmlns:xsd="http://www.w3.org/2001/XMLSchema" xmlns:p="http://schemas.microsoft.com/office/2006/metadata/properties" targetNamespace="http://schemas.microsoft.com/office/2006/metadata/properties" ma:root="true" ma:fieldsID="4aeb20c0e3442673af7ee10786458764">
     <xsd:element name="properties">
@@ -16575,6 +17624,19 @@
 </ct:contentTypeSchema>
 </file>
 
+<file path=customXml/item2.xml><?xml version="1.0" encoding="utf-8"?>
+<?mso-contentType ?>
+<FormTemplates xmlns="http://schemas.microsoft.com/sharepoint/v3/contenttype/forms">
+  <Display>DocumentLibraryForm</Display>
+  <Edit>DocumentLibraryForm</Edit>
+  <New>DocumentLibraryForm</New>
+</FormTemplates>
+</file>
+
+<file path=customXml/item3.xml><?xml version="1.0" encoding="utf-8"?>
+<LongProperties xmlns="http://schemas.microsoft.com/office/2006/metadata/longProperties"/>
+</file>
+
 <file path=customXml/item4.xml><?xml version="1.0" encoding="utf-8"?>
 <p:properties xmlns:p="http://schemas.microsoft.com/office/2006/metadata/properties" xmlns:xsi="http://www.w3.org/2001/XMLSchema-instance">
   <documentManagement/>
@@ -16582,22 +17644,6 @@
 </file>
 
 <file path=customXml/itemProps1.xml><?xml version="1.0" encoding="utf-8"?>
-<ds:datastoreItem xmlns:ds="http://schemas.openxmlformats.org/officeDocument/2006/customXml" ds:itemID="{3A52E100-988B-4AD7-BEE7-143E221E4D56}">
-  <ds:schemaRefs>
-    <ds:schemaRef ds:uri="http://schemas.microsoft.com/office/2006/metadata/longProperties"/>
-  </ds:schemaRefs>
-</ds:datastoreItem>
-</file>
-
-<file path=customXml/itemProps2.xml><?xml version="1.0" encoding="utf-8"?>
-<ds:datastoreItem xmlns:ds="http://schemas.openxmlformats.org/officeDocument/2006/customXml" ds:itemID="{47AC431E-914B-41CD-8266-410056DEBF70}">
-  <ds:schemaRefs>
-    <ds:schemaRef ds:uri="http://schemas.microsoft.com/sharepoint/v3/contenttype/forms"/>
-  </ds:schemaRefs>
-</ds:datastoreItem>
-</file>
-
-<file path=customXml/itemProps3.xml><?xml version="1.0" encoding="utf-8"?>
 <ds:datastoreItem xmlns:ds="http://schemas.openxmlformats.org/officeDocument/2006/customXml" ds:itemID="{D3155E93-EBFB-4114-80A6-E3D454F8BEC6}">
   <ds:schemaRefs>
     <ds:schemaRef ds:uri="http://schemas.microsoft.com/office/2006/metadata/contentType"/>
@@ -16612,6 +17658,22 @@
 </ds:datastoreItem>
 </file>
 
+<file path=customXml/itemProps2.xml><?xml version="1.0" encoding="utf-8"?>
+<ds:datastoreItem xmlns:ds="http://schemas.openxmlformats.org/officeDocument/2006/customXml" ds:itemID="{47AC431E-914B-41CD-8266-410056DEBF70}">
+  <ds:schemaRefs>
+    <ds:schemaRef ds:uri="http://schemas.microsoft.com/sharepoint/v3/contenttype/forms"/>
+  </ds:schemaRefs>
+</ds:datastoreItem>
+</file>
+
+<file path=customXml/itemProps3.xml><?xml version="1.0" encoding="utf-8"?>
+<ds:datastoreItem xmlns:ds="http://schemas.openxmlformats.org/officeDocument/2006/customXml" ds:itemID="{3A52E100-988B-4AD7-BEE7-143E221E4D56}">
+  <ds:schemaRefs>
+    <ds:schemaRef ds:uri="http://schemas.microsoft.com/office/2006/metadata/longProperties"/>
+  </ds:schemaRefs>
+</ds:datastoreItem>
+</file>
+
 <file path=customXml/itemProps4.xml><?xml version="1.0" encoding="utf-8"?>
 <ds:datastoreItem xmlns:ds="http://schemas.openxmlformats.org/officeDocument/2006/customXml" ds:itemID="{436077F0-9306-4FEA-9E60-1A589A643FAE}">
   <ds:schemaRefs>

--- a/vng-ip/NewIP/docs/Design/NewIP.pptx
+++ b/vng-ip/NewIP/docs/Design/NewIP.pptx
@@ -8,10 +8,10 @@
     <p:sldMasterId id="2147487912" r:id="rId8"/>
   </p:sldMasterIdLst>
   <p:notesMasterIdLst>
-    <p:notesMasterId r:id="rId27"/>
+    <p:notesMasterId r:id="rId28"/>
   </p:notesMasterIdLst>
   <p:handoutMasterIdLst>
-    <p:handoutMasterId r:id="rId28"/>
+    <p:handoutMasterId r:id="rId29"/>
   </p:handoutMasterIdLst>
   <p:sldIdLst>
     <p:sldId id="353" r:id="rId9"/>
@@ -19,19 +19,20 @@
     <p:sldId id="359" r:id="rId11"/>
     <p:sldId id="355" r:id="rId12"/>
     <p:sldId id="357" r:id="rId13"/>
-    <p:sldId id="366" r:id="rId14"/>
-    <p:sldId id="367" r:id="rId15"/>
-    <p:sldId id="368" r:id="rId16"/>
-    <p:sldId id="356" r:id="rId17"/>
-    <p:sldId id="361" r:id="rId18"/>
-    <p:sldId id="369" r:id="rId19"/>
-    <p:sldId id="362" r:id="rId20"/>
-    <p:sldId id="363" r:id="rId21"/>
-    <p:sldId id="364" r:id="rId22"/>
-    <p:sldId id="365" r:id="rId23"/>
-    <p:sldId id="370" r:id="rId24"/>
-    <p:sldId id="358" r:id="rId25"/>
-    <p:sldId id="360" r:id="rId26"/>
+    <p:sldId id="371" r:id="rId14"/>
+    <p:sldId id="366" r:id="rId15"/>
+    <p:sldId id="367" r:id="rId16"/>
+    <p:sldId id="368" r:id="rId17"/>
+    <p:sldId id="356" r:id="rId18"/>
+    <p:sldId id="361" r:id="rId19"/>
+    <p:sldId id="369" r:id="rId20"/>
+    <p:sldId id="362" r:id="rId21"/>
+    <p:sldId id="363" r:id="rId22"/>
+    <p:sldId id="364" r:id="rId23"/>
+    <p:sldId id="365" r:id="rId24"/>
+    <p:sldId id="370" r:id="rId25"/>
+    <p:sldId id="358" r:id="rId26"/>
+    <p:sldId id="360" r:id="rId27"/>
   </p:sldIdLst>
   <p:sldSz cx="9144000" cy="6858000" type="screen4x3"/>
   <p:notesSz cx="6985000" cy="9283700"/>
@@ -260,7 +261,7 @@
               <a:pPr>
                 <a:defRPr/>
               </a:pPr>
-              <a:t>1/23/2011</a:t>
+              <a:t>1/26/2011</a:t>
             </a:fld>
             <a:endParaRPr lang="en-US"/>
           </a:p>
@@ -462,7 +463,7 @@
               <a:pPr>
                 <a:defRPr/>
               </a:pPr>
-              <a:t>1/23/2011</a:t>
+              <a:t>1/26/2011</a:t>
             </a:fld>
             <a:endParaRPr lang="en-US"/>
           </a:p>
@@ -963,7 +964,7 @@
               <a:pPr>
                 <a:defRPr/>
               </a:pPr>
-              <a:t>15</a:t>
+              <a:t>13</a:t>
             </a:fld>
             <a:endParaRPr lang="en-US"/>
           </a:p>
@@ -1114,7 +1115,11 @@
           </a:bodyPr>
           <a:lstStyle/>
           <a:p>
-            <a:endParaRPr lang="en-US" dirty="0"/>
+            <a:pPr>
+              <a:buFont typeface="Arial" charset="0"/>
+              <a:buNone/>
+            </a:pPr>
+            <a:endParaRPr lang="en-US" dirty="0" smtClean="0"/>
           </a:p>
         </p:txBody>
       </p:sp>
@@ -1142,6 +1147,93 @@
                 <a:defRPr/>
               </a:pPr>
               <a:t>17</a:t>
+            </a:fld>
+            <a:endParaRPr lang="en-US"/>
+          </a:p>
+        </p:txBody>
+      </p:sp>
+    </p:spTree>
+  </p:cSld>
+  <p:clrMapOvr>
+    <a:masterClrMapping/>
+  </p:clrMapOvr>
+</p:notes>
+</file>
+
+<file path=ppt/notesSlides/notesSlide13.xml><?xml version="1.0" encoding="utf-8"?>
+<p:notes xmlns:a="http://schemas.openxmlformats.org/drawingml/2006/main" xmlns:r="http://schemas.openxmlformats.org/officeDocument/2006/relationships" xmlns:p="http://schemas.openxmlformats.org/presentationml/2006/main">
+  <p:cSld>
+    <p:spTree>
+      <p:nvGrpSpPr>
+        <p:cNvPr id="1" name=""/>
+        <p:cNvGrpSpPr/>
+        <p:nvPr/>
+      </p:nvGrpSpPr>
+      <p:grpSpPr>
+        <a:xfrm>
+          <a:off x="0" y="0"/>
+          <a:ext cx="0" cy="0"/>
+          <a:chOff x="0" y="0"/>
+          <a:chExt cx="0" cy="0"/>
+        </a:xfrm>
+      </p:grpSpPr>
+      <p:sp>
+        <p:nvSpPr>
+          <p:cNvPr id="2" name="Slide Image Placeholder 1"/>
+          <p:cNvSpPr>
+            <a:spLocks noGrp="1" noRot="1" noChangeAspect="1"/>
+          </p:cNvSpPr>
+          <p:nvPr>
+            <p:ph type="sldImg"/>
+          </p:nvPr>
+        </p:nvSpPr>
+        <p:spPr/>
+      </p:sp>
+      <p:sp>
+        <p:nvSpPr>
+          <p:cNvPr id="3" name="Notes Placeholder 2"/>
+          <p:cNvSpPr>
+            <a:spLocks noGrp="1"/>
+          </p:cNvSpPr>
+          <p:nvPr>
+            <p:ph type="body" idx="1"/>
+          </p:nvPr>
+        </p:nvSpPr>
+        <p:spPr/>
+        <p:txBody>
+          <a:bodyPr>
+            <a:normAutofit/>
+          </a:bodyPr>
+          <a:lstStyle/>
+          <a:p>
+            <a:endParaRPr lang="en-US" dirty="0"/>
+          </a:p>
+        </p:txBody>
+      </p:sp>
+      <p:sp>
+        <p:nvSpPr>
+          <p:cNvPr id="4" name="Slide Number Placeholder 3"/>
+          <p:cNvSpPr>
+            <a:spLocks noGrp="1"/>
+          </p:cNvSpPr>
+          <p:nvPr>
+            <p:ph type="sldNum" sz="quarter" idx="10"/>
+          </p:nvPr>
+        </p:nvSpPr>
+        <p:spPr/>
+        <p:txBody>
+          <a:bodyPr/>
+          <a:lstStyle/>
+          <a:p>
+            <a:pPr>
+              <a:defRPr/>
+            </a:pPr>
+            <a:fld id="{D2734ABF-D6A6-4D5E-802A-97F82C2C757F}" type="slidenum">
+              <a:rPr lang="en-US" smtClean="0"/>
+              <a:pPr>
+                <a:defRPr/>
+              </a:pPr>
+              <a:t>18</a:t>
             </a:fld>
             <a:endParaRPr lang="en-US"/>
           </a:p>
@@ -1442,8 +1534,71 @@
           <a:p>
             <a:r>
               <a:rPr lang="en-US" dirty="0" smtClean="0"/>
-              <a:t>Note: no auto scale yet</a:t>
-            </a:r>
+              <a:t>Best</a:t>
+            </a:r>
+            <a:r>
+              <a:rPr lang="en-US" baseline="0" dirty="0" smtClean="0"/>
+              <a:t> practice:</a:t>
+            </a:r>
+          </a:p>
+          <a:p>
+            <a:pPr>
+              <a:buFontTx/>
+              <a:buChar char="-"/>
+            </a:pPr>
+            <a:r>
+              <a:rPr lang="en-US" baseline="0" dirty="0" smtClean="0"/>
+              <a:t>http://people.apache.org/~mturk/docs/article/ftwai.html</a:t>
+            </a:r>
+          </a:p>
+          <a:p>
+            <a:r>
+              <a:rPr lang="en-US" dirty="0" smtClean="0"/>
+              <a:t>Scalability:</a:t>
+            </a:r>
+          </a:p>
+          <a:p>
+            <a:pPr>
+              <a:buFontTx/>
+              <a:buChar char="-"/>
+            </a:pPr>
+            <a:r>
+              <a:rPr lang="en-US" baseline="0" dirty="0" smtClean="0"/>
+              <a:t>Free Tomcat from the load of static content</a:t>
+            </a:r>
+          </a:p>
+          <a:p>
+            <a:pPr>
+              <a:buFontTx/>
+              <a:buNone/>
+            </a:pPr>
+            <a:r>
+              <a:rPr lang="en-US" baseline="0" dirty="0" smtClean="0"/>
+              <a:t>Security:</a:t>
+            </a:r>
+          </a:p>
+          <a:p>
+            <a:pPr>
+              <a:buFontTx/>
+              <a:buChar char="-"/>
+            </a:pPr>
+            <a:r>
+              <a:rPr lang="en-US" baseline="0" dirty="0" smtClean="0"/>
+              <a:t>A firewall between Apache (public zone) and Tomcat (private zone)</a:t>
+            </a:r>
+          </a:p>
+          <a:p>
+            <a:pPr>
+              <a:buFontTx/>
+              <a:buChar char="-"/>
+            </a:pPr>
+            <a:endParaRPr lang="en-US" baseline="0" dirty="0" smtClean="0"/>
+          </a:p>
+          <a:p>
+            <a:pPr>
+              <a:buFontTx/>
+              <a:buNone/>
+            </a:pPr>
             <a:endParaRPr lang="en-US" dirty="0"/>
           </a:p>
         </p:txBody>
@@ -1713,44 +1868,11 @@
           </a:bodyPr>
           <a:lstStyle/>
           <a:p>
-            <a:pPr>
-              <a:buFont typeface="Arial" charset="0"/>
-              <a:buChar char="•"/>
-            </a:pPr>
-            <a:r>
-              <a:rPr lang="en-US" baseline="0" dirty="0" smtClean="0"/>
-              <a:t> Each service is an </a:t>
-            </a:r>
-            <a:r>
-              <a:rPr lang="en-US" baseline="0" dirty="0" err="1" smtClean="0"/>
-              <a:t>OSGi</a:t>
-            </a:r>
-            <a:r>
-              <a:rPr lang="en-US" baseline="0" dirty="0" smtClean="0"/>
-              <a:t> bundle</a:t>
-            </a:r>
-            <a:endParaRPr lang="en-US" dirty="0" smtClean="0"/>
-          </a:p>
-          <a:p>
-            <a:pPr>
-              <a:buFont typeface="Arial" charset="0"/>
-              <a:buChar char="•"/>
-            </a:pPr>
             <a:r>
               <a:rPr lang="en-US" dirty="0" smtClean="0"/>
-              <a:t> Each service server has a complete copy of all services</a:t>
-            </a:r>
-          </a:p>
-          <a:p>
-            <a:pPr>
-              <a:buFont typeface="Arial" charset="0"/>
-              <a:buChar char="•"/>
-            </a:pPr>
-            <a:r>
-              <a:rPr lang="en-US" baseline="0" dirty="0" smtClean="0"/>
-              <a:t> MM Server is the remote management &amp; monitoring tool</a:t>
-            </a:r>
-            <a:endParaRPr lang="en-US" dirty="0" smtClean="0"/>
+              <a:t>Note: no auto scale yet</a:t>
+            </a:r>
+            <a:endParaRPr lang="en-US" dirty="0"/>
           </a:p>
         </p:txBody>
       </p:sp>
@@ -1777,7 +1899,7 @@
               <a:pPr>
                 <a:defRPr/>
               </a:pPr>
-              <a:t>10</a:t>
+              <a:t>9</a:t>
             </a:fld>
             <a:endParaRPr lang="en-US"/>
           </a:p>
@@ -1963,8 +2085,41 @@
           <a:p>
             <a:pPr>
               <a:buFont typeface="Arial" charset="0"/>
-              <a:buNone/>
+              <a:buChar char="•"/>
             </a:pPr>
+            <a:r>
+              <a:rPr lang="en-US" baseline="0" dirty="0" smtClean="0"/>
+              <a:t> Each service is an </a:t>
+            </a:r>
+            <a:r>
+              <a:rPr lang="en-US" baseline="0" dirty="0" err="1" smtClean="0"/>
+              <a:t>OSGi</a:t>
+            </a:r>
+            <a:r>
+              <a:rPr lang="en-US" baseline="0" dirty="0" smtClean="0"/>
+              <a:t> bundle</a:t>
+            </a:r>
+            <a:endParaRPr lang="en-US" dirty="0" smtClean="0"/>
+          </a:p>
+          <a:p>
+            <a:pPr>
+              <a:buFont typeface="Arial" charset="0"/>
+              <a:buChar char="•"/>
+            </a:pPr>
+            <a:r>
+              <a:rPr lang="en-US" dirty="0" smtClean="0"/>
+              <a:t> Each service server has a complete copy of all services</a:t>
+            </a:r>
+          </a:p>
+          <a:p>
+            <a:pPr>
+              <a:buFont typeface="Arial" charset="0"/>
+              <a:buChar char="•"/>
+            </a:pPr>
+            <a:r>
+              <a:rPr lang="en-US" baseline="0" dirty="0" smtClean="0"/>
+              <a:t> MM Server is the remote management &amp; monitoring tool</a:t>
+            </a:r>
             <a:endParaRPr lang="en-US" dirty="0" smtClean="0"/>
           </a:p>
         </p:txBody>
@@ -2668,7 +2823,7 @@
               <a:pPr>
                 <a:defRPr/>
               </a:pPr>
-              <a:t>23 January 2011</a:t>
+              <a:t>26 January 2011</a:t>
             </a:fld>
             <a:endParaRPr lang="en-US" dirty="0"/>
           </a:p>
@@ -2846,7 +3001,7 @@
               <a:pPr>
                 <a:defRPr/>
               </a:pPr>
-              <a:t>23 January 2011</a:t>
+              <a:t>26 January 2011</a:t>
             </a:fld>
             <a:endParaRPr lang="en-US" dirty="0"/>
           </a:p>
@@ -3034,7 +3189,7 @@
               <a:pPr>
                 <a:defRPr/>
               </a:pPr>
-              <a:t>23 January 2011</a:t>
+              <a:t>26 January 2011</a:t>
             </a:fld>
             <a:endParaRPr lang="en-US" dirty="0"/>
           </a:p>
@@ -3278,7 +3433,7 @@
               <a:pPr>
                 <a:defRPr/>
               </a:pPr>
-              <a:t>23 January 2011</a:t>
+              <a:t>26 January 2011</a:t>
             </a:fld>
             <a:endParaRPr lang="en-US"/>
           </a:p>
@@ -3470,7 +3625,7 @@
               <a:pPr>
                 <a:defRPr/>
               </a:pPr>
-              <a:t>23 January 2011</a:t>
+              <a:t>26 January 2011</a:t>
             </a:fld>
             <a:endParaRPr lang="en-US"/>
           </a:p>
@@ -3738,7 +3893,7 @@
               <a:pPr>
                 <a:defRPr/>
               </a:pPr>
-              <a:t>23 January 2011</a:t>
+              <a:t>26 January 2011</a:t>
             </a:fld>
             <a:endParaRPr lang="en-US"/>
           </a:p>
@@ -4048,7 +4203,7 @@
               <a:pPr>
                 <a:defRPr/>
               </a:pPr>
-              <a:t>23 January 2011</a:t>
+              <a:t>26 January 2011</a:t>
             </a:fld>
             <a:endParaRPr lang="en-US"/>
           </a:p>
@@ -4492,7 +4647,7 @@
               <a:pPr>
                 <a:defRPr/>
               </a:pPr>
-              <a:t>23 January 2011</a:t>
+              <a:t>26 January 2011</a:t>
             </a:fld>
             <a:endParaRPr lang="en-US"/>
           </a:p>
@@ -4632,7 +4787,7 @@
               <a:pPr>
                 <a:defRPr/>
               </a:pPr>
-              <a:t>23 January 2011</a:t>
+              <a:t>26 January 2011</a:t>
             </a:fld>
             <a:endParaRPr lang="en-US"/>
           </a:p>
@@ -4772,7 +4927,7 @@
               <a:pPr>
                 <a:defRPr/>
               </a:pPr>
-              <a:t>23 January 2011</a:t>
+              <a:t>26 January 2011</a:t>
             </a:fld>
             <a:endParaRPr lang="en-US" dirty="0"/>
           </a:p>
@@ -4869,7 +5024,7 @@
               <a:pPr>
                 <a:defRPr/>
               </a:pPr>
-              <a:t>23 January 2011</a:t>
+              <a:t>26 January 2011</a:t>
             </a:fld>
             <a:endParaRPr lang="en-US"/>
           </a:p>
@@ -5168,7 +5323,7 @@
               <a:pPr>
                 <a:defRPr/>
               </a:pPr>
-              <a:t>23 January 2011</a:t>
+              <a:t>26 January 2011</a:t>
             </a:fld>
             <a:endParaRPr lang="en-US"/>
           </a:p>
@@ -5449,7 +5604,7 @@
               <a:pPr>
                 <a:defRPr/>
               </a:pPr>
-              <a:t>23 January 2011</a:t>
+              <a:t>26 January 2011</a:t>
             </a:fld>
             <a:endParaRPr lang="en-US"/>
           </a:p>
@@ -5641,7 +5796,7 @@
               <a:pPr>
                 <a:defRPr/>
               </a:pPr>
-              <a:t>23 January 2011</a:t>
+              <a:t>26 January 2011</a:t>
             </a:fld>
             <a:endParaRPr lang="en-US"/>
           </a:p>
@@ -5843,7 +5998,7 @@
               <a:pPr>
                 <a:defRPr/>
               </a:pPr>
-              <a:t>23 January 2011</a:t>
+              <a:t>26 January 2011</a:t>
             </a:fld>
             <a:endParaRPr lang="en-US"/>
           </a:p>
@@ -5983,7 +6138,7 @@
               <a:pPr>
                 <a:defRPr/>
               </a:pPr>
-              <a:t>23 January 2011</a:t>
+              <a:t>26 January 2011</a:t>
             </a:fld>
             <a:endParaRPr lang="en-US"/>
           </a:p>
@@ -6247,7 +6402,7 @@
               <a:pPr>
                 <a:defRPr/>
               </a:pPr>
-              <a:t>23 January 2011</a:t>
+              <a:t>26 January 2011</a:t>
             </a:fld>
             <a:endParaRPr lang="en-US"/>
           </a:p>
@@ -6439,7 +6594,7 @@
               <a:pPr>
                 <a:defRPr/>
               </a:pPr>
-              <a:t>23 January 2011</a:t>
+              <a:t>26 January 2011</a:t>
             </a:fld>
             <a:endParaRPr lang="en-US"/>
           </a:p>
@@ -6707,7 +6862,7 @@
               <a:pPr>
                 <a:defRPr/>
               </a:pPr>
-              <a:t>23 January 2011</a:t>
+              <a:t>26 January 2011</a:t>
             </a:fld>
             <a:endParaRPr lang="en-US"/>
           </a:p>
@@ -7017,7 +7172,7 @@
               <a:pPr>
                 <a:defRPr/>
               </a:pPr>
-              <a:t>23 January 2011</a:t>
+              <a:t>26 January 2011</a:t>
             </a:fld>
             <a:endParaRPr lang="en-US"/>
           </a:p>
@@ -7247,7 +7402,7 @@
               <a:pPr>
                 <a:defRPr/>
               </a:pPr>
-              <a:t>23 January 2011</a:t>
+              <a:t>26 January 2011</a:t>
             </a:fld>
             <a:endParaRPr lang="en-US" dirty="0"/>
           </a:p>
@@ -7671,7 +7826,7 @@
               <a:pPr>
                 <a:defRPr/>
               </a:pPr>
-              <a:t>23 January 2011</a:t>
+              <a:t>26 January 2011</a:t>
             </a:fld>
             <a:endParaRPr lang="en-US"/>
           </a:p>
@@ -7811,7 +7966,7 @@
               <a:pPr>
                 <a:defRPr/>
               </a:pPr>
-              <a:t>23 January 2011</a:t>
+              <a:t>26 January 2011</a:t>
             </a:fld>
             <a:endParaRPr lang="en-US"/>
           </a:p>
@@ -7928,7 +8083,7 @@
               <a:pPr>
                 <a:defRPr/>
               </a:pPr>
-              <a:t>23 January 2011</a:t>
+              <a:t>26 January 2011</a:t>
             </a:fld>
             <a:endParaRPr lang="en-US"/>
           </a:p>
@@ -8227,7 +8382,7 @@
               <a:pPr>
                 <a:defRPr/>
               </a:pPr>
-              <a:t>23 January 2011</a:t>
+              <a:t>26 January 2011</a:t>
             </a:fld>
             <a:endParaRPr lang="en-US"/>
           </a:p>
@@ -8508,7 +8663,7 @@
               <a:pPr>
                 <a:defRPr/>
               </a:pPr>
-              <a:t>23 January 2011</a:t>
+              <a:t>26 January 2011</a:t>
             </a:fld>
             <a:endParaRPr lang="en-US"/>
           </a:p>
@@ -9170,7 +9325,7 @@
               <a:pPr>
                 <a:defRPr/>
               </a:pPr>
-              <a:t>23 January 2011</a:t>
+              <a:t>26 January 2011</a:t>
             </a:fld>
             <a:endParaRPr lang="en-US" dirty="0"/>
           </a:p>
@@ -9458,7 +9613,7 @@
               <a:pPr>
                 <a:defRPr/>
               </a:pPr>
-              <a:t>23 January 2011</a:t>
+              <a:t>26 January 2011</a:t>
             </a:fld>
             <a:endParaRPr lang="en-US" dirty="0"/>
           </a:p>
@@ -9754,7 +9909,7 @@
               <a:pPr>
                 <a:defRPr/>
               </a:pPr>
-              <a:t>23 January 2011</a:t>
+              <a:t>26 January 2011</a:t>
             </a:fld>
             <a:endParaRPr lang="en-US" dirty="0"/>
           </a:p>
@@ -10189,7 +10344,7 @@
               <a:pPr>
                 <a:defRPr/>
               </a:pPr>
-              <a:t>23 January 2011</a:t>
+              <a:t>26 January 2011</a:t>
             </a:fld>
             <a:endParaRPr lang="en-US" dirty="0"/>
           </a:p>
@@ -10315,7 +10470,7 @@
               <a:pPr>
                 <a:defRPr/>
               </a:pPr>
-              <a:t>23 January 2011</a:t>
+              <a:t>26 January 2011</a:t>
             </a:fld>
             <a:endParaRPr lang="en-US" dirty="0"/>
           </a:p>
@@ -10418,7 +10573,7 @@
               <a:pPr>
                 <a:defRPr/>
               </a:pPr>
-              <a:t>23 January 2011</a:t>
+              <a:t>26 January 2011</a:t>
             </a:fld>
             <a:endParaRPr lang="en-US" dirty="0"/>
           </a:p>
@@ -10723,7 +10878,7 @@
               <a:pPr>
                 <a:defRPr/>
               </a:pPr>
-              <a:t>23 January 2011</a:t>
+              <a:t>26 January 2011</a:t>
             </a:fld>
             <a:endParaRPr lang="en-US" dirty="0"/>
           </a:p>
@@ -11393,7 +11548,7 @@
               <a:pPr>
                 <a:defRPr/>
               </a:pPr>
-              <a:t>23 January 2011</a:t>
+              <a:t>26 January 2011</a:t>
             </a:fld>
             <a:endParaRPr lang="en-US"/>
           </a:p>
@@ -12067,7 +12222,7 @@
               <a:pPr>
                 <a:defRPr/>
               </a:pPr>
-              <a:t>23 January 2011</a:t>
+              <a:t>26 January 2011</a:t>
             </a:fld>
             <a:endParaRPr lang="en-US"/>
           </a:p>
@@ -12916,7 +13071,7 @@
               <a:pPr>
                 <a:defRPr/>
               </a:pPr>
-              <a:t>23 January 2011</a:t>
+              <a:t>26 January 2011</a:t>
             </a:fld>
             <a:endParaRPr lang="en-US" dirty="0"/>
           </a:p>
@@ -13387,7 +13542,7 @@
             </a:br>
             <a:r>
               <a:rPr lang="en-US" dirty="0" smtClean="0"/>
-              <a:t>V0.2 </a:t>
+              <a:t>V0.3 </a:t>
             </a:r>
             <a:r>
               <a:rPr lang="en-US" dirty="0" smtClean="0"/>
@@ -13395,7 +13550,7 @@
             </a:r>
             <a:r>
               <a:rPr lang="en-US" dirty="0" smtClean="0"/>
-              <a:t>2011-01-23</a:t>
+              <a:t>2011-01-27</a:t>
             </a:r>
             <a:endParaRPr lang="vi-VN" sz="4000" dirty="0" smtClean="0">
               <a:solidFill>
@@ -13536,10 +13691,10 @@
           <a:lstStyle/>
           <a:p>
             <a:r>
-              <a:rPr lang="en-US" sz="2800" dirty="0" smtClean="0"/>
-              <a:t>Service Deployment, Management &amp; Interaction - Overview</a:t>
-            </a:r>
-            <a:endParaRPr lang="en-US" sz="2800" dirty="0"/>
+              <a:rPr lang="en-US" dirty="0" smtClean="0"/>
+              <a:t>Service Server</a:t>
+            </a:r>
+            <a:endParaRPr lang="en-US" dirty="0"/>
           </a:p>
         </p:txBody>
       </p:sp>
@@ -13574,7 +13729,7 @@
       </p:sp>
       <p:pic>
         <p:nvPicPr>
-          <p:cNvPr id="1027" name="Picture 3"/>
+          <p:cNvPr id="2050" name="Picture 2"/>
           <p:cNvPicPr>
             <a:picLocks noGrp="1" noChangeAspect="1" noChangeArrowheads="1"/>
           </p:cNvPicPr>
@@ -13583,7 +13738,7 @@
           </p:nvPr>
         </p:nvPicPr>
         <p:blipFill>
-          <a:blip r:embed="rId3" cstate="print"/>
+          <a:blip r:embed="rId2" cstate="print"/>
           <a:srcRect/>
           <a:stretch>
             <a:fillRect/>
@@ -13591,8 +13746,8 @@
         </p:blipFill>
         <p:spPr bwMode="auto">
           <a:xfrm>
-            <a:off x="457200" y="2487204"/>
-            <a:ext cx="8229600" cy="2753542"/>
+            <a:off x="1037890" y="1371600"/>
+            <a:ext cx="7068220" cy="4984750"/>
           </a:xfrm>
           <a:prstGeom prst="rect">
             <a:avLst/>
@@ -13648,11 +13803,7 @@
           <a:p>
             <a:r>
               <a:rPr lang="en-US" sz="2800" dirty="0" smtClean="0"/>
-              <a:t>Service Deployment, Management &amp; Interaction - </a:t>
-            </a:r>
-            <a:r>
-              <a:rPr lang="en-US" sz="2800" dirty="0" smtClean="0"/>
-              <a:t>Interaction</a:t>
+              <a:t>Service Deployment, Management &amp; Interaction - Overview</a:t>
             </a:r>
             <a:endParaRPr lang="en-US" sz="2800" dirty="0"/>
           </a:p>
@@ -13687,45 +13838,40 @@
           </a:p>
         </p:txBody>
       </p:sp>
-      <p:sp>
-        <p:nvSpPr>
-          <p:cNvPr id="5" name="Content Placeholder 4"/>
-          <p:cNvSpPr>
-            <a:spLocks noGrp="1"/>
-          </p:cNvSpPr>
+      <p:pic>
+        <p:nvPicPr>
+          <p:cNvPr id="1027" name="Picture 3"/>
+          <p:cNvPicPr>
+            <a:picLocks noGrp="1" noChangeAspect="1" noChangeArrowheads="1"/>
+          </p:cNvPicPr>
           <p:nvPr>
             <p:ph idx="1"/>
           </p:nvPr>
-        </p:nvSpPr>
-        <p:spPr/>
-        <p:txBody>
-          <a:bodyPr/>
-          <a:lstStyle/>
-          <a:p>
-            <a:r>
-              <a:rPr lang="en-US" dirty="0" smtClean="0"/>
-              <a:t>In-process communication between services:</a:t>
-            </a:r>
-          </a:p>
-          <a:p>
-            <a:pPr lvl="1"/>
-            <a:r>
-              <a:rPr lang="en-US" dirty="0" smtClean="0"/>
-              <a:t>Direct API calls</a:t>
-            </a:r>
-          </a:p>
-          <a:p>
-            <a:pPr lvl="1"/>
-            <a:r>
-              <a:rPr lang="en-US" dirty="0" smtClean="0"/>
-              <a:t>Local queue / pooling</a:t>
-            </a:r>
-          </a:p>
-          <a:p>
-            <a:endParaRPr lang="en-US" dirty="0"/>
-          </a:p>
-        </p:txBody>
-      </p:sp>
+        </p:nvPicPr>
+        <p:blipFill>
+          <a:blip r:embed="rId3" cstate="print"/>
+          <a:srcRect/>
+          <a:stretch>
+            <a:fillRect/>
+          </a:stretch>
+        </p:blipFill>
+        <p:spPr bwMode="auto">
+          <a:xfrm>
+            <a:off x="457200" y="2487204"/>
+            <a:ext cx="8229600" cy="2753542"/>
+          </a:xfrm>
+          <a:prstGeom prst="rect">
+            <a:avLst/>
+          </a:prstGeom>
+          <a:noFill/>
+          <a:ln w="9525">
+            <a:noFill/>
+            <a:miter lim="800000"/>
+            <a:headEnd/>
+            <a:tailEnd/>
+          </a:ln>
+        </p:spPr>
+      </p:pic>
     </p:spTree>
   </p:cSld>
   <p:clrMapOvr>
@@ -13768,15 +13914,7 @@
           <a:p>
             <a:r>
               <a:rPr lang="en-US" sz="2800" dirty="0" smtClean="0"/>
-              <a:t>Service Deployment, Management &amp; Interaction </a:t>
-            </a:r>
-            <a:r>
-              <a:rPr lang="en-US" sz="2800" dirty="0" smtClean="0"/>
-              <a:t>- Service </a:t>
-            </a:r>
-            <a:r>
-              <a:rPr lang="en-US" sz="2800" dirty="0" smtClean="0"/>
-              <a:t>Platform</a:t>
+              <a:t>Service Deployment, Management &amp; Interaction - Interaction</a:t>
             </a:r>
             <a:endParaRPr lang="en-US" sz="2800" dirty="0"/>
           </a:p>
@@ -13806,6 +13944,122 @@
                 <a:defRPr/>
               </a:pPr>
               <a:t>12</a:t>
+            </a:fld>
+            <a:endParaRPr lang="en-US" dirty="0"/>
+          </a:p>
+        </p:txBody>
+      </p:sp>
+      <p:sp>
+        <p:nvSpPr>
+          <p:cNvPr id="5" name="Content Placeholder 4"/>
+          <p:cNvSpPr>
+            <a:spLocks noGrp="1"/>
+          </p:cNvSpPr>
+          <p:nvPr>
+            <p:ph idx="1"/>
+          </p:nvPr>
+        </p:nvSpPr>
+        <p:spPr/>
+        <p:txBody>
+          <a:bodyPr/>
+          <a:lstStyle/>
+          <a:p>
+            <a:r>
+              <a:rPr lang="en-US" dirty="0" smtClean="0"/>
+              <a:t>In-process communication between services:</a:t>
+            </a:r>
+          </a:p>
+          <a:p>
+            <a:pPr lvl="1"/>
+            <a:r>
+              <a:rPr lang="en-US" dirty="0" smtClean="0"/>
+              <a:t>Direct API calls</a:t>
+            </a:r>
+          </a:p>
+          <a:p>
+            <a:pPr lvl="1"/>
+            <a:r>
+              <a:rPr lang="en-US" dirty="0" smtClean="0"/>
+              <a:t>Local queue / pooling</a:t>
+            </a:r>
+          </a:p>
+          <a:p>
+            <a:endParaRPr lang="en-US" dirty="0"/>
+          </a:p>
+        </p:txBody>
+      </p:sp>
+    </p:spTree>
+  </p:cSld>
+  <p:clrMapOvr>
+    <a:masterClrMapping/>
+  </p:clrMapOvr>
+</p:sld>
+</file>
+
+<file path=ppt/slides/slide13.xml><?xml version="1.0" encoding="utf-8"?>
+<p:sld xmlns:a="http://schemas.openxmlformats.org/drawingml/2006/main" xmlns:r="http://schemas.openxmlformats.org/officeDocument/2006/relationships" xmlns:p="http://schemas.openxmlformats.org/presentationml/2006/main">
+  <p:cSld>
+    <p:spTree>
+      <p:nvGrpSpPr>
+        <p:cNvPr id="1" name=""/>
+        <p:cNvGrpSpPr/>
+        <p:nvPr/>
+      </p:nvGrpSpPr>
+      <p:grpSpPr>
+        <a:xfrm>
+          <a:off x="0" y="0"/>
+          <a:ext cx="0" cy="0"/>
+          <a:chOff x="0" y="0"/>
+          <a:chExt cx="0" cy="0"/>
+        </a:xfrm>
+      </p:grpSpPr>
+      <p:sp>
+        <p:nvSpPr>
+          <p:cNvPr id="2" name="Title 1"/>
+          <p:cNvSpPr>
+            <a:spLocks noGrp="1"/>
+          </p:cNvSpPr>
+          <p:nvPr>
+            <p:ph type="title"/>
+          </p:nvPr>
+        </p:nvSpPr>
+        <p:spPr/>
+        <p:txBody>
+          <a:bodyPr/>
+          <a:lstStyle/>
+          <a:p>
+            <a:r>
+              <a:rPr lang="en-US" sz="2800" dirty="0" smtClean="0"/>
+              <a:t>Service Deployment, Management &amp; Interaction - Service Platform</a:t>
+            </a:r>
+            <a:endParaRPr lang="en-US" sz="2800" dirty="0"/>
+          </a:p>
+        </p:txBody>
+      </p:sp>
+      <p:sp>
+        <p:nvSpPr>
+          <p:cNvPr id="4" name="Slide Number Placeholder 3"/>
+          <p:cNvSpPr>
+            <a:spLocks noGrp="1"/>
+          </p:cNvSpPr>
+          <p:nvPr>
+            <p:ph type="sldNum" sz="quarter" idx="11"/>
+          </p:nvPr>
+        </p:nvSpPr>
+        <p:spPr/>
+        <p:txBody>
+          <a:bodyPr/>
+          <a:lstStyle/>
+          <a:p>
+            <a:pPr>
+              <a:defRPr/>
+            </a:pPr>
+            <a:fld id="{7BA483FD-CADB-4A1C-B345-9747A915C178}" type="slidenum">
+              <a:rPr lang="en-US" smtClean="0"/>
+              <a:pPr>
+                <a:defRPr/>
+              </a:pPr>
+              <a:t>13</a:t>
             </a:fld>
             <a:endParaRPr lang="en-US" dirty="0"/>
           </a:p>
@@ -13853,209 +14107,6 @@
 </p:sld>
 </file>
 
-<file path=ppt/slides/slide13.xml><?xml version="1.0" encoding="utf-8"?>
-<p:sld xmlns:a="http://schemas.openxmlformats.org/drawingml/2006/main" xmlns:r="http://schemas.openxmlformats.org/officeDocument/2006/relationships" xmlns:p="http://schemas.openxmlformats.org/presentationml/2006/main">
-  <p:cSld>
-    <p:spTree>
-      <p:nvGrpSpPr>
-        <p:cNvPr id="1" name=""/>
-        <p:cNvGrpSpPr/>
-        <p:nvPr/>
-      </p:nvGrpSpPr>
-      <p:grpSpPr>
-        <a:xfrm>
-          <a:off x="0" y="0"/>
-          <a:ext cx="0" cy="0"/>
-          <a:chOff x="0" y="0"/>
-          <a:chExt cx="0" cy="0"/>
-        </a:xfrm>
-      </p:grpSpPr>
-      <p:sp>
-        <p:nvSpPr>
-          <p:cNvPr id="2" name="Title 1"/>
-          <p:cNvSpPr>
-            <a:spLocks noGrp="1"/>
-          </p:cNvSpPr>
-          <p:nvPr>
-            <p:ph type="title"/>
-          </p:nvPr>
-        </p:nvSpPr>
-        <p:spPr/>
-        <p:txBody>
-          <a:bodyPr/>
-          <a:lstStyle/>
-          <a:p>
-            <a:r>
-              <a:rPr lang="en-US" sz="2800" dirty="0" smtClean="0"/>
-              <a:t>Service Deployment, Management &amp; Interaction - Service Description (provider example)</a:t>
-            </a:r>
-            <a:endParaRPr lang="en-US" sz="2800" dirty="0"/>
-          </a:p>
-        </p:txBody>
-      </p:sp>
-      <p:sp>
-        <p:nvSpPr>
-          <p:cNvPr id="3" name="Content Placeholder 2"/>
-          <p:cNvSpPr>
-            <a:spLocks noGrp="1"/>
-          </p:cNvSpPr>
-          <p:nvPr>
-            <p:ph idx="1"/>
-          </p:nvPr>
-        </p:nvSpPr>
-        <p:spPr/>
-        <p:txBody>
-          <a:bodyPr/>
-          <a:lstStyle/>
-          <a:p>
-            <a:r>
-              <a:rPr lang="en-US" sz="2400" dirty="0" smtClean="0">
-                <a:latin typeface="Courier New" pitchFamily="49" charset="0"/>
-                <a:cs typeface="Courier New" pitchFamily="49" charset="0"/>
-              </a:rPr>
-              <a:t>Bundle-Name: Provider</a:t>
-            </a:r>
-          </a:p>
-          <a:p>
-            <a:r>
-              <a:rPr lang="en-US" sz="2400" dirty="0" smtClean="0">
-                <a:latin typeface="Courier New" pitchFamily="49" charset="0"/>
-                <a:cs typeface="Courier New" pitchFamily="49" charset="0"/>
-              </a:rPr>
-              <a:t>Bundle-Description: A service provider sample</a:t>
-            </a:r>
-          </a:p>
-          <a:p>
-            <a:r>
-              <a:rPr lang="en-US" sz="2400" dirty="0" smtClean="0">
-                <a:latin typeface="Courier New" pitchFamily="49" charset="0"/>
-                <a:cs typeface="Courier New" pitchFamily="49" charset="0"/>
-              </a:rPr>
-              <a:t>Bundle-Vendor: VNG GPI</a:t>
-            </a:r>
-          </a:p>
-          <a:p>
-            <a:r>
-              <a:rPr lang="en-US" sz="2400" dirty="0" smtClean="0">
-                <a:latin typeface="Courier New" pitchFamily="49" charset="0"/>
-                <a:cs typeface="Courier New" pitchFamily="49" charset="0"/>
-              </a:rPr>
-              <a:t>Bundle-Version: 1.0.0</a:t>
-            </a:r>
-          </a:p>
-          <a:p>
-            <a:r>
-              <a:rPr lang="en-US" sz="2400" dirty="0" smtClean="0">
-                <a:latin typeface="Courier New" pitchFamily="49" charset="0"/>
-                <a:cs typeface="Courier New" pitchFamily="49" charset="0"/>
-              </a:rPr>
-              <a:t>Bundle-Activator: vng.example1.Activator</a:t>
-            </a:r>
-          </a:p>
-          <a:p>
-            <a:r>
-              <a:rPr lang="en-US" sz="2400" dirty="0" smtClean="0">
-                <a:latin typeface="Courier New" pitchFamily="49" charset="0"/>
-                <a:cs typeface="Courier New" pitchFamily="49" charset="0"/>
-              </a:rPr>
-              <a:t>Export-Package: vng.example1.service</a:t>
-            </a:r>
-          </a:p>
-          <a:p>
-            <a:r>
-              <a:rPr lang="en-US" sz="2400" dirty="0" smtClean="0">
-                <a:latin typeface="Courier New" pitchFamily="49" charset="0"/>
-                <a:cs typeface="Courier New" pitchFamily="49" charset="0"/>
-              </a:rPr>
-              <a:t>Import-Package: </a:t>
-            </a:r>
-            <a:r>
-              <a:rPr lang="en-US" sz="2400" dirty="0" err="1" smtClean="0">
-                <a:latin typeface="Courier New" pitchFamily="49" charset="0"/>
-                <a:cs typeface="Courier New" pitchFamily="49" charset="0"/>
-              </a:rPr>
-              <a:t>org.osgi.framework</a:t>
-            </a:r>
-            <a:r>
-              <a:rPr lang="en-US" sz="2400" dirty="0" smtClean="0">
-                <a:latin typeface="Courier New" pitchFamily="49" charset="0"/>
-                <a:cs typeface="Courier New" pitchFamily="49" charset="0"/>
-              </a:rPr>
-              <a:t> </a:t>
-            </a:r>
-            <a:endParaRPr lang="en-US" sz="2400" dirty="0">
-              <a:latin typeface="Courier New" pitchFamily="49" charset="0"/>
-              <a:cs typeface="Courier New" pitchFamily="49" charset="0"/>
-            </a:endParaRPr>
-          </a:p>
-        </p:txBody>
-      </p:sp>
-      <p:sp>
-        <p:nvSpPr>
-          <p:cNvPr id="4" name="Slide Number Placeholder 3"/>
-          <p:cNvSpPr>
-            <a:spLocks noGrp="1"/>
-          </p:cNvSpPr>
-          <p:nvPr>
-            <p:ph type="sldNum" sz="quarter" idx="11"/>
-          </p:nvPr>
-        </p:nvSpPr>
-        <p:spPr/>
-        <p:txBody>
-          <a:bodyPr/>
-          <a:lstStyle/>
-          <a:p>
-            <a:pPr>
-              <a:defRPr/>
-            </a:pPr>
-            <a:fld id="{7BA483FD-CADB-4A1C-B345-9747A915C178}" type="slidenum">
-              <a:rPr lang="en-US" smtClean="0"/>
-              <a:pPr>
-                <a:defRPr/>
-              </a:pPr>
-              <a:t>13</a:t>
-            </a:fld>
-            <a:endParaRPr lang="en-US" dirty="0"/>
-          </a:p>
-        </p:txBody>
-      </p:sp>
-      <p:sp>
-        <p:nvSpPr>
-          <p:cNvPr id="5" name="Date Placeholder 4"/>
-          <p:cNvSpPr>
-            <a:spLocks noGrp="1"/>
-          </p:cNvSpPr>
-          <p:nvPr>
-            <p:ph type="dt" sz="half" idx="12"/>
-          </p:nvPr>
-        </p:nvSpPr>
-        <p:spPr/>
-        <p:txBody>
-          <a:bodyPr/>
-          <a:lstStyle/>
-          <a:p>
-            <a:pPr>
-              <a:defRPr/>
-            </a:pPr>
-            <a:fld id="{1617771B-F269-4332-8377-EA23B65099CA}" type="datetime3">
-              <a:rPr lang="en-US" smtClean="0"/>
-              <a:pPr>
-                <a:defRPr/>
-              </a:pPr>
-              <a:t>23 January 2011</a:t>
-            </a:fld>
-            <a:endParaRPr lang="en-US" dirty="0"/>
-          </a:p>
-        </p:txBody>
-      </p:sp>
-    </p:spTree>
-  </p:cSld>
-  <p:clrMapOvr>
-    <a:masterClrMapping/>
-  </p:clrMapOvr>
-</p:sld>
-</file>
-
 <file path=ppt/slides/slide14.xml><?xml version="1.0" encoding="utf-8"?>
 <p:sld xmlns:a="http://schemas.openxmlformats.org/drawingml/2006/main" xmlns:r="http://schemas.openxmlformats.org/officeDocument/2006/relationships" xmlns:p="http://schemas.openxmlformats.org/presentationml/2006/main">
   <p:cSld>
@@ -14090,7 +14141,7 @@
           <a:p>
             <a:r>
               <a:rPr lang="en-US" sz="2800" dirty="0" smtClean="0"/>
-              <a:t>Service Deployment, Management &amp; Interaction - Service Description (client example)</a:t>
+              <a:t>Service Deployment, Management &amp; Interaction - Service Description (provider example)</a:t>
             </a:r>
             <a:endParaRPr lang="en-US" sz="2800" dirty="0"/>
           </a:p>
@@ -14116,7 +14167,7 @@
                 <a:latin typeface="Courier New" pitchFamily="49" charset="0"/>
                 <a:cs typeface="Courier New" pitchFamily="49" charset="0"/>
               </a:rPr>
-              <a:t>Bundle-Name: Client</a:t>
+              <a:t>Bundle-Name: Provider</a:t>
             </a:r>
           </a:p>
           <a:p>
@@ -14125,7 +14176,7 @@
                 <a:latin typeface="Courier New" pitchFamily="49" charset="0"/>
                 <a:cs typeface="Courier New" pitchFamily="49" charset="0"/>
               </a:rPr>
-              <a:t>Bundle-Description: A service client sample</a:t>
+              <a:t>Bundle-Description: A service provider sample</a:t>
             </a:r>
           </a:p>
           <a:p>
@@ -14152,7 +14203,16 @@
                 <a:latin typeface="Courier New" pitchFamily="49" charset="0"/>
                 <a:cs typeface="Courier New" pitchFamily="49" charset="0"/>
               </a:rPr>
-              <a:t>Bundle-Activator: vng.example2.Activator</a:t>
+              <a:t>Bundle-Activator: vng.example1.Activator</a:t>
+            </a:r>
+          </a:p>
+          <a:p>
+            <a:r>
+              <a:rPr lang="en-US" sz="2400" dirty="0" smtClean="0">
+                <a:latin typeface="Courier New" pitchFamily="49" charset="0"/>
+                <a:cs typeface="Courier New" pitchFamily="49" charset="0"/>
+              </a:rPr>
+              <a:t>Export-Package: vng.example1.service</a:t>
             </a:r>
           </a:p>
           <a:p>
@@ -14175,23 +14235,7 @@
                 <a:latin typeface="Courier New" pitchFamily="49" charset="0"/>
                 <a:cs typeface="Courier New" pitchFamily="49" charset="0"/>
               </a:rPr>
-              <a:t>, </a:t>
-            </a:r>
-            <a:r>
-              <a:rPr lang="en-US" sz="2400" dirty="0" smtClean="0">
-                <a:latin typeface="Courier New" pitchFamily="49" charset="0"/>
-                <a:cs typeface="Courier New" pitchFamily="49" charset="0"/>
-              </a:rPr>
-              <a:t>vng.example1.service</a:t>
-            </a:r>
-          </a:p>
-          <a:p>
-            <a:r>
-              <a:rPr lang="en-US" sz="2400" dirty="0" smtClean="0">
-                <a:latin typeface="Courier New" pitchFamily="49" charset="0"/>
-                <a:cs typeface="Courier New" pitchFamily="49" charset="0"/>
-              </a:rPr>
-              <a:t>Export-Package: vng.example2.service</a:t>
+              <a:t> </a:t>
             </a:r>
             <a:endParaRPr lang="en-US" sz="2400" dirty="0">
               <a:latin typeface="Courier New" pitchFamily="49" charset="0"/>
@@ -14252,7 +14296,7 @@
               <a:pPr>
                 <a:defRPr/>
               </a:pPr>
-              <a:t>23 January 2011</a:t>
+              <a:t>26 January 2011</a:t>
             </a:fld>
             <a:endParaRPr lang="en-US" dirty="0"/>
           </a:p>
@@ -14300,9 +14344,106 @@
           <a:p>
             <a:r>
               <a:rPr lang="en-US" sz="2800" dirty="0" smtClean="0"/>
-              <a:t>Service Deployment, Management &amp; Interaction - Deployment</a:t>
+              <a:t>Service Deployment, Management &amp; Interaction - Service Description (client example)</a:t>
             </a:r>
             <a:endParaRPr lang="en-US" sz="2800" dirty="0"/>
+          </a:p>
+        </p:txBody>
+      </p:sp>
+      <p:sp>
+        <p:nvSpPr>
+          <p:cNvPr id="3" name="Content Placeholder 2"/>
+          <p:cNvSpPr>
+            <a:spLocks noGrp="1"/>
+          </p:cNvSpPr>
+          <p:nvPr>
+            <p:ph idx="1"/>
+          </p:nvPr>
+        </p:nvSpPr>
+        <p:spPr/>
+        <p:txBody>
+          <a:bodyPr/>
+          <a:lstStyle/>
+          <a:p>
+            <a:r>
+              <a:rPr lang="en-US" sz="2400" dirty="0" smtClean="0">
+                <a:latin typeface="Courier New" pitchFamily="49" charset="0"/>
+                <a:cs typeface="Courier New" pitchFamily="49" charset="0"/>
+              </a:rPr>
+              <a:t>Bundle-Name: Client</a:t>
+            </a:r>
+          </a:p>
+          <a:p>
+            <a:r>
+              <a:rPr lang="en-US" sz="2400" dirty="0" smtClean="0">
+                <a:latin typeface="Courier New" pitchFamily="49" charset="0"/>
+                <a:cs typeface="Courier New" pitchFamily="49" charset="0"/>
+              </a:rPr>
+              <a:t>Bundle-Description: A service client sample</a:t>
+            </a:r>
+          </a:p>
+          <a:p>
+            <a:r>
+              <a:rPr lang="en-US" sz="2400" dirty="0" smtClean="0">
+                <a:latin typeface="Courier New" pitchFamily="49" charset="0"/>
+                <a:cs typeface="Courier New" pitchFamily="49" charset="0"/>
+              </a:rPr>
+              <a:t>Bundle-Vendor: VNG GPI</a:t>
+            </a:r>
+          </a:p>
+          <a:p>
+            <a:r>
+              <a:rPr lang="en-US" sz="2400" dirty="0" smtClean="0">
+                <a:latin typeface="Courier New" pitchFamily="49" charset="0"/>
+                <a:cs typeface="Courier New" pitchFamily="49" charset="0"/>
+              </a:rPr>
+              <a:t>Bundle-Version: 1.0.0</a:t>
+            </a:r>
+          </a:p>
+          <a:p>
+            <a:r>
+              <a:rPr lang="en-US" sz="2400" dirty="0" smtClean="0">
+                <a:latin typeface="Courier New" pitchFamily="49" charset="0"/>
+                <a:cs typeface="Courier New" pitchFamily="49" charset="0"/>
+              </a:rPr>
+              <a:t>Bundle-Activator: vng.example2.Activator</a:t>
+            </a:r>
+          </a:p>
+          <a:p>
+            <a:r>
+              <a:rPr lang="en-US" sz="2400" dirty="0" smtClean="0">
+                <a:latin typeface="Courier New" pitchFamily="49" charset="0"/>
+                <a:cs typeface="Courier New" pitchFamily="49" charset="0"/>
+              </a:rPr>
+              <a:t>Import-Package: </a:t>
+            </a:r>
+            <a:r>
+              <a:rPr lang="en-US" sz="2400" dirty="0" err="1" smtClean="0">
+                <a:latin typeface="Courier New" pitchFamily="49" charset="0"/>
+                <a:cs typeface="Courier New" pitchFamily="49" charset="0"/>
+              </a:rPr>
+              <a:t>org.osgi.framework</a:t>
+            </a:r>
+            <a:r>
+              <a:rPr lang="en-US" sz="2400" dirty="0" smtClean="0">
+                <a:latin typeface="Courier New" pitchFamily="49" charset="0"/>
+                <a:cs typeface="Courier New" pitchFamily="49" charset="0"/>
+              </a:rPr>
+              <a:t>, vng.example1.service</a:t>
+            </a:r>
+          </a:p>
+          <a:p>
+            <a:r>
+              <a:rPr lang="en-US" sz="2400" dirty="0" smtClean="0">
+                <a:latin typeface="Courier New" pitchFamily="49" charset="0"/>
+                <a:cs typeface="Courier New" pitchFamily="49" charset="0"/>
+              </a:rPr>
+              <a:t>Export-Package: vng.example2.service</a:t>
+            </a:r>
+            <a:endParaRPr lang="en-US" sz="2400" dirty="0">
+              <a:latin typeface="Courier New" pitchFamily="49" charset="0"/>
+              <a:cs typeface="Courier New" pitchFamily="49" charset="0"/>
+            </a:endParaRPr>
           </a:p>
         </p:txBody>
       </p:sp>
@@ -14330,6 +14471,112 @@
                 <a:defRPr/>
               </a:pPr>
               <a:t>15</a:t>
+            </a:fld>
+            <a:endParaRPr lang="en-US" dirty="0"/>
+          </a:p>
+        </p:txBody>
+      </p:sp>
+      <p:sp>
+        <p:nvSpPr>
+          <p:cNvPr id="5" name="Date Placeholder 4"/>
+          <p:cNvSpPr>
+            <a:spLocks noGrp="1"/>
+          </p:cNvSpPr>
+          <p:nvPr>
+            <p:ph type="dt" sz="half" idx="12"/>
+          </p:nvPr>
+        </p:nvSpPr>
+        <p:spPr/>
+        <p:txBody>
+          <a:bodyPr/>
+          <a:lstStyle/>
+          <a:p>
+            <a:pPr>
+              <a:defRPr/>
+            </a:pPr>
+            <a:fld id="{1617771B-F269-4332-8377-EA23B65099CA}" type="datetime3">
+              <a:rPr lang="en-US" smtClean="0"/>
+              <a:pPr>
+                <a:defRPr/>
+              </a:pPr>
+              <a:t>26 January 2011</a:t>
+            </a:fld>
+            <a:endParaRPr lang="en-US" dirty="0"/>
+          </a:p>
+        </p:txBody>
+      </p:sp>
+    </p:spTree>
+  </p:cSld>
+  <p:clrMapOvr>
+    <a:masterClrMapping/>
+  </p:clrMapOvr>
+</p:sld>
+</file>
+
+<file path=ppt/slides/slide16.xml><?xml version="1.0" encoding="utf-8"?>
+<p:sld xmlns:a="http://schemas.openxmlformats.org/drawingml/2006/main" xmlns:r="http://schemas.openxmlformats.org/officeDocument/2006/relationships" xmlns:p="http://schemas.openxmlformats.org/presentationml/2006/main">
+  <p:cSld>
+    <p:spTree>
+      <p:nvGrpSpPr>
+        <p:cNvPr id="1" name=""/>
+        <p:cNvGrpSpPr/>
+        <p:nvPr/>
+      </p:nvGrpSpPr>
+      <p:grpSpPr>
+        <a:xfrm>
+          <a:off x="0" y="0"/>
+          <a:ext cx="0" cy="0"/>
+          <a:chOff x="0" y="0"/>
+          <a:chExt cx="0" cy="0"/>
+        </a:xfrm>
+      </p:grpSpPr>
+      <p:sp>
+        <p:nvSpPr>
+          <p:cNvPr id="2" name="Title 1"/>
+          <p:cNvSpPr>
+            <a:spLocks noGrp="1"/>
+          </p:cNvSpPr>
+          <p:nvPr>
+            <p:ph type="title"/>
+          </p:nvPr>
+        </p:nvSpPr>
+        <p:spPr/>
+        <p:txBody>
+          <a:bodyPr/>
+          <a:lstStyle/>
+          <a:p>
+            <a:r>
+              <a:rPr lang="en-US" sz="2800" dirty="0" smtClean="0"/>
+              <a:t>Service Deployment, Management &amp; Interaction - Deployment</a:t>
+            </a:r>
+            <a:endParaRPr lang="en-US" sz="2800" dirty="0"/>
+          </a:p>
+        </p:txBody>
+      </p:sp>
+      <p:sp>
+        <p:nvSpPr>
+          <p:cNvPr id="4" name="Slide Number Placeholder 3"/>
+          <p:cNvSpPr>
+            <a:spLocks noGrp="1"/>
+          </p:cNvSpPr>
+          <p:nvPr>
+            <p:ph type="sldNum" sz="quarter" idx="11"/>
+          </p:nvPr>
+        </p:nvSpPr>
+        <p:spPr/>
+        <p:txBody>
+          <a:bodyPr/>
+          <a:lstStyle/>
+          <a:p>
+            <a:pPr>
+              <a:defRPr/>
+            </a:pPr>
+            <a:fld id="{7BA483FD-CADB-4A1C-B345-9747A915C178}" type="slidenum">
+              <a:rPr lang="en-US" smtClean="0"/>
+              <a:pPr>
+                <a:defRPr/>
+              </a:pPr>
+              <a:t>16</a:t>
             </a:fld>
             <a:endParaRPr lang="en-US" dirty="0"/>
           </a:p>
@@ -14377,146 +14624,6 @@
 </p:sld>
 </file>
 
-<file path=ppt/slides/slide16.xml><?xml version="1.0" encoding="utf-8"?>
-<p:sld xmlns:a="http://schemas.openxmlformats.org/drawingml/2006/main" xmlns:r="http://schemas.openxmlformats.org/officeDocument/2006/relationships" xmlns:p="http://schemas.openxmlformats.org/presentationml/2006/main">
-  <p:cSld>
-    <p:spTree>
-      <p:nvGrpSpPr>
-        <p:cNvPr id="1" name=""/>
-        <p:cNvGrpSpPr/>
-        <p:nvPr/>
-      </p:nvGrpSpPr>
-      <p:grpSpPr>
-        <a:xfrm>
-          <a:off x="0" y="0"/>
-          <a:ext cx="0" cy="0"/>
-          <a:chOff x="0" y="0"/>
-          <a:chExt cx="0" cy="0"/>
-        </a:xfrm>
-      </p:grpSpPr>
-      <p:sp>
-        <p:nvSpPr>
-          <p:cNvPr id="2" name="Title 1"/>
-          <p:cNvSpPr>
-            <a:spLocks noGrp="1"/>
-          </p:cNvSpPr>
-          <p:nvPr>
-            <p:ph type="title"/>
-          </p:nvPr>
-        </p:nvSpPr>
-        <p:spPr/>
-        <p:txBody>
-          <a:bodyPr/>
-          <a:lstStyle/>
-          <a:p>
-            <a:r>
-              <a:rPr lang="en-US" sz="2800" dirty="0" smtClean="0"/>
-              <a:t>Service Deployment, Management &amp; Interaction </a:t>
-            </a:r>
-            <a:r>
-              <a:rPr lang="en-US" sz="2800" dirty="0" smtClean="0"/>
-              <a:t>– </a:t>
-            </a:r>
-            <a:r>
-              <a:rPr lang="en-US" sz="2800" dirty="0" err="1" smtClean="0"/>
-              <a:t>MMServer</a:t>
-            </a:r>
-            <a:endParaRPr lang="en-US" sz="2800" dirty="0"/>
-          </a:p>
-        </p:txBody>
-      </p:sp>
-      <p:sp>
-        <p:nvSpPr>
-          <p:cNvPr id="4" name="Slide Number Placeholder 3"/>
-          <p:cNvSpPr>
-            <a:spLocks noGrp="1"/>
-          </p:cNvSpPr>
-          <p:nvPr>
-            <p:ph type="sldNum" sz="quarter" idx="11"/>
-          </p:nvPr>
-        </p:nvSpPr>
-        <p:spPr/>
-        <p:txBody>
-          <a:bodyPr/>
-          <a:lstStyle/>
-          <a:p>
-            <a:pPr>
-              <a:defRPr/>
-            </a:pPr>
-            <a:fld id="{7BA483FD-CADB-4A1C-B345-9747A915C178}" type="slidenum">
-              <a:rPr lang="en-US" smtClean="0"/>
-              <a:pPr>
-                <a:defRPr/>
-              </a:pPr>
-              <a:t>16</a:t>
-            </a:fld>
-            <a:endParaRPr lang="en-US" dirty="0"/>
-          </a:p>
-        </p:txBody>
-      </p:sp>
-      <p:sp>
-        <p:nvSpPr>
-          <p:cNvPr id="5" name="Content Placeholder 4"/>
-          <p:cNvSpPr>
-            <a:spLocks noGrp="1"/>
-          </p:cNvSpPr>
-          <p:nvPr>
-            <p:ph idx="1"/>
-          </p:nvPr>
-        </p:nvSpPr>
-        <p:spPr/>
-        <p:txBody>
-          <a:bodyPr/>
-          <a:lstStyle/>
-          <a:p>
-            <a:r>
-              <a:rPr lang="en-US" dirty="0" smtClean="0"/>
-              <a:t>Services are managed from MM Server:</a:t>
-            </a:r>
-          </a:p>
-          <a:p>
-            <a:pPr lvl="1"/>
-            <a:r>
-              <a:rPr lang="en-US" dirty="0" smtClean="0"/>
-              <a:t>Deploy new service / New version of existing service</a:t>
-            </a:r>
-          </a:p>
-          <a:p>
-            <a:pPr lvl="1"/>
-            <a:r>
-              <a:rPr lang="en-US" dirty="0" smtClean="0"/>
-              <a:t>Stop-Redeploy existing service</a:t>
-            </a:r>
-          </a:p>
-          <a:p>
-            <a:pPr lvl="1"/>
-            <a:r>
-              <a:rPr lang="en-US" dirty="0" smtClean="0"/>
-              <a:t>Stop/Remove existing service</a:t>
-            </a:r>
-          </a:p>
-          <a:p>
-            <a:pPr lvl="1"/>
-            <a:r>
-              <a:rPr lang="en-US" dirty="0" smtClean="0"/>
-              <a:t>View status/stats of services on </a:t>
-            </a:r>
-            <a:r>
-              <a:rPr lang="en-US" smtClean="0"/>
-              <a:t>Service Server(s)</a:t>
-            </a:r>
-            <a:endParaRPr lang="en-US" dirty="0"/>
-          </a:p>
-        </p:txBody>
-      </p:sp>
-    </p:spTree>
-  </p:cSld>
-  <p:clrMapOvr>
-    <a:masterClrMapping/>
-  </p:clrMapOvr>
-</p:sld>
-</file>
-
 <file path=ppt/slides/slide17.xml><?xml version="1.0" encoding="utf-8"?>
 <p:sld xmlns:a="http://schemas.openxmlformats.org/drawingml/2006/main" xmlns:r="http://schemas.openxmlformats.org/officeDocument/2006/relationships" xmlns:p="http://schemas.openxmlformats.org/presentationml/2006/main">
   <p:cSld>
@@ -14550,71 +14657,14 @@
           <a:lstStyle/>
           <a:p>
             <a:r>
-              <a:rPr lang="en-US" dirty="0" smtClean="0"/>
-              <a:t>Multiple-protocols &amp; Standard Service APIs</a:t>
-            </a:r>
-            <a:endParaRPr lang="en-US" dirty="0"/>
-          </a:p>
-        </p:txBody>
-      </p:sp>
-      <p:sp>
-        <p:nvSpPr>
-          <p:cNvPr id="3" name="Content Placeholder 2"/>
-          <p:cNvSpPr>
-            <a:spLocks noGrp="1"/>
-          </p:cNvSpPr>
-          <p:nvPr>
-            <p:ph idx="1"/>
-          </p:nvPr>
-        </p:nvSpPr>
-        <p:spPr/>
-        <p:txBody>
-          <a:bodyPr/>
-          <a:lstStyle/>
-          <a:p>
-            <a:r>
-              <a:rPr lang="en-US" dirty="0" smtClean="0"/>
-              <a:t>Front-end protocols:</a:t>
-            </a:r>
-          </a:p>
-          <a:p>
-            <a:pPr lvl="1"/>
-            <a:r>
-              <a:rPr lang="en-US" dirty="0" smtClean="0"/>
-              <a:t>Web: http/https, SOAP, REST</a:t>
-            </a:r>
-          </a:p>
-          <a:p>
-            <a:pPr lvl="1"/>
-            <a:r>
-              <a:rPr lang="en-US" dirty="0" smtClean="0"/>
-              <a:t>Socket</a:t>
-            </a:r>
-          </a:p>
-          <a:p>
-            <a:r>
-              <a:rPr lang="en-US" dirty="0" smtClean="0"/>
-              <a:t>Request </a:t>
-            </a:r>
-            <a:r>
-              <a:rPr lang="en-US" dirty="0" err="1" smtClean="0"/>
-              <a:t>normalizer</a:t>
-            </a:r>
-            <a:r>
-              <a:rPr lang="en-US" dirty="0" smtClean="0"/>
-              <a:t>:</a:t>
-            </a:r>
-          </a:p>
-          <a:p>
-            <a:pPr lvl="1"/>
-            <a:r>
-              <a:rPr lang="en-US" dirty="0" smtClean="0"/>
-              <a:t>Be the bridge between front-end and service container</a:t>
-            </a:r>
-          </a:p>
-          <a:p>
-            <a:pPr lvl="1"/>
-            <a:endParaRPr lang="en-US" dirty="0"/>
+              <a:rPr lang="en-US" sz="2800" dirty="0" smtClean="0"/>
+              <a:t>Service Deployment, Management &amp; Interaction – </a:t>
+            </a:r>
+            <a:r>
+              <a:rPr lang="en-US" sz="2800" dirty="0" err="1" smtClean="0"/>
+              <a:t>MMServer</a:t>
+            </a:r>
+            <a:endParaRPr lang="en-US" sz="2800" dirty="0"/>
           </a:p>
         </p:txBody>
       </p:sp>
@@ -14643,6 +14693,61 @@
               </a:pPr>
               <a:t>17</a:t>
             </a:fld>
+            <a:endParaRPr lang="en-US" dirty="0"/>
+          </a:p>
+        </p:txBody>
+      </p:sp>
+      <p:sp>
+        <p:nvSpPr>
+          <p:cNvPr id="5" name="Content Placeholder 4"/>
+          <p:cNvSpPr>
+            <a:spLocks noGrp="1"/>
+          </p:cNvSpPr>
+          <p:nvPr>
+            <p:ph idx="1"/>
+          </p:nvPr>
+        </p:nvSpPr>
+        <p:spPr/>
+        <p:txBody>
+          <a:bodyPr/>
+          <a:lstStyle/>
+          <a:p>
+            <a:r>
+              <a:rPr lang="en-US" dirty="0" smtClean="0"/>
+              <a:t>Services are managed from MM Server:</a:t>
+            </a:r>
+          </a:p>
+          <a:p>
+            <a:pPr lvl="1"/>
+            <a:r>
+              <a:rPr lang="en-US" dirty="0" smtClean="0"/>
+              <a:t>Deploy new service / New version of existing service</a:t>
+            </a:r>
+          </a:p>
+          <a:p>
+            <a:pPr lvl="1"/>
+            <a:r>
+              <a:rPr lang="en-US" dirty="0" smtClean="0"/>
+              <a:t>Stop-Redeploy existing service</a:t>
+            </a:r>
+          </a:p>
+          <a:p>
+            <a:pPr lvl="1"/>
+            <a:r>
+              <a:rPr lang="en-US" dirty="0" smtClean="0"/>
+              <a:t>Stop/Remove existing service</a:t>
+            </a:r>
+          </a:p>
+          <a:p>
+            <a:pPr lvl="1"/>
+            <a:r>
+              <a:rPr lang="en-US" dirty="0" smtClean="0"/>
+              <a:t>View status/stats of services on </a:t>
+            </a:r>
+            <a:r>
+              <a:rPr lang="en-US" smtClean="0"/>
+              <a:t>Service Server(s)</a:t>
+            </a:r>
             <a:endParaRPr lang="en-US" dirty="0"/>
           </a:p>
         </p:txBody>
@@ -14689,7 +14794,7 @@
           <a:p>
             <a:r>
               <a:rPr lang="en-US" dirty="0" smtClean="0"/>
-              <a:t>Q &amp; A</a:t>
+              <a:t>Multiple-protocols &amp; Standard Service APIs</a:t>
             </a:r>
             <a:endParaRPr lang="en-US" dirty="0"/>
           </a:p>
@@ -14710,7 +14815,49 @@
           <a:bodyPr/>
           <a:lstStyle/>
           <a:p>
-            <a:endParaRPr lang="en-US"/>
+            <a:r>
+              <a:rPr lang="en-US" dirty="0" smtClean="0"/>
+              <a:t>Front-end protocols:</a:t>
+            </a:r>
+          </a:p>
+          <a:p>
+            <a:pPr lvl="1"/>
+            <a:r>
+              <a:rPr lang="en-US" dirty="0" smtClean="0"/>
+              <a:t>Web: http/https, SOAP, REST</a:t>
+            </a:r>
+          </a:p>
+          <a:p>
+            <a:pPr lvl="1"/>
+            <a:r>
+              <a:rPr lang="en-US" dirty="0" smtClean="0"/>
+              <a:t>Socket</a:t>
+            </a:r>
+          </a:p>
+          <a:p>
+            <a:r>
+              <a:rPr lang="en-US" dirty="0" smtClean="0"/>
+              <a:t>Request </a:t>
+            </a:r>
+            <a:r>
+              <a:rPr lang="en-US" dirty="0" err="1" smtClean="0"/>
+              <a:t>normalizer</a:t>
+            </a:r>
+            <a:r>
+              <a:rPr lang="en-US" dirty="0" smtClean="0"/>
+              <a:t>:</a:t>
+            </a:r>
+          </a:p>
+          <a:p>
+            <a:pPr lvl="1"/>
+            <a:r>
+              <a:rPr lang="en-US" dirty="0" smtClean="0"/>
+              <a:t>Be the bridge between front-end and service container</a:t>
+            </a:r>
+          </a:p>
+          <a:p>
+            <a:pPr lvl="1"/>
+            <a:endParaRPr lang="en-US" dirty="0"/>
           </a:p>
         </p:txBody>
       </p:sp>
@@ -14738,6 +14885,102 @@
                 <a:defRPr/>
               </a:pPr>
               <a:t>18</a:t>
+            </a:fld>
+            <a:endParaRPr lang="en-US" dirty="0"/>
+          </a:p>
+        </p:txBody>
+      </p:sp>
+    </p:spTree>
+  </p:cSld>
+  <p:clrMapOvr>
+    <a:masterClrMapping/>
+  </p:clrMapOvr>
+</p:sld>
+</file>
+
+<file path=ppt/slides/slide19.xml><?xml version="1.0" encoding="utf-8"?>
+<p:sld xmlns:a="http://schemas.openxmlformats.org/drawingml/2006/main" xmlns:r="http://schemas.openxmlformats.org/officeDocument/2006/relationships" xmlns:p="http://schemas.openxmlformats.org/presentationml/2006/main">
+  <p:cSld>
+    <p:spTree>
+      <p:nvGrpSpPr>
+        <p:cNvPr id="1" name=""/>
+        <p:cNvGrpSpPr/>
+        <p:nvPr/>
+      </p:nvGrpSpPr>
+      <p:grpSpPr>
+        <a:xfrm>
+          <a:off x="0" y="0"/>
+          <a:ext cx="0" cy="0"/>
+          <a:chOff x="0" y="0"/>
+          <a:chExt cx="0" cy="0"/>
+        </a:xfrm>
+      </p:grpSpPr>
+      <p:sp>
+        <p:nvSpPr>
+          <p:cNvPr id="2" name="Title 1"/>
+          <p:cNvSpPr>
+            <a:spLocks noGrp="1"/>
+          </p:cNvSpPr>
+          <p:nvPr>
+            <p:ph type="title"/>
+          </p:nvPr>
+        </p:nvSpPr>
+        <p:spPr/>
+        <p:txBody>
+          <a:bodyPr/>
+          <a:lstStyle/>
+          <a:p>
+            <a:r>
+              <a:rPr lang="en-US" dirty="0" smtClean="0"/>
+              <a:t>Q &amp; A</a:t>
+            </a:r>
+            <a:endParaRPr lang="en-US" dirty="0"/>
+          </a:p>
+        </p:txBody>
+      </p:sp>
+      <p:sp>
+        <p:nvSpPr>
+          <p:cNvPr id="3" name="Content Placeholder 2"/>
+          <p:cNvSpPr>
+            <a:spLocks noGrp="1"/>
+          </p:cNvSpPr>
+          <p:nvPr>
+            <p:ph idx="1"/>
+          </p:nvPr>
+        </p:nvSpPr>
+        <p:spPr/>
+        <p:txBody>
+          <a:bodyPr/>
+          <a:lstStyle/>
+          <a:p>
+            <a:endParaRPr lang="en-US"/>
+          </a:p>
+        </p:txBody>
+      </p:sp>
+      <p:sp>
+        <p:nvSpPr>
+          <p:cNvPr id="4" name="Slide Number Placeholder 3"/>
+          <p:cNvSpPr>
+            <a:spLocks noGrp="1"/>
+          </p:cNvSpPr>
+          <p:nvPr>
+            <p:ph type="sldNum" sz="quarter" idx="11"/>
+          </p:nvPr>
+        </p:nvSpPr>
+        <p:spPr/>
+        <p:txBody>
+          <a:bodyPr/>
+          <a:lstStyle/>
+          <a:p>
+            <a:pPr>
+              <a:defRPr/>
+            </a:pPr>
+            <a:fld id="{7BA483FD-CADB-4A1C-B345-9747A915C178}" type="slidenum">
+              <a:rPr lang="en-US" smtClean="0"/>
+              <a:pPr>
+                <a:defRPr/>
+              </a:pPr>
+              <a:t>19</a:t>
             </a:fld>
             <a:endParaRPr lang="en-US" dirty="0"/>
           </a:p>
@@ -14830,22 +15073,14 @@
             <a:pPr eaLnBrk="1" hangingPunct="1"/>
             <a:r>
               <a:rPr lang="en-US" dirty="0" smtClean="0"/>
-              <a:t>Service </a:t>
-            </a:r>
+              <a:t>Service Server Architecture</a:t>
+            </a:r>
+          </a:p>
+          <a:p>
+            <a:pPr eaLnBrk="1" hangingPunct="1"/>
             <a:r>
               <a:rPr lang="en-US" dirty="0" smtClean="0"/>
-              <a:t>Server Architecture</a:t>
-            </a:r>
-          </a:p>
-          <a:p>
-            <a:pPr eaLnBrk="1" hangingPunct="1"/>
-            <a:r>
-              <a:rPr lang="en-US" dirty="0" smtClean="0"/>
-              <a:t>Service </a:t>
-            </a:r>
-            <a:r>
-              <a:rPr lang="en-US" dirty="0" smtClean="0"/>
-              <a:t>Deployment, Management &amp; Interaction</a:t>
+              <a:t>Service Deployment, Management &amp; Interaction</a:t>
             </a:r>
           </a:p>
           <a:p>
@@ -15006,8 +15241,9 @@
             <a:pPr eaLnBrk="1" hangingPunct="1"/>
             <a:r>
               <a:rPr lang="en-US" dirty="0" smtClean="0"/>
-              <a:t>Easy to extend and maintain</a:t>
-            </a:r>
+              <a:t>Extensibility &amp; Maintainability</a:t>
+            </a:r>
+            <a:endParaRPr lang="en-US" dirty="0" smtClean="0"/>
           </a:p>
         </p:txBody>
       </p:sp>
@@ -15119,7 +15355,7 @@
       </p:sp>
       <p:pic>
         <p:nvPicPr>
-          <p:cNvPr id="1026" name="Picture 2"/>
+          <p:cNvPr id="3" name="Content Placeholder 2"/>
           <p:cNvPicPr>
             <a:picLocks noGrp="1" noChangeAspect="1" noChangeArrowheads="1"/>
           </p:cNvPicPr>
@@ -15136,8 +15372,8 @@
         </p:blipFill>
         <p:spPr bwMode="auto">
           <a:xfrm>
-            <a:off x="943137" y="1371600"/>
-            <a:ext cx="7257726" cy="4984750"/>
+            <a:off x="1537188" y="1371600"/>
+            <a:ext cx="6069624" cy="4984750"/>
           </a:xfrm>
           <a:prstGeom prst="rect">
             <a:avLst/>
@@ -15333,14 +15569,14 @@
             </a:r>
             <a:r>
               <a:rPr lang="en-US" dirty="0" smtClean="0"/>
-              <a:t>Availability -</a:t>
+              <a:t>Availability –</a:t>
             </a:r>
             <a:br>
               <a:rPr lang="en-US" dirty="0" smtClean="0"/>
             </a:br>
             <a:r>
               <a:rPr lang="en-US" dirty="0" smtClean="0"/>
-              <a:t>Add New Service Server</a:t>
+              <a:t>Fronting “Tomcat” With “Apache”</a:t>
             </a:r>
             <a:endParaRPr lang="en-US" dirty="0"/>
           </a:p>
@@ -15361,64 +15597,22 @@
           <a:bodyPr/>
           <a:lstStyle/>
           <a:p>
-            <a:pPr marL="514350" indent="-514350">
-              <a:buFont typeface="+mj-lt"/>
-              <a:buAutoNum type="arabicPeriod"/>
-            </a:pPr>
             <a:r>
               <a:rPr lang="en-US" dirty="0" smtClean="0"/>
-              <a:t>Boot up new Service Server</a:t>
-            </a:r>
-          </a:p>
-          <a:p>
-            <a:pPr marL="514350" indent="-514350">
-              <a:buFont typeface="+mj-lt"/>
-              <a:buAutoNum type="arabicPeriod"/>
-            </a:pPr>
+              <a:t>Best practice</a:t>
+            </a:r>
+          </a:p>
+          <a:p>
             <a:r>
               <a:rPr lang="en-US" dirty="0" smtClean="0"/>
-              <a:t>Update Apache’s </a:t>
-            </a:r>
-            <a:r>
-              <a:rPr lang="en-US" i="1" dirty="0" err="1" smtClean="0"/>
-              <a:t>httpd.conf</a:t>
-            </a:r>
-            <a:endParaRPr lang="en-US" i="1" dirty="0" smtClean="0"/>
-          </a:p>
-          <a:p>
-            <a:pPr marL="514350" indent="-514350">
-              <a:buFont typeface="+mj-lt"/>
-              <a:buAutoNum type="arabicPeriod"/>
-            </a:pPr>
+              <a:t>Scalability / Load-balancing / Failover</a:t>
+            </a:r>
+          </a:p>
+          <a:p>
             <a:r>
               <a:rPr lang="en-US" dirty="0" smtClean="0"/>
-              <a:t>Reload Apache’s configuration file</a:t>
-            </a:r>
-          </a:p>
-          <a:p>
-            <a:pPr marL="514350" indent="-514350">
-              <a:buFont typeface="+mj-lt"/>
-              <a:buAutoNum type="arabicPeriod"/>
-            </a:pPr>
-            <a:r>
-              <a:rPr lang="en-US" i="1" dirty="0" smtClean="0"/>
-              <a:t>(repeat 2 &amp; 3 on each Apache server)</a:t>
-            </a:r>
-          </a:p>
-          <a:p>
-            <a:pPr marL="514350" indent="-514350">
-              <a:buFont typeface="+mj-lt"/>
-              <a:buAutoNum type="arabicPeriod"/>
-            </a:pPr>
-            <a:endParaRPr lang="en-US" dirty="0" smtClean="0"/>
-          </a:p>
-          <a:p>
-            <a:pPr marL="514350" indent="-514350"/>
-            <a:r>
-              <a:rPr lang="en-US" b="1" dirty="0" smtClean="0"/>
-              <a:t>Downtime: ~0</a:t>
-            </a:r>
-            <a:endParaRPr lang="en-US" b="1" dirty="0"/>
+              <a:t>Security</a:t>
+            </a:r>
           </a:p>
         </p:txBody>
       </p:sp>
@@ -15493,18 +15687,14 @@
           <a:p>
             <a:r>
               <a:rPr lang="en-US" dirty="0" smtClean="0"/>
-              <a:t>Scalability &amp; </a:t>
-            </a:r>
-            <a:r>
-              <a:rPr lang="en-US" dirty="0" smtClean="0"/>
-              <a:t>Availability -</a:t>
+              <a:t>Scalability &amp; Availability -</a:t>
             </a:r>
             <a:br>
               <a:rPr lang="en-US" dirty="0" smtClean="0"/>
             </a:br>
             <a:r>
               <a:rPr lang="en-US" dirty="0" smtClean="0"/>
-              <a:t>Deploy New Service</a:t>
+              <a:t>Add New Service Server</a:t>
             </a:r>
             <a:endParaRPr lang="en-US" dirty="0"/>
           </a:p>
@@ -15531,7 +15721,7 @@
             </a:pPr>
             <a:r>
               <a:rPr lang="en-US" dirty="0" smtClean="0"/>
-              <a:t>Deploy new service (or new version of existing service) on MM Server</a:t>
+              <a:t>Boot up new Service Server</a:t>
             </a:r>
           </a:p>
           <a:p>
@@ -15541,9 +15731,33 @@
             </a:pPr>
             <a:r>
               <a:rPr lang="en-US" dirty="0" smtClean="0"/>
-              <a:t>The service is populated to service servers and becomes available</a:t>
+              <a:t>Update Apache’s </a:t>
+            </a:r>
+            <a:r>
+              <a:rPr lang="en-US" i="1" dirty="0" err="1" smtClean="0"/>
+              <a:t>httpd.conf</a:t>
             </a:r>
             <a:endParaRPr lang="en-US" i="1" dirty="0" smtClean="0"/>
+          </a:p>
+          <a:p>
+            <a:pPr marL="514350" indent="-514350">
+              <a:buFont typeface="+mj-lt"/>
+              <a:buAutoNum type="arabicPeriod"/>
+            </a:pPr>
+            <a:r>
+              <a:rPr lang="en-US" dirty="0" smtClean="0"/>
+              <a:t>Reload Apache’s configuration file</a:t>
+            </a:r>
+          </a:p>
+          <a:p>
+            <a:pPr marL="514350" indent="-514350">
+              <a:buFont typeface="+mj-lt"/>
+              <a:buAutoNum type="arabicPeriod"/>
+            </a:pPr>
+            <a:r>
+              <a:rPr lang="en-US" i="1" dirty="0" smtClean="0"/>
+              <a:t>(repeat 2 &amp; 3 on each Apache server)</a:t>
+            </a:r>
           </a:p>
           <a:p>
             <a:pPr marL="514350" indent="-514350">
@@ -15556,7 +15770,7 @@
             <a:pPr marL="514350" indent="-514350"/>
             <a:r>
               <a:rPr lang="en-US" b="1" dirty="0" smtClean="0"/>
-              <a:t>Downtime: 0</a:t>
+              <a:t>Downtime: ~0</a:t>
             </a:r>
             <a:endParaRPr lang="en-US" b="1" dirty="0"/>
           </a:p>
@@ -15633,18 +15847,14 @@
           <a:p>
             <a:r>
               <a:rPr lang="en-US" dirty="0" smtClean="0"/>
-              <a:t>Scalability &amp; </a:t>
-            </a:r>
-            <a:r>
-              <a:rPr lang="en-US" dirty="0" smtClean="0"/>
-              <a:t>Availability -</a:t>
+              <a:t>Scalability &amp; Availability -</a:t>
             </a:r>
             <a:br>
               <a:rPr lang="en-US" dirty="0" smtClean="0"/>
             </a:br>
             <a:r>
               <a:rPr lang="en-US" dirty="0" smtClean="0"/>
-              <a:t>Replace A Service</a:t>
+              <a:t>Deploy New Service</a:t>
             </a:r>
             <a:endParaRPr lang="en-US" dirty="0"/>
           </a:p>
@@ -15671,7 +15881,7 @@
             </a:pPr>
             <a:r>
               <a:rPr lang="en-US" dirty="0" smtClean="0"/>
-              <a:t>Stop-Redeploy the service on MM Server</a:t>
+              <a:t>Deploy new service (or new version of existing service) on MM Server</a:t>
             </a:r>
           </a:p>
           <a:p>
@@ -15681,17 +15891,7 @@
             </a:pPr>
             <a:r>
               <a:rPr lang="en-US" dirty="0" smtClean="0"/>
-              <a:t>The service is populated to service servers</a:t>
-            </a:r>
-          </a:p>
-          <a:p>
-            <a:pPr marL="514350" indent="-514350">
-              <a:buFont typeface="+mj-lt"/>
-              <a:buAutoNum type="arabicPeriod"/>
-            </a:pPr>
-            <a:r>
-              <a:rPr lang="en-US" dirty="0" smtClean="0"/>
-              <a:t>The service is Stopped-Redeployed on service servers</a:t>
+              <a:t>The service is populated to service servers and becomes available</a:t>
             </a:r>
             <a:endParaRPr lang="en-US" i="1" dirty="0" smtClean="0"/>
           </a:p>
@@ -15706,14 +15906,7 @@
             <a:pPr marL="514350" indent="-514350"/>
             <a:r>
               <a:rPr lang="en-US" b="1" dirty="0" smtClean="0"/>
-              <a:t>Global Downtime: 0</a:t>
-            </a:r>
-          </a:p>
-          <a:p>
-            <a:pPr marL="514350" indent="-514350"/>
-            <a:r>
-              <a:rPr lang="en-US" b="1" dirty="0" smtClean="0"/>
-              <a:t>Local Downtime: a few seconds</a:t>
+              <a:t>Downtime: 0</a:t>
             </a:r>
             <a:endParaRPr lang="en-US" b="1" dirty="0"/>
           </a:p>
@@ -15790,9 +15983,85 @@
           <a:p>
             <a:r>
               <a:rPr lang="en-US" dirty="0" smtClean="0"/>
-              <a:t>Service Server</a:t>
+              <a:t>Scalability &amp; Availability -</a:t>
+            </a:r>
+            <a:br>
+              <a:rPr lang="en-US" dirty="0" smtClean="0"/>
+            </a:br>
+            <a:r>
+              <a:rPr lang="en-US" dirty="0" smtClean="0"/>
+              <a:t>Replace A Service</a:t>
             </a:r>
             <a:endParaRPr lang="en-US" dirty="0"/>
+          </a:p>
+        </p:txBody>
+      </p:sp>
+      <p:sp>
+        <p:nvSpPr>
+          <p:cNvPr id="3" name="Content Placeholder 2"/>
+          <p:cNvSpPr>
+            <a:spLocks noGrp="1"/>
+          </p:cNvSpPr>
+          <p:nvPr>
+            <p:ph idx="1"/>
+          </p:nvPr>
+        </p:nvSpPr>
+        <p:spPr/>
+        <p:txBody>
+          <a:bodyPr/>
+          <a:lstStyle/>
+          <a:p>
+            <a:pPr marL="514350" indent="-514350">
+              <a:buFont typeface="+mj-lt"/>
+              <a:buAutoNum type="arabicPeriod"/>
+            </a:pPr>
+            <a:r>
+              <a:rPr lang="en-US" dirty="0" smtClean="0"/>
+              <a:t>Stop-Redeploy the service on MM Server</a:t>
+            </a:r>
+          </a:p>
+          <a:p>
+            <a:pPr marL="514350" indent="-514350">
+              <a:buFont typeface="+mj-lt"/>
+              <a:buAutoNum type="arabicPeriod"/>
+            </a:pPr>
+            <a:r>
+              <a:rPr lang="en-US" dirty="0" smtClean="0"/>
+              <a:t>The service is populated to service servers</a:t>
+            </a:r>
+          </a:p>
+          <a:p>
+            <a:pPr marL="514350" indent="-514350">
+              <a:buFont typeface="+mj-lt"/>
+              <a:buAutoNum type="arabicPeriod"/>
+            </a:pPr>
+            <a:r>
+              <a:rPr lang="en-US" dirty="0" smtClean="0"/>
+              <a:t>The service is Stopped-Redeployed on service servers</a:t>
+            </a:r>
+            <a:endParaRPr lang="en-US" i="1" dirty="0" smtClean="0"/>
+          </a:p>
+          <a:p>
+            <a:pPr marL="514350" indent="-514350">
+              <a:buFont typeface="+mj-lt"/>
+              <a:buAutoNum type="arabicPeriod"/>
+            </a:pPr>
+            <a:endParaRPr lang="en-US" dirty="0" smtClean="0"/>
+          </a:p>
+          <a:p>
+            <a:pPr marL="514350" indent="-514350"/>
+            <a:r>
+              <a:rPr lang="en-US" b="1" dirty="0" smtClean="0"/>
+              <a:t>Global Downtime: 0</a:t>
+            </a:r>
+          </a:p>
+          <a:p>
+            <a:pPr marL="514350" indent="-514350"/>
+            <a:r>
+              <a:rPr lang="en-US" b="1" dirty="0" smtClean="0"/>
+              <a:t>Local Downtime: a few seconds</a:t>
+            </a:r>
+            <a:endParaRPr lang="en-US" b="1" dirty="0"/>
           </a:p>
         </p:txBody>
       </p:sp>
@@ -15825,40 +16094,6 @@
           </a:p>
         </p:txBody>
       </p:sp>
-      <p:pic>
-        <p:nvPicPr>
-          <p:cNvPr id="2050" name="Picture 2"/>
-          <p:cNvPicPr>
-            <a:picLocks noGrp="1" noChangeAspect="1" noChangeArrowheads="1"/>
-          </p:cNvPicPr>
-          <p:nvPr>
-            <p:ph idx="1"/>
-          </p:nvPr>
-        </p:nvPicPr>
-        <p:blipFill>
-          <a:blip r:embed="rId2" cstate="print"/>
-          <a:srcRect/>
-          <a:stretch>
-            <a:fillRect/>
-          </a:stretch>
-        </p:blipFill>
-        <p:spPr bwMode="auto">
-          <a:xfrm>
-            <a:off x="1037890" y="1371600"/>
-            <a:ext cx="7068220" cy="4984750"/>
-          </a:xfrm>
-          <a:prstGeom prst="rect">
-            <a:avLst/>
-          </a:prstGeom>
-          <a:noFill/>
-          <a:ln w="9525">
-            <a:noFill/>
-            <a:miter lim="800000"/>
-            <a:headEnd/>
-            <a:tailEnd/>
-          </a:ln>
-        </p:spPr>
-      </p:pic>
     </p:spTree>
   </p:cSld>
   <p:clrMapOvr>
@@ -17576,6 +17811,19 @@
 </file>
 
 <file path=customXml/item1.xml><?xml version="1.0" encoding="utf-8"?>
+<LongProperties xmlns="http://schemas.microsoft.com/office/2006/metadata/longProperties"/>
+</file>
+
+<file path=customXml/item2.xml><?xml version="1.0" encoding="utf-8"?>
+<?mso-contentType ?>
+<FormTemplates xmlns="http://schemas.microsoft.com/sharepoint/v3/contenttype/forms">
+  <Display>DocumentLibraryForm</Display>
+  <Edit>DocumentLibraryForm</Edit>
+  <New>DocumentLibraryForm</New>
+</FormTemplates>
+</file>
+
+<file path=customXml/item3.xml><?xml version="1.0" encoding="utf-8"?>
 <ct:contentTypeSchema xmlns:ct="http://schemas.microsoft.com/office/2006/metadata/contentType" xmlns:ma="http://schemas.microsoft.com/office/2006/metadata/properties/metaAttributes" ct:_="" ma:_="" ma:contentTypeName="Document" ma:contentTypeID="0x010100797E94D878EF7E4481CCE1736EE37636" ma:contentTypeVersion="0" ma:contentTypeDescription="Create a new document." ma:contentTypeScope="" ma:versionID="5c544f42153d6c39e9d590efc7b390ff">
   <xsd:schema xmlns:xsd="http://www.w3.org/2001/XMLSchema" xmlns:p="http://schemas.microsoft.com/office/2006/metadata/properties" targetNamespace="http://schemas.microsoft.com/office/2006/metadata/properties" ma:root="true" ma:fieldsID="4aeb20c0e3442673af7ee10786458764">
     <xsd:element name="properties">
@@ -17624,19 +17872,6 @@
 </ct:contentTypeSchema>
 </file>
 
-<file path=customXml/item2.xml><?xml version="1.0" encoding="utf-8"?>
-<?mso-contentType ?>
-<FormTemplates xmlns="http://schemas.microsoft.com/sharepoint/v3/contenttype/forms">
-  <Display>DocumentLibraryForm</Display>
-  <Edit>DocumentLibraryForm</Edit>
-  <New>DocumentLibraryForm</New>
-</FormTemplates>
-</file>
-
-<file path=customXml/item3.xml><?xml version="1.0" encoding="utf-8"?>
-<LongProperties xmlns="http://schemas.microsoft.com/office/2006/metadata/longProperties"/>
-</file>
-
 <file path=customXml/item4.xml><?xml version="1.0" encoding="utf-8"?>
 <p:properties xmlns:p="http://schemas.microsoft.com/office/2006/metadata/properties" xmlns:xsi="http://www.w3.org/2001/XMLSchema-instance">
   <documentManagement/>
@@ -17644,6 +17879,22 @@
 </file>
 
 <file path=customXml/itemProps1.xml><?xml version="1.0" encoding="utf-8"?>
+<ds:datastoreItem xmlns:ds="http://schemas.openxmlformats.org/officeDocument/2006/customXml" ds:itemID="{3A52E100-988B-4AD7-BEE7-143E221E4D56}">
+  <ds:schemaRefs>
+    <ds:schemaRef ds:uri="http://schemas.microsoft.com/office/2006/metadata/longProperties"/>
+  </ds:schemaRefs>
+</ds:datastoreItem>
+</file>
+
+<file path=customXml/itemProps2.xml><?xml version="1.0" encoding="utf-8"?>
+<ds:datastoreItem xmlns:ds="http://schemas.openxmlformats.org/officeDocument/2006/customXml" ds:itemID="{47AC431E-914B-41CD-8266-410056DEBF70}">
+  <ds:schemaRefs>
+    <ds:schemaRef ds:uri="http://schemas.microsoft.com/sharepoint/v3/contenttype/forms"/>
+  </ds:schemaRefs>
+</ds:datastoreItem>
+</file>
+
+<file path=customXml/itemProps3.xml><?xml version="1.0" encoding="utf-8"?>
 <ds:datastoreItem xmlns:ds="http://schemas.openxmlformats.org/officeDocument/2006/customXml" ds:itemID="{D3155E93-EBFB-4114-80A6-E3D454F8BEC6}">
   <ds:schemaRefs>
     <ds:schemaRef ds:uri="http://schemas.microsoft.com/office/2006/metadata/contentType"/>
@@ -17658,22 +17909,6 @@
 </ds:datastoreItem>
 </file>
 
-<file path=customXml/itemProps2.xml><?xml version="1.0" encoding="utf-8"?>
-<ds:datastoreItem xmlns:ds="http://schemas.openxmlformats.org/officeDocument/2006/customXml" ds:itemID="{47AC431E-914B-41CD-8266-410056DEBF70}">
-  <ds:schemaRefs>
-    <ds:schemaRef ds:uri="http://schemas.microsoft.com/sharepoint/v3/contenttype/forms"/>
-  </ds:schemaRefs>
-</ds:datastoreItem>
-</file>
-
-<file path=customXml/itemProps3.xml><?xml version="1.0" encoding="utf-8"?>
-<ds:datastoreItem xmlns:ds="http://schemas.openxmlformats.org/officeDocument/2006/customXml" ds:itemID="{3A52E100-988B-4AD7-BEE7-143E221E4D56}">
-  <ds:schemaRefs>
-    <ds:schemaRef ds:uri="http://schemas.microsoft.com/office/2006/metadata/longProperties"/>
-  </ds:schemaRefs>
-</ds:datastoreItem>
-</file>
-
 <file path=customXml/itemProps4.xml><?xml version="1.0" encoding="utf-8"?>
 <ds:datastoreItem xmlns:ds="http://schemas.openxmlformats.org/officeDocument/2006/customXml" ds:itemID="{436077F0-9306-4FEA-9E60-1A589A643FAE}">
   <ds:schemaRefs>
